--- a/contents/동물서바이벌/동물서바이벌 ui 레이아웃.pptx
+++ b/contents/동물서바이벌/동물서바이벌 ui 레이아웃.pptx
@@ -5,17 +5,19 @@
     <p:sldMasterId id="2147483660" r:id="rId1"/>
   </p:sldMasterIdLst>
   <p:notesMasterIdLst>
-    <p:notesMasterId r:id="rId10"/>
+    <p:notesMasterId r:id="rId12"/>
   </p:notesMasterIdLst>
   <p:sldIdLst>
     <p:sldId id="277" r:id="rId2"/>
     <p:sldId id="279" r:id="rId3"/>
-    <p:sldId id="273" r:id="rId4"/>
-    <p:sldId id="272" r:id="rId5"/>
-    <p:sldId id="274" r:id="rId6"/>
-    <p:sldId id="276" r:id="rId7"/>
-    <p:sldId id="275" r:id="rId8"/>
-    <p:sldId id="278" r:id="rId9"/>
+    <p:sldId id="280" r:id="rId4"/>
+    <p:sldId id="281" r:id="rId5"/>
+    <p:sldId id="273" r:id="rId6"/>
+    <p:sldId id="272" r:id="rId7"/>
+    <p:sldId id="274" r:id="rId8"/>
+    <p:sldId id="276" r:id="rId9"/>
+    <p:sldId id="275" r:id="rId10"/>
+    <p:sldId id="278" r:id="rId11"/>
   </p:sldIdLst>
   <p:sldSz cx="12801600" cy="9601200" type="A3"/>
   <p:notesSz cx="6858000" cy="9144000"/>
@@ -204,7 +206,7 @@
           <a:p>
             <a:fld id="{FF64C1EB-C559-4618-8572-E141ED541865}" type="datetimeFigureOut">
               <a:rPr lang="ko-KR" altLang="en-US" smtClean="0"/>
-              <a:t>2024-05-23</a:t>
+              <a:t>2024-05-24</a:t>
             </a:fld>
             <a:endParaRPr lang="ko-KR" altLang="en-US"/>
           </a:p>
@@ -639,6 +641,174 @@
 </p:notes>
 </file>
 
+<file path=ppt/notesSlides/notesSlide3.xml><?xml version="1.0" encoding="utf-8"?>
+<p:notes xmlns:a="http://schemas.openxmlformats.org/drawingml/2006/main" xmlns:r="http://schemas.openxmlformats.org/officeDocument/2006/relationships" xmlns:p="http://schemas.openxmlformats.org/presentationml/2006/main">
+  <p:cSld>
+    <p:spTree>
+      <p:nvGrpSpPr>
+        <p:cNvPr id="1" name=""/>
+        <p:cNvGrpSpPr/>
+        <p:nvPr/>
+      </p:nvGrpSpPr>
+      <p:grpSpPr>
+        <a:xfrm>
+          <a:off x="0" y="0"/>
+          <a:ext cx="0" cy="0"/>
+          <a:chOff x="0" y="0"/>
+          <a:chExt cx="0" cy="0"/>
+        </a:xfrm>
+      </p:grpSpPr>
+      <p:sp>
+        <p:nvSpPr>
+          <p:cNvPr id="2" name="슬라이드 이미지 개체 틀 1"/>
+          <p:cNvSpPr>
+            <a:spLocks noGrp="1" noRot="1" noChangeAspect="1"/>
+          </p:cNvSpPr>
+          <p:nvPr>
+            <p:ph type="sldImg"/>
+          </p:nvPr>
+        </p:nvSpPr>
+        <p:spPr/>
+      </p:sp>
+      <p:sp>
+        <p:nvSpPr>
+          <p:cNvPr id="3" name="슬라이드 노트 개체 틀 2"/>
+          <p:cNvSpPr>
+            <a:spLocks noGrp="1"/>
+          </p:cNvSpPr>
+          <p:nvPr>
+            <p:ph type="body" idx="1"/>
+          </p:nvPr>
+        </p:nvSpPr>
+        <p:spPr/>
+        <p:txBody>
+          <a:bodyPr/>
+          <a:lstStyle/>
+          <a:p>
+            <a:endParaRPr lang="ko-KR" altLang="en-US" dirty="0"/>
+          </a:p>
+        </p:txBody>
+      </p:sp>
+      <p:sp>
+        <p:nvSpPr>
+          <p:cNvPr id="4" name="슬라이드 번호 개체 틀 3"/>
+          <p:cNvSpPr>
+            <a:spLocks noGrp="1"/>
+          </p:cNvSpPr>
+          <p:nvPr>
+            <p:ph type="sldNum" sz="quarter" idx="5"/>
+          </p:nvPr>
+        </p:nvSpPr>
+        <p:spPr/>
+        <p:txBody>
+          <a:bodyPr/>
+          <a:lstStyle/>
+          <a:p>
+            <a:fld id="{90FDDF11-BABE-4299-927A-E53FF72AE83F}" type="slidenum">
+              <a:rPr lang="ko-KR" altLang="en-US" smtClean="0"/>
+              <a:t>3</a:t>
+            </a:fld>
+            <a:endParaRPr lang="ko-KR" altLang="en-US"/>
+          </a:p>
+        </p:txBody>
+      </p:sp>
+    </p:spTree>
+    <p:extLst>
+      <p:ext uri="{BB962C8B-B14F-4D97-AF65-F5344CB8AC3E}">
+        <p14:creationId xmlns:p14="http://schemas.microsoft.com/office/powerpoint/2010/main" val="1560703625"/>
+      </p:ext>
+    </p:extLst>
+  </p:cSld>
+  <p:clrMapOvr>
+    <a:masterClrMapping/>
+  </p:clrMapOvr>
+</p:notes>
+</file>
+
+<file path=ppt/notesSlides/notesSlide4.xml><?xml version="1.0" encoding="utf-8"?>
+<p:notes xmlns:a="http://schemas.openxmlformats.org/drawingml/2006/main" xmlns:r="http://schemas.openxmlformats.org/officeDocument/2006/relationships" xmlns:p="http://schemas.openxmlformats.org/presentationml/2006/main">
+  <p:cSld>
+    <p:spTree>
+      <p:nvGrpSpPr>
+        <p:cNvPr id="1" name=""/>
+        <p:cNvGrpSpPr/>
+        <p:nvPr/>
+      </p:nvGrpSpPr>
+      <p:grpSpPr>
+        <a:xfrm>
+          <a:off x="0" y="0"/>
+          <a:ext cx="0" cy="0"/>
+          <a:chOff x="0" y="0"/>
+          <a:chExt cx="0" cy="0"/>
+        </a:xfrm>
+      </p:grpSpPr>
+      <p:sp>
+        <p:nvSpPr>
+          <p:cNvPr id="2" name="슬라이드 이미지 개체 틀 1"/>
+          <p:cNvSpPr>
+            <a:spLocks noGrp="1" noRot="1" noChangeAspect="1"/>
+          </p:cNvSpPr>
+          <p:nvPr>
+            <p:ph type="sldImg"/>
+          </p:nvPr>
+        </p:nvSpPr>
+        <p:spPr/>
+      </p:sp>
+      <p:sp>
+        <p:nvSpPr>
+          <p:cNvPr id="3" name="슬라이드 노트 개체 틀 2"/>
+          <p:cNvSpPr>
+            <a:spLocks noGrp="1"/>
+          </p:cNvSpPr>
+          <p:nvPr>
+            <p:ph type="body" idx="1"/>
+          </p:nvPr>
+        </p:nvSpPr>
+        <p:spPr/>
+        <p:txBody>
+          <a:bodyPr/>
+          <a:lstStyle/>
+          <a:p>
+            <a:endParaRPr lang="ko-KR" altLang="en-US" dirty="0"/>
+          </a:p>
+        </p:txBody>
+      </p:sp>
+      <p:sp>
+        <p:nvSpPr>
+          <p:cNvPr id="4" name="슬라이드 번호 개체 틀 3"/>
+          <p:cNvSpPr>
+            <a:spLocks noGrp="1"/>
+          </p:cNvSpPr>
+          <p:nvPr>
+            <p:ph type="sldNum" sz="quarter" idx="5"/>
+          </p:nvPr>
+        </p:nvSpPr>
+        <p:spPr/>
+        <p:txBody>
+          <a:bodyPr/>
+          <a:lstStyle/>
+          <a:p>
+            <a:fld id="{90FDDF11-BABE-4299-927A-E53FF72AE83F}" type="slidenum">
+              <a:rPr lang="ko-KR" altLang="en-US" smtClean="0"/>
+              <a:t>4</a:t>
+            </a:fld>
+            <a:endParaRPr lang="ko-KR" altLang="en-US"/>
+          </a:p>
+        </p:txBody>
+      </p:sp>
+    </p:spTree>
+    <p:extLst>
+      <p:ext uri="{BB962C8B-B14F-4D97-AF65-F5344CB8AC3E}">
+        <p14:creationId xmlns:p14="http://schemas.microsoft.com/office/powerpoint/2010/main" val="3226017793"/>
+      </p:ext>
+    </p:extLst>
+  </p:cSld>
+  <p:clrMapOvr>
+    <a:masterClrMapping/>
+  </p:clrMapOvr>
+</p:notes>
+</file>
+
 <file path=ppt/slideLayouts/slideLayout1.xml><?xml version="1.0" encoding="utf-8"?>
 <p:sldLayout xmlns:a="http://schemas.openxmlformats.org/drawingml/2006/main" xmlns:r="http://schemas.openxmlformats.org/officeDocument/2006/relationships" xmlns:p="http://schemas.openxmlformats.org/presentationml/2006/main" type="title" preserve="1">
   <p:cSld name="제목 슬라이드">
@@ -770,7 +940,7 @@
           <a:p>
             <a:fld id="{61660A64-7350-483A-AC7B-00A71C3870A6}" type="datetimeFigureOut">
               <a:rPr lang="ko-KR" altLang="en-US" smtClean="0"/>
-              <a:t>2024-05-23</a:t>
+              <a:t>2024-05-24</a:t>
             </a:fld>
             <a:endParaRPr lang="ko-KR" altLang="en-US"/>
           </a:p>
@@ -940,7 +1110,7 @@
           <a:p>
             <a:fld id="{61660A64-7350-483A-AC7B-00A71C3870A6}" type="datetimeFigureOut">
               <a:rPr lang="ko-KR" altLang="en-US" smtClean="0"/>
-              <a:t>2024-05-23</a:t>
+              <a:t>2024-05-24</a:t>
             </a:fld>
             <a:endParaRPr lang="ko-KR" altLang="en-US"/>
           </a:p>
@@ -1120,7 +1290,7 @@
           <a:p>
             <a:fld id="{61660A64-7350-483A-AC7B-00A71C3870A6}" type="datetimeFigureOut">
               <a:rPr lang="ko-KR" altLang="en-US" smtClean="0"/>
-              <a:t>2024-05-23</a:t>
+              <a:t>2024-05-24</a:t>
             </a:fld>
             <a:endParaRPr lang="ko-KR" altLang="en-US"/>
           </a:p>
@@ -1290,7 +1460,7 @@
           <a:p>
             <a:fld id="{61660A64-7350-483A-AC7B-00A71C3870A6}" type="datetimeFigureOut">
               <a:rPr lang="ko-KR" altLang="en-US" smtClean="0"/>
-              <a:t>2024-05-23</a:t>
+              <a:t>2024-05-24</a:t>
             </a:fld>
             <a:endParaRPr lang="ko-KR" altLang="en-US"/>
           </a:p>
@@ -1534,7 +1704,7 @@
           <a:p>
             <a:fld id="{61660A64-7350-483A-AC7B-00A71C3870A6}" type="datetimeFigureOut">
               <a:rPr lang="ko-KR" altLang="en-US" smtClean="0"/>
-              <a:t>2024-05-23</a:t>
+              <a:t>2024-05-24</a:t>
             </a:fld>
             <a:endParaRPr lang="ko-KR" altLang="en-US"/>
           </a:p>
@@ -1766,7 +1936,7 @@
           <a:p>
             <a:fld id="{61660A64-7350-483A-AC7B-00A71C3870A6}" type="datetimeFigureOut">
               <a:rPr lang="ko-KR" altLang="en-US" smtClean="0"/>
-              <a:t>2024-05-23</a:t>
+              <a:t>2024-05-24</a:t>
             </a:fld>
             <a:endParaRPr lang="ko-KR" altLang="en-US"/>
           </a:p>
@@ -2133,7 +2303,7 @@
           <a:p>
             <a:fld id="{61660A64-7350-483A-AC7B-00A71C3870A6}" type="datetimeFigureOut">
               <a:rPr lang="ko-KR" altLang="en-US" smtClean="0"/>
-              <a:t>2024-05-23</a:t>
+              <a:t>2024-05-24</a:t>
             </a:fld>
             <a:endParaRPr lang="ko-KR" altLang="en-US"/>
           </a:p>
@@ -2251,7 +2421,7 @@
           <a:p>
             <a:fld id="{61660A64-7350-483A-AC7B-00A71C3870A6}" type="datetimeFigureOut">
               <a:rPr lang="ko-KR" altLang="en-US" smtClean="0"/>
-              <a:t>2024-05-23</a:t>
+              <a:t>2024-05-24</a:t>
             </a:fld>
             <a:endParaRPr lang="ko-KR" altLang="en-US"/>
           </a:p>
@@ -2346,7 +2516,7 @@
           <a:p>
             <a:fld id="{61660A64-7350-483A-AC7B-00A71C3870A6}" type="datetimeFigureOut">
               <a:rPr lang="ko-KR" altLang="en-US" smtClean="0"/>
-              <a:t>2024-05-23</a:t>
+              <a:t>2024-05-24</a:t>
             </a:fld>
             <a:endParaRPr lang="ko-KR" altLang="en-US"/>
           </a:p>
@@ -2623,7 +2793,7 @@
           <a:p>
             <a:fld id="{61660A64-7350-483A-AC7B-00A71C3870A6}" type="datetimeFigureOut">
               <a:rPr lang="ko-KR" altLang="en-US" smtClean="0"/>
-              <a:t>2024-05-23</a:t>
+              <a:t>2024-05-24</a:t>
             </a:fld>
             <a:endParaRPr lang="ko-KR" altLang="en-US"/>
           </a:p>
@@ -2880,7 +3050,7 @@
           <a:p>
             <a:fld id="{61660A64-7350-483A-AC7B-00A71C3870A6}" type="datetimeFigureOut">
               <a:rPr lang="ko-KR" altLang="en-US" smtClean="0"/>
-              <a:t>2024-05-23</a:t>
+              <a:t>2024-05-24</a:t>
             </a:fld>
             <a:endParaRPr lang="ko-KR" altLang="en-US"/>
           </a:p>
@@ -3093,7 +3263,7 @@
           <a:p>
             <a:fld id="{61660A64-7350-483A-AC7B-00A71C3870A6}" type="datetimeFigureOut">
               <a:rPr lang="ko-KR" altLang="en-US" smtClean="0"/>
-              <a:t>2024-05-23</a:t>
+              <a:t>2024-05-24</a:t>
             </a:fld>
             <a:endParaRPr lang="ko-KR" altLang="en-US"/>
           </a:p>
@@ -7029,6 +7199,1176 @@
 </p:sld>
 </file>
 
+<file path=ppt/slides/slide10.xml><?xml version="1.0" encoding="utf-8"?>
+<p:sld xmlns:a="http://schemas.openxmlformats.org/drawingml/2006/main" xmlns:r="http://schemas.openxmlformats.org/officeDocument/2006/relationships" xmlns:p="http://schemas.openxmlformats.org/presentationml/2006/main">
+  <p:cSld>
+    <p:spTree>
+      <p:nvGrpSpPr>
+        <p:cNvPr id="1" name=""/>
+        <p:cNvGrpSpPr/>
+        <p:nvPr/>
+      </p:nvGrpSpPr>
+      <p:grpSpPr>
+        <a:xfrm>
+          <a:off x="0" y="0"/>
+          <a:ext cx="0" cy="0"/>
+          <a:chOff x="0" y="0"/>
+          <a:chExt cx="0" cy="0"/>
+        </a:xfrm>
+      </p:grpSpPr>
+      <p:pic>
+        <p:nvPicPr>
+          <p:cNvPr id="20" name="그림 19">
+            <a:extLst>
+              <a:ext uri="{FF2B5EF4-FFF2-40B4-BE49-F238E27FC236}">
+                <a16:creationId xmlns:a16="http://schemas.microsoft.com/office/drawing/2014/main" id="{AB3DF22C-BB4A-1EEF-C97F-9D06579CE270}"/>
+              </a:ext>
+            </a:extLst>
+          </p:cNvPr>
+          <p:cNvPicPr>
+            <a:picLocks noChangeAspect="1"/>
+          </p:cNvPicPr>
+          <p:nvPr/>
+        </p:nvPicPr>
+        <p:blipFill>
+          <a:blip r:embed="rId2"/>
+          <a:stretch>
+            <a:fillRect/>
+          </a:stretch>
+        </p:blipFill>
+        <p:spPr>
+          <a:xfrm>
+            <a:off x="10407788" y="2053726"/>
+            <a:ext cx="1514686" cy="2438740"/>
+          </a:xfrm>
+          <a:prstGeom prst="rect">
+            <a:avLst/>
+          </a:prstGeom>
+        </p:spPr>
+      </p:pic>
+      <p:pic>
+        <p:nvPicPr>
+          <p:cNvPr id="9" name="그림 8">
+            <a:extLst>
+              <a:ext uri="{FF2B5EF4-FFF2-40B4-BE49-F238E27FC236}">
+                <a16:creationId xmlns:a16="http://schemas.microsoft.com/office/drawing/2014/main" id="{86C31DF8-3F63-FAEB-9989-C2F764A3E1CC}"/>
+              </a:ext>
+            </a:extLst>
+          </p:cNvPr>
+          <p:cNvPicPr>
+            <a:picLocks noChangeAspect="1"/>
+          </p:cNvPicPr>
+          <p:nvPr/>
+        </p:nvPicPr>
+        <p:blipFill>
+          <a:blip r:embed="rId3"/>
+          <a:stretch>
+            <a:fillRect/>
+          </a:stretch>
+        </p:blipFill>
+        <p:spPr>
+          <a:xfrm>
+            <a:off x="9046088" y="2400140"/>
+            <a:ext cx="771633" cy="1143160"/>
+          </a:xfrm>
+          <a:prstGeom prst="rect">
+            <a:avLst/>
+          </a:prstGeom>
+        </p:spPr>
+      </p:pic>
+      <p:pic>
+        <p:nvPicPr>
+          <p:cNvPr id="13" name="그림 12">
+            <a:extLst>
+              <a:ext uri="{FF2B5EF4-FFF2-40B4-BE49-F238E27FC236}">
+                <a16:creationId xmlns:a16="http://schemas.microsoft.com/office/drawing/2014/main" id="{178DBA01-0D9B-258A-E40D-95DEDA8A3E0D}"/>
+              </a:ext>
+            </a:extLst>
+          </p:cNvPr>
+          <p:cNvPicPr>
+            <a:picLocks noChangeAspect="1"/>
+          </p:cNvPicPr>
+          <p:nvPr/>
+        </p:nvPicPr>
+        <p:blipFill>
+          <a:blip r:embed="rId4"/>
+          <a:stretch>
+            <a:fillRect/>
+          </a:stretch>
+        </p:blipFill>
+        <p:spPr>
+          <a:xfrm>
+            <a:off x="9069905" y="3904950"/>
+            <a:ext cx="724001" cy="1076475"/>
+          </a:xfrm>
+          <a:prstGeom prst="rect">
+            <a:avLst/>
+          </a:prstGeom>
+        </p:spPr>
+      </p:pic>
+      <p:pic>
+        <p:nvPicPr>
+          <p:cNvPr id="15" name="그림 14">
+            <a:extLst>
+              <a:ext uri="{FF2B5EF4-FFF2-40B4-BE49-F238E27FC236}">
+                <a16:creationId xmlns:a16="http://schemas.microsoft.com/office/drawing/2014/main" id="{291D4A39-82C7-49E5-CEA6-7DF40BECD5D9}"/>
+              </a:ext>
+            </a:extLst>
+          </p:cNvPr>
+          <p:cNvPicPr>
+            <a:picLocks noChangeAspect="1"/>
+          </p:cNvPicPr>
+          <p:nvPr/>
+        </p:nvPicPr>
+        <p:blipFill>
+          <a:blip r:embed="rId5"/>
+          <a:stretch>
+            <a:fillRect/>
+          </a:stretch>
+        </p:blipFill>
+        <p:spPr>
+          <a:xfrm>
+            <a:off x="10085700" y="4524728"/>
+            <a:ext cx="2158862" cy="1317272"/>
+          </a:xfrm>
+          <a:prstGeom prst="rect">
+            <a:avLst/>
+          </a:prstGeom>
+        </p:spPr>
+      </p:pic>
+      <p:pic>
+        <p:nvPicPr>
+          <p:cNvPr id="22" name="그래픽 21" descr="오른쪽을 가리키는 검지  단색으로 채워진">
+            <a:extLst>
+              <a:ext uri="{FF2B5EF4-FFF2-40B4-BE49-F238E27FC236}">
+                <a16:creationId xmlns:a16="http://schemas.microsoft.com/office/drawing/2014/main" id="{B4529CBB-84DF-A2CA-AE5E-5D4E8850A4CD}"/>
+              </a:ext>
+            </a:extLst>
+          </p:cNvPr>
+          <p:cNvPicPr>
+            <a:picLocks noChangeAspect="1"/>
+          </p:cNvPicPr>
+          <p:nvPr/>
+        </p:nvPicPr>
+        <p:blipFill>
+          <a:blip r:embed="rId6">
+            <a:extLst>
+              <a:ext uri="{28A0092B-C50C-407E-A947-70E740481C1C}">
+                <a14:useLocalDpi xmlns:a14="http://schemas.microsoft.com/office/drawing/2010/main" val="0"/>
+              </a:ext>
+              <a:ext uri="{96DAC541-7B7A-43D3-8B79-37D633B846F1}">
+                <asvg:svgBlip xmlns:asvg="http://schemas.microsoft.com/office/drawing/2016/SVG/main" r:embed="rId7"/>
+              </a:ext>
+            </a:extLst>
+          </a:blip>
+          <a:stretch>
+            <a:fillRect/>
+          </a:stretch>
+        </p:blipFill>
+        <p:spPr>
+          <a:xfrm rot="2252841" flipH="1">
+            <a:off x="11112569" y="2978020"/>
+            <a:ext cx="749300" cy="914400"/>
+          </a:xfrm>
+          <a:prstGeom prst="rect">
+            <a:avLst/>
+          </a:prstGeom>
+        </p:spPr>
+      </p:pic>
+      <p:sp>
+        <p:nvSpPr>
+          <p:cNvPr id="25" name="TextBox 24">
+            <a:extLst>
+              <a:ext uri="{FF2B5EF4-FFF2-40B4-BE49-F238E27FC236}">
+                <a16:creationId xmlns:a16="http://schemas.microsoft.com/office/drawing/2014/main" id="{65624907-7A37-6566-0925-E96BC53063BA}"/>
+              </a:ext>
+            </a:extLst>
+          </p:cNvPr>
+          <p:cNvSpPr txBox="1"/>
+          <p:nvPr/>
+        </p:nvSpPr>
+        <p:spPr>
+          <a:xfrm>
+            <a:off x="361950" y="1730560"/>
+            <a:ext cx="4000500" cy="646331"/>
+          </a:xfrm>
+          <a:prstGeom prst="rect">
+            <a:avLst/>
+          </a:prstGeom>
+          <a:noFill/>
+        </p:spPr>
+        <p:txBody>
+          <a:bodyPr wrap="square" rtlCol="0">
+            <a:spAutoFit/>
+          </a:bodyPr>
+          <a:lstStyle/>
+          <a:p>
+            <a:r>
+              <a:rPr lang="ko-KR" altLang="en-US" sz="3600" dirty="0" err="1"/>
+              <a:t>키맵</a:t>
+            </a:r>
+            <a:r>
+              <a:rPr lang="ko-KR" altLang="en-US" sz="3600" dirty="0"/>
+              <a:t> </a:t>
+            </a:r>
+            <a:endParaRPr lang="en-US" altLang="ko-KR" sz="3600" dirty="0"/>
+          </a:p>
+        </p:txBody>
+      </p:sp>
+      <p:pic>
+        <p:nvPicPr>
+          <p:cNvPr id="27" name="그림 26">
+            <a:extLst>
+              <a:ext uri="{FF2B5EF4-FFF2-40B4-BE49-F238E27FC236}">
+                <a16:creationId xmlns:a16="http://schemas.microsoft.com/office/drawing/2014/main" id="{E8C3A3C5-CDB2-D15E-C93E-A31A1378E974}"/>
+              </a:ext>
+            </a:extLst>
+          </p:cNvPr>
+          <p:cNvPicPr>
+            <a:picLocks noChangeAspect="1"/>
+          </p:cNvPicPr>
+          <p:nvPr/>
+        </p:nvPicPr>
+        <p:blipFill>
+          <a:blip r:embed="rId8">
+            <a:extLst>
+              <a:ext uri="{28A0092B-C50C-407E-A947-70E740481C1C}">
+                <a14:useLocalDpi xmlns:a14="http://schemas.microsoft.com/office/drawing/2010/main" val="0"/>
+              </a:ext>
+            </a:extLst>
+          </a:blip>
+          <a:stretch>
+            <a:fillRect/>
+          </a:stretch>
+        </p:blipFill>
+        <p:spPr>
+          <a:xfrm>
+            <a:off x="361950" y="2485706"/>
+            <a:ext cx="8420100" cy="3276600"/>
+          </a:xfrm>
+          <a:prstGeom prst="rect">
+            <a:avLst/>
+          </a:prstGeom>
+        </p:spPr>
+      </p:pic>
+      <p:graphicFrame>
+        <p:nvGraphicFramePr>
+          <p:cNvPr id="2" name="표 1">
+            <a:extLst>
+              <a:ext uri="{FF2B5EF4-FFF2-40B4-BE49-F238E27FC236}">
+                <a16:creationId xmlns:a16="http://schemas.microsoft.com/office/drawing/2014/main" id="{2DA16EEE-D6EE-EBFE-1B14-14E4050F27B2}"/>
+              </a:ext>
+            </a:extLst>
+          </p:cNvPr>
+          <p:cNvGraphicFramePr>
+            <a:graphicFrameLocks noGrp="1"/>
+          </p:cNvGraphicFramePr>
+          <p:nvPr>
+            <p:extLst>
+              <p:ext uri="{D42A27DB-BD31-4B8C-83A1-F6EECF244321}">
+                <p14:modId xmlns:p14="http://schemas.microsoft.com/office/powerpoint/2010/main" val="1183401227"/>
+              </p:ext>
+            </p:extLst>
+          </p:nvPr>
+        </p:nvGraphicFramePr>
+        <p:xfrm>
+          <a:off x="8781672" y="5832475"/>
+          <a:ext cx="3943350" cy="3071368"/>
+        </p:xfrm>
+        <a:graphic>
+          <a:graphicData uri="http://schemas.openxmlformats.org/drawingml/2006/table">
+            <a:tbl>
+              <a:tblPr firstRow="1" bandRow="1">
+                <a:tableStyleId>{BDBED569-4797-4DF1-A0F4-6AAB3CD982D8}</a:tableStyleId>
+              </a:tblPr>
+              <a:tblGrid>
+                <a:gridCol w="1971675">
+                  <a:extLst>
+                    <a:ext uri="{9D8B030D-6E8A-4147-A177-3AD203B41FA5}">
+                      <a16:colId xmlns:a16="http://schemas.microsoft.com/office/drawing/2014/main" val="548487130"/>
+                    </a:ext>
+                  </a:extLst>
+                </a:gridCol>
+                <a:gridCol w="1971675">
+                  <a:extLst>
+                    <a:ext uri="{9D8B030D-6E8A-4147-A177-3AD203B41FA5}">
+                      <a16:colId xmlns:a16="http://schemas.microsoft.com/office/drawing/2014/main" val="1360713197"/>
+                    </a:ext>
+                  </a:extLst>
+                </a:gridCol>
+              </a:tblGrid>
+              <a:tr h="0">
+                <a:tc>
+                  <a:txBody>
+                    <a:bodyPr/>
+                    <a:lstStyle/>
+                    <a:p>
+                      <a:pPr latinLnBrk="1"/>
+                      <a:r>
+                        <a:rPr lang="ko-KR" altLang="en-US" dirty="0"/>
+                        <a:t>게임패드</a:t>
+                      </a:r>
+                    </a:p>
+                  </a:txBody>
+                  <a:tcPr>
+                    <a:solidFill>
+                      <a:schemeClr val="accent6">
+                        <a:lumMod val="40000"/>
+                        <a:lumOff val="60000"/>
+                      </a:schemeClr>
+                    </a:solidFill>
+                  </a:tcPr>
+                </a:tc>
+                <a:tc>
+                  <a:txBody>
+                    <a:bodyPr/>
+                    <a:lstStyle/>
+                    <a:p>
+                      <a:pPr marL="0" marR="0" lvl="0" indent="0" algn="l" defTabSz="1280160" rtl="0" eaLnBrk="1" fontAlgn="auto" latinLnBrk="1" hangingPunct="1">
+                        <a:lnSpc>
+                          <a:spcPct val="100000"/>
+                        </a:lnSpc>
+                        <a:spcBef>
+                          <a:spcPts val="0"/>
+                        </a:spcBef>
+                        <a:spcAft>
+                          <a:spcPts val="0"/>
+                        </a:spcAft>
+                        <a:buClrTx/>
+                        <a:buSzTx/>
+                        <a:buFontTx/>
+                        <a:buNone/>
+                        <a:tabLst/>
+                        <a:defRPr/>
+                      </a:pPr>
+                      <a:r>
+                        <a:rPr lang="ko-KR" altLang="en-US" dirty="0"/>
+                        <a:t>조작</a:t>
+                      </a:r>
+                    </a:p>
+                  </a:txBody>
+                  <a:tcPr>
+                    <a:solidFill>
+                      <a:schemeClr val="accent6">
+                        <a:lumMod val="40000"/>
+                        <a:lumOff val="60000"/>
+                      </a:schemeClr>
+                    </a:solidFill>
+                  </a:tcPr>
+                </a:tc>
+                <a:extLst>
+                  <a:ext uri="{0D108BD9-81ED-4DB2-BD59-A6C34878D82A}">
+                    <a16:rowId xmlns:a16="http://schemas.microsoft.com/office/drawing/2014/main" val="1692466690"/>
+                  </a:ext>
+                </a:extLst>
+              </a:tr>
+              <a:tr h="370840">
+                <a:tc>
+                  <a:txBody>
+                    <a:bodyPr/>
+                    <a:lstStyle/>
+                    <a:p>
+                      <a:pPr latinLnBrk="1"/>
+                      <a:r>
+                        <a:rPr lang="ko-KR" altLang="en-US" sz="1800" dirty="0"/>
+                        <a:t>이동</a:t>
+                      </a:r>
+                    </a:p>
+                  </a:txBody>
+                  <a:tcPr/>
+                </a:tc>
+                <a:tc>
+                  <a:txBody>
+                    <a:bodyPr/>
+                    <a:lstStyle/>
+                    <a:p>
+                      <a:pPr latinLnBrk="1"/>
+                      <a:r>
+                        <a:rPr lang="ko-KR" altLang="en-US" sz="1800" dirty="0"/>
+                        <a:t>이동키</a:t>
+                      </a:r>
+                    </a:p>
+                  </a:txBody>
+                  <a:tcPr/>
+                </a:tc>
+                <a:extLst>
+                  <a:ext uri="{0D108BD9-81ED-4DB2-BD59-A6C34878D82A}">
+                    <a16:rowId xmlns:a16="http://schemas.microsoft.com/office/drawing/2014/main" val="510096596"/>
+                  </a:ext>
+                </a:extLst>
+              </a:tr>
+              <a:tr h="370840">
+                <a:tc>
+                  <a:txBody>
+                    <a:bodyPr/>
+                    <a:lstStyle/>
+                    <a:p>
+                      <a:pPr latinLnBrk="1"/>
+                      <a:r>
+                        <a:rPr lang="ko-KR" altLang="en-US" sz="1800" dirty="0"/>
+                        <a:t>선택</a:t>
+                      </a:r>
+                    </a:p>
+                  </a:txBody>
+                  <a:tcPr/>
+                </a:tc>
+                <a:tc>
+                  <a:txBody>
+                    <a:bodyPr/>
+                    <a:lstStyle/>
+                    <a:p>
+                      <a:pPr latinLnBrk="1"/>
+                      <a:r>
+                        <a:rPr lang="en-US" altLang="ko-KR" sz="1800" dirty="0"/>
+                        <a:t>A</a:t>
+                      </a:r>
+                      <a:endParaRPr lang="ko-KR" altLang="en-US" sz="1800" dirty="0"/>
+                    </a:p>
+                  </a:txBody>
+                  <a:tcPr/>
+                </a:tc>
+                <a:extLst>
+                  <a:ext uri="{0D108BD9-81ED-4DB2-BD59-A6C34878D82A}">
+                    <a16:rowId xmlns:a16="http://schemas.microsoft.com/office/drawing/2014/main" val="1294370530"/>
+                  </a:ext>
+                </a:extLst>
+              </a:tr>
+              <a:tr h="370840">
+                <a:tc>
+                  <a:txBody>
+                    <a:bodyPr/>
+                    <a:lstStyle/>
+                    <a:p>
+                      <a:pPr latinLnBrk="1"/>
+                      <a:r>
+                        <a:rPr lang="ko-KR" altLang="en-US" sz="1800" dirty="0"/>
+                        <a:t>돌아가기</a:t>
+                      </a:r>
+                    </a:p>
+                  </a:txBody>
+                  <a:tcPr/>
+                </a:tc>
+                <a:tc>
+                  <a:txBody>
+                    <a:bodyPr/>
+                    <a:lstStyle/>
+                    <a:p>
+                      <a:pPr latinLnBrk="1"/>
+                      <a:r>
+                        <a:rPr lang="en-US" altLang="ko-KR" sz="1800" dirty="0"/>
+                        <a:t>B</a:t>
+                      </a:r>
+                      <a:endParaRPr lang="ko-KR" altLang="en-US" sz="1800" dirty="0"/>
+                    </a:p>
+                  </a:txBody>
+                  <a:tcPr/>
+                </a:tc>
+                <a:extLst>
+                  <a:ext uri="{0D108BD9-81ED-4DB2-BD59-A6C34878D82A}">
+                    <a16:rowId xmlns:a16="http://schemas.microsoft.com/office/drawing/2014/main" val="3131537950"/>
+                  </a:ext>
+                </a:extLst>
+              </a:tr>
+              <a:tr h="370840">
+                <a:tc>
+                  <a:txBody>
+                    <a:bodyPr/>
+                    <a:lstStyle/>
+                    <a:p>
+                      <a:pPr latinLnBrk="1"/>
+                      <a:endParaRPr lang="ko-KR" altLang="en-US" sz="1800"/>
+                    </a:p>
+                  </a:txBody>
+                  <a:tcPr/>
+                </a:tc>
+                <a:tc>
+                  <a:txBody>
+                    <a:bodyPr/>
+                    <a:lstStyle/>
+                    <a:p>
+                      <a:pPr latinLnBrk="1"/>
+                      <a:endParaRPr lang="ko-KR" altLang="en-US" sz="1800" dirty="0"/>
+                    </a:p>
+                  </a:txBody>
+                  <a:tcPr/>
+                </a:tc>
+                <a:extLst>
+                  <a:ext uri="{0D108BD9-81ED-4DB2-BD59-A6C34878D82A}">
+                    <a16:rowId xmlns:a16="http://schemas.microsoft.com/office/drawing/2014/main" val="2009126580"/>
+                  </a:ext>
+                </a:extLst>
+              </a:tr>
+              <a:tr h="370840">
+                <a:tc>
+                  <a:txBody>
+                    <a:bodyPr/>
+                    <a:lstStyle/>
+                    <a:p>
+                      <a:pPr latinLnBrk="1"/>
+                      <a:endParaRPr lang="ko-KR" altLang="en-US" sz="1800" dirty="0"/>
+                    </a:p>
+                  </a:txBody>
+                  <a:tcPr/>
+                </a:tc>
+                <a:tc>
+                  <a:txBody>
+                    <a:bodyPr/>
+                    <a:lstStyle/>
+                    <a:p>
+                      <a:pPr latinLnBrk="1"/>
+                      <a:endParaRPr lang="ko-KR" altLang="en-US" sz="1800" dirty="0"/>
+                    </a:p>
+                  </a:txBody>
+                  <a:tcPr/>
+                </a:tc>
+                <a:extLst>
+                  <a:ext uri="{0D108BD9-81ED-4DB2-BD59-A6C34878D82A}">
+                    <a16:rowId xmlns:a16="http://schemas.microsoft.com/office/drawing/2014/main" val="2548990886"/>
+                  </a:ext>
+                </a:extLst>
+              </a:tr>
+              <a:tr h="370840">
+                <a:tc>
+                  <a:txBody>
+                    <a:bodyPr/>
+                    <a:lstStyle/>
+                    <a:p>
+                      <a:pPr latinLnBrk="1"/>
+                      <a:endParaRPr lang="ko-KR" altLang="en-US" sz="1800" dirty="0"/>
+                    </a:p>
+                  </a:txBody>
+                  <a:tcPr/>
+                </a:tc>
+                <a:tc>
+                  <a:txBody>
+                    <a:bodyPr/>
+                    <a:lstStyle/>
+                    <a:p>
+                      <a:pPr latinLnBrk="1"/>
+                      <a:endParaRPr lang="ko-KR" altLang="en-US" sz="1800" dirty="0"/>
+                    </a:p>
+                  </a:txBody>
+                  <a:tcPr/>
+                </a:tc>
+                <a:extLst>
+                  <a:ext uri="{0D108BD9-81ED-4DB2-BD59-A6C34878D82A}">
+                    <a16:rowId xmlns:a16="http://schemas.microsoft.com/office/drawing/2014/main" val="1606679414"/>
+                  </a:ext>
+                </a:extLst>
+              </a:tr>
+              <a:tr h="370840">
+                <a:tc>
+                  <a:txBody>
+                    <a:bodyPr/>
+                    <a:lstStyle/>
+                    <a:p>
+                      <a:pPr latinLnBrk="1"/>
+                      <a:endParaRPr lang="ko-KR" altLang="en-US" sz="1800" dirty="0"/>
+                    </a:p>
+                  </a:txBody>
+                  <a:tcPr/>
+                </a:tc>
+                <a:tc>
+                  <a:txBody>
+                    <a:bodyPr/>
+                    <a:lstStyle/>
+                    <a:p>
+                      <a:pPr latinLnBrk="1"/>
+                      <a:endParaRPr lang="ko-KR" altLang="en-US" sz="1800" dirty="0"/>
+                    </a:p>
+                  </a:txBody>
+                  <a:tcPr/>
+                </a:tc>
+                <a:extLst>
+                  <a:ext uri="{0D108BD9-81ED-4DB2-BD59-A6C34878D82A}">
+                    <a16:rowId xmlns:a16="http://schemas.microsoft.com/office/drawing/2014/main" val="3505939543"/>
+                  </a:ext>
+                </a:extLst>
+              </a:tr>
+            </a:tbl>
+          </a:graphicData>
+        </a:graphic>
+      </p:graphicFrame>
+      <p:graphicFrame>
+        <p:nvGraphicFramePr>
+          <p:cNvPr id="3" name="표 2">
+            <a:extLst>
+              <a:ext uri="{FF2B5EF4-FFF2-40B4-BE49-F238E27FC236}">
+                <a16:creationId xmlns:a16="http://schemas.microsoft.com/office/drawing/2014/main" id="{0BC59E4E-41F2-4089-B135-50B8812ED116}"/>
+              </a:ext>
+            </a:extLst>
+          </p:cNvPr>
+          <p:cNvGraphicFramePr>
+            <a:graphicFrameLocks noGrp="1"/>
+          </p:cNvGraphicFramePr>
+          <p:nvPr>
+            <p:extLst>
+              <p:ext uri="{D42A27DB-BD31-4B8C-83A1-F6EECF244321}">
+                <p14:modId xmlns:p14="http://schemas.microsoft.com/office/powerpoint/2010/main" val="1406712196"/>
+              </p:ext>
+            </p:extLst>
+          </p:nvPr>
+        </p:nvGraphicFramePr>
+        <p:xfrm>
+          <a:off x="557038" y="5832475"/>
+          <a:ext cx="3943350" cy="3340608"/>
+        </p:xfrm>
+        <a:graphic>
+          <a:graphicData uri="http://schemas.openxmlformats.org/drawingml/2006/table">
+            <a:tbl>
+              <a:tblPr firstRow="1" bandRow="1">
+                <a:tableStyleId>{BDBED569-4797-4DF1-A0F4-6AAB3CD982D8}</a:tableStyleId>
+              </a:tblPr>
+              <a:tblGrid>
+                <a:gridCol w="1971675">
+                  <a:extLst>
+                    <a:ext uri="{9D8B030D-6E8A-4147-A177-3AD203B41FA5}">
+                      <a16:colId xmlns:a16="http://schemas.microsoft.com/office/drawing/2014/main" val="2490748260"/>
+                    </a:ext>
+                  </a:extLst>
+                </a:gridCol>
+                <a:gridCol w="1971675">
+                  <a:extLst>
+                    <a:ext uri="{9D8B030D-6E8A-4147-A177-3AD203B41FA5}">
+                      <a16:colId xmlns:a16="http://schemas.microsoft.com/office/drawing/2014/main" val="538175640"/>
+                    </a:ext>
+                  </a:extLst>
+                </a:gridCol>
+              </a:tblGrid>
+              <a:tr h="0">
+                <a:tc>
+                  <a:txBody>
+                    <a:bodyPr/>
+                    <a:lstStyle/>
+                    <a:p>
+                      <a:pPr latinLnBrk="1"/>
+                      <a:r>
+                        <a:rPr lang="en-US" altLang="ko-KR" dirty="0"/>
+                        <a:t>PC</a:t>
+                      </a:r>
+                      <a:endParaRPr lang="ko-KR" altLang="en-US" dirty="0"/>
+                    </a:p>
+                  </a:txBody>
+                  <a:tcPr>
+                    <a:solidFill>
+                      <a:schemeClr val="accent2">
+                        <a:lumMod val="40000"/>
+                        <a:lumOff val="60000"/>
+                      </a:schemeClr>
+                    </a:solidFill>
+                  </a:tcPr>
+                </a:tc>
+                <a:tc>
+                  <a:txBody>
+                    <a:bodyPr/>
+                    <a:lstStyle/>
+                    <a:p>
+                      <a:pPr marL="0" marR="0" lvl="0" indent="0" algn="l" defTabSz="1280160" rtl="0" eaLnBrk="1" fontAlgn="auto" latinLnBrk="1" hangingPunct="1">
+                        <a:lnSpc>
+                          <a:spcPct val="100000"/>
+                        </a:lnSpc>
+                        <a:spcBef>
+                          <a:spcPts val="0"/>
+                        </a:spcBef>
+                        <a:spcAft>
+                          <a:spcPts val="0"/>
+                        </a:spcAft>
+                        <a:buClrTx/>
+                        <a:buSzTx/>
+                        <a:buFontTx/>
+                        <a:buNone/>
+                        <a:tabLst/>
+                        <a:defRPr/>
+                      </a:pPr>
+                      <a:r>
+                        <a:rPr lang="ko-KR" altLang="en-US" dirty="0"/>
+                        <a:t>조작</a:t>
+                      </a:r>
+                    </a:p>
+                  </a:txBody>
+                  <a:tcPr>
+                    <a:solidFill>
+                      <a:schemeClr val="accent2">
+                        <a:lumMod val="40000"/>
+                        <a:lumOff val="60000"/>
+                      </a:schemeClr>
+                    </a:solidFill>
+                  </a:tcPr>
+                </a:tc>
+                <a:extLst>
+                  <a:ext uri="{0D108BD9-81ED-4DB2-BD59-A6C34878D82A}">
+                    <a16:rowId xmlns:a16="http://schemas.microsoft.com/office/drawing/2014/main" val="1949742061"/>
+                  </a:ext>
+                </a:extLst>
+              </a:tr>
+              <a:tr h="370840">
+                <a:tc>
+                  <a:txBody>
+                    <a:bodyPr/>
+                    <a:lstStyle/>
+                    <a:p>
+                      <a:pPr latinLnBrk="1"/>
+                      <a:r>
+                        <a:rPr lang="ko-KR" altLang="en-US" sz="1800" dirty="0"/>
+                        <a:t>이동</a:t>
+                      </a:r>
+                    </a:p>
+                  </a:txBody>
+                  <a:tcPr/>
+                </a:tc>
+                <a:tc>
+                  <a:txBody>
+                    <a:bodyPr/>
+                    <a:lstStyle/>
+                    <a:p>
+                      <a:pPr latinLnBrk="1"/>
+                      <a:r>
+                        <a:rPr lang="en-US" altLang="ko-KR" sz="1800" dirty="0"/>
+                        <a:t>W, A, S, D, </a:t>
+                      </a:r>
+                      <a:r>
+                        <a:rPr lang="ko-KR" altLang="en-US" sz="1800" dirty="0"/>
+                        <a:t>방향키</a:t>
+                      </a:r>
+                      <a:br>
+                        <a:rPr lang="en-US" altLang="ko-KR" sz="1800" dirty="0"/>
+                      </a:br>
+                      <a:r>
+                        <a:rPr lang="en-US" altLang="ko-KR" sz="1800" dirty="0"/>
+                        <a:t>, </a:t>
+                      </a:r>
+                      <a:r>
+                        <a:rPr lang="ko-KR" altLang="en-US" sz="1800" dirty="0"/>
+                        <a:t>마우스 </a:t>
+                      </a:r>
+                      <a:r>
+                        <a:rPr lang="ko-KR" altLang="en-US" sz="1800" dirty="0" err="1"/>
+                        <a:t>우클릭</a:t>
+                      </a:r>
+                      <a:endParaRPr lang="ko-KR" altLang="en-US" sz="1800" dirty="0"/>
+                    </a:p>
+                  </a:txBody>
+                  <a:tcPr/>
+                </a:tc>
+                <a:extLst>
+                  <a:ext uri="{0D108BD9-81ED-4DB2-BD59-A6C34878D82A}">
+                    <a16:rowId xmlns:a16="http://schemas.microsoft.com/office/drawing/2014/main" val="643266334"/>
+                  </a:ext>
+                </a:extLst>
+              </a:tr>
+              <a:tr h="370840">
+                <a:tc>
+                  <a:txBody>
+                    <a:bodyPr/>
+                    <a:lstStyle/>
+                    <a:p>
+                      <a:pPr latinLnBrk="1"/>
+                      <a:r>
+                        <a:rPr lang="ko-KR" altLang="en-US" sz="1800" dirty="0"/>
+                        <a:t>선택</a:t>
+                      </a:r>
+                    </a:p>
+                  </a:txBody>
+                  <a:tcPr/>
+                </a:tc>
+                <a:tc>
+                  <a:txBody>
+                    <a:bodyPr/>
+                    <a:lstStyle/>
+                    <a:p>
+                      <a:pPr latinLnBrk="1"/>
+                      <a:r>
+                        <a:rPr lang="ko-KR" altLang="en-US" sz="1800" dirty="0"/>
+                        <a:t>마우스 </a:t>
+                      </a:r>
+                      <a:r>
+                        <a:rPr lang="ko-KR" altLang="en-US" sz="1800" dirty="0" err="1"/>
+                        <a:t>좌클릭</a:t>
+                      </a:r>
+                      <a:endParaRPr lang="ko-KR" altLang="en-US" sz="1800" dirty="0"/>
+                    </a:p>
+                  </a:txBody>
+                  <a:tcPr/>
+                </a:tc>
+                <a:extLst>
+                  <a:ext uri="{0D108BD9-81ED-4DB2-BD59-A6C34878D82A}">
+                    <a16:rowId xmlns:a16="http://schemas.microsoft.com/office/drawing/2014/main" val="3136693311"/>
+                  </a:ext>
+                </a:extLst>
+              </a:tr>
+              <a:tr h="370840">
+                <a:tc>
+                  <a:txBody>
+                    <a:bodyPr/>
+                    <a:lstStyle/>
+                    <a:p>
+                      <a:pPr latinLnBrk="1"/>
+                      <a:r>
+                        <a:rPr lang="ko-KR" altLang="en-US" sz="1800" dirty="0"/>
+                        <a:t>돌아가기</a:t>
+                      </a:r>
+                    </a:p>
+                  </a:txBody>
+                  <a:tcPr/>
+                </a:tc>
+                <a:tc>
+                  <a:txBody>
+                    <a:bodyPr/>
+                    <a:lstStyle/>
+                    <a:p>
+                      <a:pPr latinLnBrk="1"/>
+                      <a:r>
+                        <a:rPr lang="en-US" altLang="ko-KR" sz="1800" dirty="0"/>
+                        <a:t>Esc</a:t>
+                      </a:r>
+                      <a:endParaRPr lang="ko-KR" altLang="en-US" sz="1800" dirty="0"/>
+                    </a:p>
+                  </a:txBody>
+                  <a:tcPr/>
+                </a:tc>
+                <a:extLst>
+                  <a:ext uri="{0D108BD9-81ED-4DB2-BD59-A6C34878D82A}">
+                    <a16:rowId xmlns:a16="http://schemas.microsoft.com/office/drawing/2014/main" val="3460540240"/>
+                  </a:ext>
+                </a:extLst>
+              </a:tr>
+              <a:tr h="370840">
+                <a:tc>
+                  <a:txBody>
+                    <a:bodyPr/>
+                    <a:lstStyle/>
+                    <a:p>
+                      <a:pPr latinLnBrk="1"/>
+                      <a:endParaRPr lang="ko-KR" altLang="en-US" sz="1800" dirty="0"/>
+                    </a:p>
+                  </a:txBody>
+                  <a:tcPr/>
+                </a:tc>
+                <a:tc>
+                  <a:txBody>
+                    <a:bodyPr/>
+                    <a:lstStyle/>
+                    <a:p>
+                      <a:pPr latinLnBrk="1"/>
+                      <a:endParaRPr lang="ko-KR" altLang="en-US" sz="1800" dirty="0"/>
+                    </a:p>
+                  </a:txBody>
+                  <a:tcPr/>
+                </a:tc>
+                <a:extLst>
+                  <a:ext uri="{0D108BD9-81ED-4DB2-BD59-A6C34878D82A}">
+                    <a16:rowId xmlns:a16="http://schemas.microsoft.com/office/drawing/2014/main" val="1301409457"/>
+                  </a:ext>
+                </a:extLst>
+              </a:tr>
+              <a:tr h="370840">
+                <a:tc>
+                  <a:txBody>
+                    <a:bodyPr/>
+                    <a:lstStyle/>
+                    <a:p>
+                      <a:pPr latinLnBrk="1"/>
+                      <a:endParaRPr lang="ko-KR" altLang="en-US" sz="1800" dirty="0"/>
+                    </a:p>
+                  </a:txBody>
+                  <a:tcPr/>
+                </a:tc>
+                <a:tc>
+                  <a:txBody>
+                    <a:bodyPr/>
+                    <a:lstStyle/>
+                    <a:p>
+                      <a:pPr latinLnBrk="1"/>
+                      <a:endParaRPr lang="ko-KR" altLang="en-US" sz="1800" dirty="0"/>
+                    </a:p>
+                  </a:txBody>
+                  <a:tcPr/>
+                </a:tc>
+                <a:extLst>
+                  <a:ext uri="{0D108BD9-81ED-4DB2-BD59-A6C34878D82A}">
+                    <a16:rowId xmlns:a16="http://schemas.microsoft.com/office/drawing/2014/main" val="828860052"/>
+                  </a:ext>
+                </a:extLst>
+              </a:tr>
+              <a:tr h="370840">
+                <a:tc>
+                  <a:txBody>
+                    <a:bodyPr/>
+                    <a:lstStyle/>
+                    <a:p>
+                      <a:pPr latinLnBrk="1"/>
+                      <a:endParaRPr lang="ko-KR" altLang="en-US" sz="1800" dirty="0"/>
+                    </a:p>
+                  </a:txBody>
+                  <a:tcPr/>
+                </a:tc>
+                <a:tc>
+                  <a:txBody>
+                    <a:bodyPr/>
+                    <a:lstStyle/>
+                    <a:p>
+                      <a:pPr latinLnBrk="1"/>
+                      <a:endParaRPr lang="ko-KR" altLang="en-US" sz="1800" dirty="0"/>
+                    </a:p>
+                  </a:txBody>
+                  <a:tcPr/>
+                </a:tc>
+                <a:extLst>
+                  <a:ext uri="{0D108BD9-81ED-4DB2-BD59-A6C34878D82A}">
+                    <a16:rowId xmlns:a16="http://schemas.microsoft.com/office/drawing/2014/main" val="3128558925"/>
+                  </a:ext>
+                </a:extLst>
+              </a:tr>
+              <a:tr h="370840">
+                <a:tc>
+                  <a:txBody>
+                    <a:bodyPr/>
+                    <a:lstStyle/>
+                    <a:p>
+                      <a:pPr latinLnBrk="1"/>
+                      <a:endParaRPr lang="ko-KR" altLang="en-US" sz="1800" dirty="0"/>
+                    </a:p>
+                  </a:txBody>
+                  <a:tcPr/>
+                </a:tc>
+                <a:tc>
+                  <a:txBody>
+                    <a:bodyPr/>
+                    <a:lstStyle/>
+                    <a:p>
+                      <a:pPr latinLnBrk="1"/>
+                      <a:endParaRPr lang="ko-KR" altLang="en-US" sz="1800" dirty="0"/>
+                    </a:p>
+                  </a:txBody>
+                  <a:tcPr/>
+                </a:tc>
+                <a:extLst>
+                  <a:ext uri="{0D108BD9-81ED-4DB2-BD59-A6C34878D82A}">
+                    <a16:rowId xmlns:a16="http://schemas.microsoft.com/office/drawing/2014/main" val="1553147059"/>
+                  </a:ext>
+                </a:extLst>
+              </a:tr>
+            </a:tbl>
+          </a:graphicData>
+        </a:graphic>
+      </p:graphicFrame>
+      <p:graphicFrame>
+        <p:nvGraphicFramePr>
+          <p:cNvPr id="4" name="표 3">
+            <a:extLst>
+              <a:ext uri="{FF2B5EF4-FFF2-40B4-BE49-F238E27FC236}">
+                <a16:creationId xmlns:a16="http://schemas.microsoft.com/office/drawing/2014/main" id="{0E92F367-FD07-480C-C859-44493BC45606}"/>
+              </a:ext>
+            </a:extLst>
+          </p:cNvPr>
+          <p:cNvGraphicFramePr>
+            <a:graphicFrameLocks noGrp="1"/>
+          </p:cNvGraphicFramePr>
+          <p:nvPr>
+            <p:extLst>
+              <p:ext uri="{D42A27DB-BD31-4B8C-83A1-F6EECF244321}">
+                <p14:modId xmlns:p14="http://schemas.microsoft.com/office/powerpoint/2010/main" val="1276889039"/>
+              </p:ext>
+            </p:extLst>
+          </p:nvPr>
+        </p:nvGraphicFramePr>
+        <p:xfrm>
+          <a:off x="4669355" y="5842000"/>
+          <a:ext cx="3943350" cy="1588008"/>
+        </p:xfrm>
+        <a:graphic>
+          <a:graphicData uri="http://schemas.openxmlformats.org/drawingml/2006/table">
+            <a:tbl>
+              <a:tblPr firstRow="1" bandRow="1">
+                <a:tableStyleId>{BDBED569-4797-4DF1-A0F4-6AAB3CD982D8}</a:tableStyleId>
+              </a:tblPr>
+              <a:tblGrid>
+                <a:gridCol w="1971675">
+                  <a:extLst>
+                    <a:ext uri="{9D8B030D-6E8A-4147-A177-3AD203B41FA5}">
+                      <a16:colId xmlns:a16="http://schemas.microsoft.com/office/drawing/2014/main" val="915020182"/>
+                    </a:ext>
+                  </a:extLst>
+                </a:gridCol>
+                <a:gridCol w="1971675">
+                  <a:extLst>
+                    <a:ext uri="{9D8B030D-6E8A-4147-A177-3AD203B41FA5}">
+                      <a16:colId xmlns:a16="http://schemas.microsoft.com/office/drawing/2014/main" val="841753982"/>
+                    </a:ext>
+                  </a:extLst>
+                </a:gridCol>
+              </a:tblGrid>
+              <a:tr h="0">
+                <a:tc>
+                  <a:txBody>
+                    <a:bodyPr/>
+                    <a:lstStyle/>
+                    <a:p>
+                      <a:pPr latinLnBrk="1"/>
+                      <a:r>
+                        <a:rPr lang="ko-KR" altLang="en-US" dirty="0"/>
+                        <a:t>모바일</a:t>
+                      </a:r>
+                    </a:p>
+                  </a:txBody>
+                  <a:tcPr>
+                    <a:solidFill>
+                      <a:schemeClr val="accent1">
+                        <a:lumMod val="40000"/>
+                        <a:lumOff val="60000"/>
+                      </a:schemeClr>
+                    </a:solidFill>
+                  </a:tcPr>
+                </a:tc>
+                <a:tc>
+                  <a:txBody>
+                    <a:bodyPr/>
+                    <a:lstStyle/>
+                    <a:p>
+                      <a:pPr latinLnBrk="1"/>
+                      <a:r>
+                        <a:rPr lang="ko-KR" altLang="en-US" dirty="0"/>
+                        <a:t>조작</a:t>
+                      </a:r>
+                    </a:p>
+                  </a:txBody>
+                  <a:tcPr>
+                    <a:solidFill>
+                      <a:schemeClr val="accent1">
+                        <a:lumMod val="40000"/>
+                        <a:lumOff val="60000"/>
+                      </a:schemeClr>
+                    </a:solidFill>
+                  </a:tcPr>
+                </a:tc>
+                <a:extLst>
+                  <a:ext uri="{0D108BD9-81ED-4DB2-BD59-A6C34878D82A}">
+                    <a16:rowId xmlns:a16="http://schemas.microsoft.com/office/drawing/2014/main" val="1695452502"/>
+                  </a:ext>
+                </a:extLst>
+              </a:tr>
+              <a:tr h="370840">
+                <a:tc>
+                  <a:txBody>
+                    <a:bodyPr/>
+                    <a:lstStyle/>
+                    <a:p>
+                      <a:pPr latinLnBrk="1"/>
+                      <a:r>
+                        <a:rPr lang="ko-KR" altLang="en-US" sz="1800" dirty="0"/>
+                        <a:t>이동</a:t>
+                      </a:r>
+                    </a:p>
+                  </a:txBody>
+                  <a:tcPr/>
+                </a:tc>
+                <a:tc>
+                  <a:txBody>
+                    <a:bodyPr/>
+                    <a:lstStyle/>
+                    <a:p>
+                      <a:pPr latinLnBrk="1"/>
+                      <a:r>
+                        <a:rPr lang="ko-KR" altLang="en-US" sz="1800" dirty="0"/>
+                        <a:t>터치</a:t>
+                      </a:r>
+                    </a:p>
+                  </a:txBody>
+                  <a:tcPr/>
+                </a:tc>
+                <a:extLst>
+                  <a:ext uri="{0D108BD9-81ED-4DB2-BD59-A6C34878D82A}">
+                    <a16:rowId xmlns:a16="http://schemas.microsoft.com/office/drawing/2014/main" val="3910320830"/>
+                  </a:ext>
+                </a:extLst>
+              </a:tr>
+              <a:tr h="370840">
+                <a:tc>
+                  <a:txBody>
+                    <a:bodyPr/>
+                    <a:lstStyle/>
+                    <a:p>
+                      <a:pPr latinLnBrk="1"/>
+                      <a:r>
+                        <a:rPr lang="ko-KR" altLang="en-US" sz="1800" dirty="0"/>
+                        <a:t>선택</a:t>
+                      </a:r>
+                    </a:p>
+                  </a:txBody>
+                  <a:tcPr/>
+                </a:tc>
+                <a:tc>
+                  <a:txBody>
+                    <a:bodyPr/>
+                    <a:lstStyle/>
+                    <a:p>
+                      <a:pPr latinLnBrk="1"/>
+                      <a:r>
+                        <a:rPr lang="ko-KR" altLang="en-US" sz="1800" dirty="0"/>
+                        <a:t>터치</a:t>
+                      </a:r>
+                    </a:p>
+                  </a:txBody>
+                  <a:tcPr/>
+                </a:tc>
+                <a:extLst>
+                  <a:ext uri="{0D108BD9-81ED-4DB2-BD59-A6C34878D82A}">
+                    <a16:rowId xmlns:a16="http://schemas.microsoft.com/office/drawing/2014/main" val="3863972149"/>
+                  </a:ext>
+                </a:extLst>
+              </a:tr>
+              <a:tr h="370840">
+                <a:tc>
+                  <a:txBody>
+                    <a:bodyPr/>
+                    <a:lstStyle/>
+                    <a:p>
+                      <a:pPr latinLnBrk="1"/>
+                      <a:r>
+                        <a:rPr lang="ko-KR" altLang="en-US" sz="1800" dirty="0"/>
+                        <a:t>돌아가기</a:t>
+                      </a:r>
+                    </a:p>
+                  </a:txBody>
+                  <a:tcPr/>
+                </a:tc>
+                <a:tc>
+                  <a:txBody>
+                    <a:bodyPr/>
+                    <a:lstStyle/>
+                    <a:p>
+                      <a:pPr latinLnBrk="1"/>
+                      <a:r>
+                        <a:rPr lang="ko-KR" altLang="en-US" sz="1800" dirty="0"/>
+                        <a:t>돌아가기 터치</a:t>
+                      </a:r>
+                    </a:p>
+                  </a:txBody>
+                  <a:tcPr/>
+                </a:tc>
+                <a:extLst>
+                  <a:ext uri="{0D108BD9-81ED-4DB2-BD59-A6C34878D82A}">
+                    <a16:rowId xmlns:a16="http://schemas.microsoft.com/office/drawing/2014/main" val="4040811311"/>
+                  </a:ext>
+                </a:extLst>
+              </a:tr>
+            </a:tbl>
+          </a:graphicData>
+        </a:graphic>
+      </p:graphicFrame>
+    </p:spTree>
+    <p:extLst>
+      <p:ext uri="{BB962C8B-B14F-4D97-AF65-F5344CB8AC3E}">
+        <p14:creationId xmlns:p14="http://schemas.microsoft.com/office/powerpoint/2010/main" val="1489452682"/>
+      </p:ext>
+    </p:extLst>
+  </p:cSld>
+  <p:clrMapOvr>
+    <a:masterClrMapping/>
+  </p:clrMapOvr>
+</p:sld>
+</file>
+
 <file path=ppt/slides/slide2.xml><?xml version="1.0" encoding="utf-8"?>
 <p:sld xmlns:a="http://schemas.openxmlformats.org/drawingml/2006/main" xmlns:r="http://schemas.openxmlformats.org/officeDocument/2006/relationships" xmlns:p="http://schemas.openxmlformats.org/presentationml/2006/main">
   <p:cSld>
@@ -10554,36 +11894,6 @@
           </a:p>
         </p:txBody>
       </p:sp>
-      <p:pic>
-        <p:nvPicPr>
-          <p:cNvPr id="427" name="그림 426">
-            <a:extLst>
-              <a:ext uri="{FF2B5EF4-FFF2-40B4-BE49-F238E27FC236}">
-                <a16:creationId xmlns:a16="http://schemas.microsoft.com/office/drawing/2014/main" id="{20AF92FA-31AB-5128-579E-F77CF3F888A5}"/>
-              </a:ext>
-            </a:extLst>
-          </p:cNvPr>
-          <p:cNvPicPr>
-            <a:picLocks noChangeAspect="1"/>
-          </p:cNvPicPr>
-          <p:nvPr/>
-        </p:nvPicPr>
-        <p:blipFill>
-          <a:blip r:embed="rId3"/>
-          <a:stretch>
-            <a:fillRect/>
-          </a:stretch>
-        </p:blipFill>
-        <p:spPr>
-          <a:xfrm>
-            <a:off x="4225949" y="2900937"/>
-            <a:ext cx="8614041" cy="6440973"/>
-          </a:xfrm>
-          <a:prstGeom prst="rect">
-            <a:avLst/>
-          </a:prstGeom>
-        </p:spPr>
-      </p:pic>
     </p:spTree>
     <p:extLst>
       <p:ext uri="{BB962C8B-B14F-4D97-AF65-F5344CB8AC3E}">
@@ -10598,6 +11908,5477 @@
 </file>
 
 <file path=ppt/slides/slide3.xml><?xml version="1.0" encoding="utf-8"?>
+<p:sld xmlns:a="http://schemas.openxmlformats.org/drawingml/2006/main" xmlns:r="http://schemas.openxmlformats.org/officeDocument/2006/relationships" xmlns:p="http://schemas.openxmlformats.org/presentationml/2006/main">
+  <p:cSld>
+    <p:spTree>
+      <p:nvGrpSpPr>
+        <p:cNvPr id="1" name=""/>
+        <p:cNvGrpSpPr/>
+        <p:nvPr/>
+      </p:nvGrpSpPr>
+      <p:grpSpPr>
+        <a:xfrm>
+          <a:off x="0" y="0"/>
+          <a:ext cx="0" cy="0"/>
+          <a:chOff x="0" y="0"/>
+          <a:chExt cx="0" cy="0"/>
+        </a:xfrm>
+      </p:grpSpPr>
+      <p:sp>
+        <p:nvSpPr>
+          <p:cNvPr id="139" name="사각형: 둥근 모서리 138">
+            <a:extLst>
+              <a:ext uri="{FF2B5EF4-FFF2-40B4-BE49-F238E27FC236}">
+                <a16:creationId xmlns:a16="http://schemas.microsoft.com/office/drawing/2014/main" id="{F4A74B0E-EC69-345F-98AC-0E9ACC0443D5}"/>
+              </a:ext>
+            </a:extLst>
+          </p:cNvPr>
+          <p:cNvSpPr/>
+          <p:nvPr/>
+        </p:nvSpPr>
+        <p:spPr>
+          <a:xfrm>
+            <a:off x="291362" y="4222839"/>
+            <a:ext cx="3425429" cy="4257877"/>
+          </a:xfrm>
+          <a:prstGeom prst="roundRect">
+            <a:avLst/>
+          </a:prstGeom>
+          <a:solidFill>
+            <a:schemeClr val="accent3">
+              <a:alpha val="50000"/>
+            </a:schemeClr>
+          </a:solidFill>
+          <a:ln>
+            <a:noFill/>
+          </a:ln>
+        </p:spPr>
+        <p:style>
+          <a:lnRef idx="0">
+            <a:scrgbClr r="0" g="0" b="0"/>
+          </a:lnRef>
+          <a:fillRef idx="0">
+            <a:scrgbClr r="0" g="0" b="0"/>
+          </a:fillRef>
+          <a:effectRef idx="0">
+            <a:scrgbClr r="0" g="0" b="0"/>
+          </a:effectRef>
+          <a:fontRef idx="minor">
+            <a:schemeClr val="lt1"/>
+          </a:fontRef>
+        </p:style>
+        <p:txBody>
+          <a:bodyPr rtlCol="0" anchor="ctr"/>
+          <a:lstStyle/>
+          <a:p>
+            <a:pPr algn="ctr"/>
+            <a:r>
+              <a:rPr lang="ko-KR" altLang="en-US" sz="2223" dirty="0"/>
+              <a:t>터치 가능 범위</a:t>
+            </a:r>
+          </a:p>
+        </p:txBody>
+      </p:sp>
+      <p:sp>
+        <p:nvSpPr>
+          <p:cNvPr id="5" name="TextBox 4">
+            <a:extLst>
+              <a:ext uri="{FF2B5EF4-FFF2-40B4-BE49-F238E27FC236}">
+                <a16:creationId xmlns:a16="http://schemas.microsoft.com/office/drawing/2014/main" id="{07BAB8A7-7DA7-5FC9-6FA1-A42250BD537F}"/>
+              </a:ext>
+            </a:extLst>
+          </p:cNvPr>
+          <p:cNvSpPr txBox="1"/>
+          <p:nvPr/>
+        </p:nvSpPr>
+        <p:spPr>
+          <a:xfrm>
+            <a:off x="198355" y="153015"/>
+            <a:ext cx="4000500" cy="646331"/>
+          </a:xfrm>
+          <a:prstGeom prst="rect">
+            <a:avLst/>
+          </a:prstGeom>
+          <a:noFill/>
+        </p:spPr>
+        <p:txBody>
+          <a:bodyPr wrap="square" rtlCol="0">
+            <a:spAutoFit/>
+          </a:bodyPr>
+          <a:lstStyle/>
+          <a:p>
+            <a:r>
+              <a:rPr lang="ko-KR" altLang="en-US" sz="3600" dirty="0"/>
+              <a:t>해상도</a:t>
+            </a:r>
+            <a:r>
+              <a:rPr lang="en-US" altLang="ko-KR" sz="3600" dirty="0"/>
+              <a:t>, </a:t>
+            </a:r>
+            <a:r>
+              <a:rPr lang="ko-KR" altLang="en-US" sz="3600" dirty="0"/>
+              <a:t>비율 </a:t>
+            </a:r>
+            <a:r>
+              <a:rPr lang="en-US" altLang="ko-KR" sz="3600" dirty="0"/>
+              <a:t>HUD</a:t>
+            </a:r>
+          </a:p>
+        </p:txBody>
+      </p:sp>
+      <p:sp>
+        <p:nvSpPr>
+          <p:cNvPr id="89" name="TextBox 88">
+            <a:extLst>
+              <a:ext uri="{FF2B5EF4-FFF2-40B4-BE49-F238E27FC236}">
+                <a16:creationId xmlns:a16="http://schemas.microsoft.com/office/drawing/2014/main" id="{258EC6E7-AB07-DEBA-3ADB-09B2DE21339D}"/>
+              </a:ext>
+            </a:extLst>
+          </p:cNvPr>
+          <p:cNvSpPr txBox="1"/>
+          <p:nvPr/>
+        </p:nvSpPr>
+        <p:spPr>
+          <a:xfrm>
+            <a:off x="-79096" y="825815"/>
+            <a:ext cx="4000500" cy="707886"/>
+          </a:xfrm>
+          <a:prstGeom prst="rect">
+            <a:avLst/>
+          </a:prstGeom>
+          <a:noFill/>
+        </p:spPr>
+        <p:txBody>
+          <a:bodyPr wrap="square" rtlCol="0">
+            <a:spAutoFit/>
+          </a:bodyPr>
+          <a:lstStyle/>
+          <a:p>
+            <a:r>
+              <a:rPr lang="en-US" altLang="ko-KR" sz="4000" dirty="0"/>
+              <a:t>  FHD 1080 * 1920</a:t>
+            </a:r>
+            <a:endParaRPr lang="ko-KR" altLang="en-US" sz="4000" dirty="0"/>
+          </a:p>
+        </p:txBody>
+      </p:sp>
+      <p:sp>
+        <p:nvSpPr>
+          <p:cNvPr id="27" name="사각형: 둥근 모서리 26">
+            <a:extLst>
+              <a:ext uri="{FF2B5EF4-FFF2-40B4-BE49-F238E27FC236}">
+                <a16:creationId xmlns:a16="http://schemas.microsoft.com/office/drawing/2014/main" id="{841F718B-E557-8EFE-B805-BF3946471271}"/>
+              </a:ext>
+            </a:extLst>
+          </p:cNvPr>
+          <p:cNvSpPr/>
+          <p:nvPr/>
+        </p:nvSpPr>
+        <p:spPr>
+          <a:xfrm>
+            <a:off x="283862" y="2970568"/>
+            <a:ext cx="3440430" cy="5520690"/>
+          </a:xfrm>
+          <a:prstGeom prst="roundRect">
+            <a:avLst/>
+          </a:prstGeom>
+          <a:noFill/>
+          <a:ln w="9525" cap="flat" cmpd="sng" algn="ctr">
+            <a:solidFill>
+              <a:schemeClr val="accent1"/>
+            </a:solidFill>
+            <a:prstDash val="solid"/>
+            <a:round/>
+            <a:headEnd type="none" w="med" len="med"/>
+            <a:tailEnd type="none" w="med" len="med"/>
+          </a:ln>
+        </p:spPr>
+        <p:style>
+          <a:lnRef idx="0">
+            <a:scrgbClr r="0" g="0" b="0"/>
+          </a:lnRef>
+          <a:fillRef idx="0">
+            <a:scrgbClr r="0" g="0" b="0"/>
+          </a:fillRef>
+          <a:effectRef idx="0">
+            <a:scrgbClr r="0" g="0" b="0"/>
+          </a:effectRef>
+          <a:fontRef idx="minor">
+            <a:schemeClr val="accent1"/>
+          </a:fontRef>
+        </p:style>
+        <p:txBody>
+          <a:bodyPr rtlCol="0" anchor="ctr"/>
+          <a:lstStyle/>
+          <a:p>
+            <a:pPr algn="ctr"/>
+            <a:endParaRPr lang="ko-KR" altLang="en-US" sz="2223"/>
+          </a:p>
+        </p:txBody>
+      </p:sp>
+      <p:sp>
+        <p:nvSpPr>
+          <p:cNvPr id="56" name="사각형: 둥근 모서리 55">
+            <a:extLst>
+              <a:ext uri="{FF2B5EF4-FFF2-40B4-BE49-F238E27FC236}">
+                <a16:creationId xmlns:a16="http://schemas.microsoft.com/office/drawing/2014/main" id="{3A1A1C14-FC74-5974-C234-6D58412E49FC}"/>
+              </a:ext>
+            </a:extLst>
+          </p:cNvPr>
+          <p:cNvSpPr/>
+          <p:nvPr/>
+        </p:nvSpPr>
+        <p:spPr>
+          <a:xfrm>
+            <a:off x="390542" y="3210598"/>
+            <a:ext cx="3200400" cy="400050"/>
+          </a:xfrm>
+          <a:prstGeom prst="roundRect">
+            <a:avLst>
+              <a:gd name="adj" fmla="val 50000"/>
+            </a:avLst>
+          </a:prstGeom>
+          <a:noFill/>
+          <a:ln w="9525" cap="flat" cmpd="sng" algn="ctr">
+            <a:solidFill>
+              <a:schemeClr val="accent1"/>
+            </a:solidFill>
+            <a:prstDash val="solid"/>
+            <a:round/>
+            <a:headEnd type="none" w="med" len="med"/>
+            <a:tailEnd type="none" w="med" len="med"/>
+          </a:ln>
+        </p:spPr>
+        <p:style>
+          <a:lnRef idx="0">
+            <a:scrgbClr r="0" g="0" b="0"/>
+          </a:lnRef>
+          <a:fillRef idx="0">
+            <a:scrgbClr r="0" g="0" b="0"/>
+          </a:fillRef>
+          <a:effectRef idx="0">
+            <a:scrgbClr r="0" g="0" b="0"/>
+          </a:effectRef>
+          <a:fontRef idx="minor">
+            <a:schemeClr val="accent1"/>
+          </a:fontRef>
+        </p:style>
+        <p:txBody>
+          <a:bodyPr rtlCol="0" anchor="ctr"/>
+          <a:lstStyle/>
+          <a:p>
+            <a:pPr algn="ctr"/>
+            <a:endParaRPr lang="ko-KR" altLang="en-US" sz="2223"/>
+          </a:p>
+        </p:txBody>
+      </p:sp>
+      <p:sp>
+        <p:nvSpPr>
+          <p:cNvPr id="126" name="사각형: 둥근 모서리 125">
+            <a:extLst>
+              <a:ext uri="{FF2B5EF4-FFF2-40B4-BE49-F238E27FC236}">
+                <a16:creationId xmlns:a16="http://schemas.microsoft.com/office/drawing/2014/main" id="{8A55657D-EF56-286C-7175-23B59C060AB5}"/>
+              </a:ext>
+            </a:extLst>
+          </p:cNvPr>
+          <p:cNvSpPr/>
+          <p:nvPr/>
+        </p:nvSpPr>
+        <p:spPr>
+          <a:xfrm>
+            <a:off x="523892" y="3290608"/>
+            <a:ext cx="2960370" cy="240030"/>
+          </a:xfrm>
+          <a:prstGeom prst="roundRect">
+            <a:avLst/>
+          </a:prstGeom>
+          <a:noFill/>
+          <a:ln w="9525" cap="flat" cmpd="sng" algn="ctr">
+            <a:solidFill>
+              <a:schemeClr val="accent1"/>
+            </a:solidFill>
+            <a:prstDash val="solid"/>
+            <a:round/>
+            <a:headEnd type="none" w="med" len="med"/>
+            <a:tailEnd type="none" w="med" len="med"/>
+          </a:ln>
+        </p:spPr>
+        <p:style>
+          <a:lnRef idx="0">
+            <a:scrgbClr r="0" g="0" b="0"/>
+          </a:lnRef>
+          <a:fillRef idx="0">
+            <a:scrgbClr r="0" g="0" b="0"/>
+          </a:fillRef>
+          <a:effectRef idx="0">
+            <a:scrgbClr r="0" g="0" b="0"/>
+          </a:effectRef>
+          <a:fontRef idx="minor">
+            <a:schemeClr val="accent1"/>
+          </a:fontRef>
+        </p:style>
+        <p:txBody>
+          <a:bodyPr rtlCol="0" anchor="ctr"/>
+          <a:lstStyle/>
+          <a:p>
+            <a:pPr algn="ctr"/>
+            <a:endParaRPr lang="ko-KR" altLang="en-US" sz="840" dirty="0"/>
+          </a:p>
+        </p:txBody>
+      </p:sp>
+      <p:sp>
+        <p:nvSpPr>
+          <p:cNvPr id="127" name="사각형: 둥근 모서리 126">
+            <a:extLst>
+              <a:ext uri="{FF2B5EF4-FFF2-40B4-BE49-F238E27FC236}">
+                <a16:creationId xmlns:a16="http://schemas.microsoft.com/office/drawing/2014/main" id="{0262542B-7421-46FA-C5A0-8902B49DF8E4}"/>
+              </a:ext>
+            </a:extLst>
+          </p:cNvPr>
+          <p:cNvSpPr/>
+          <p:nvPr/>
+        </p:nvSpPr>
+        <p:spPr>
+          <a:xfrm>
+            <a:off x="1319389" y="3663990"/>
+            <a:ext cx="1453365" cy="548309"/>
+          </a:xfrm>
+          <a:prstGeom prst="roundRect">
+            <a:avLst/>
+          </a:prstGeom>
+          <a:noFill/>
+          <a:ln w="9525" cap="flat" cmpd="sng" algn="ctr">
+            <a:solidFill>
+              <a:schemeClr val="accent1"/>
+            </a:solidFill>
+            <a:prstDash val="solid"/>
+            <a:round/>
+            <a:headEnd type="none" w="med" len="med"/>
+            <a:tailEnd type="none" w="med" len="med"/>
+          </a:ln>
+        </p:spPr>
+        <p:style>
+          <a:lnRef idx="0">
+            <a:scrgbClr r="0" g="0" b="0"/>
+          </a:lnRef>
+          <a:fillRef idx="0">
+            <a:scrgbClr r="0" g="0" b="0"/>
+          </a:fillRef>
+          <a:effectRef idx="0">
+            <a:scrgbClr r="0" g="0" b="0"/>
+          </a:effectRef>
+          <a:fontRef idx="minor">
+            <a:schemeClr val="accent1"/>
+          </a:fontRef>
+        </p:style>
+        <p:txBody>
+          <a:bodyPr rtlCol="0" anchor="ctr"/>
+          <a:lstStyle/>
+          <a:p>
+            <a:pPr algn="ctr"/>
+            <a:r>
+              <a:rPr lang="ko-KR" altLang="en-US" sz="840" dirty="0"/>
+              <a:t>몬스터 웨이브 이름</a:t>
+            </a:r>
+          </a:p>
+        </p:txBody>
+      </p:sp>
+      <p:sp>
+        <p:nvSpPr>
+          <p:cNvPr id="128" name="타원 127">
+            <a:extLst>
+              <a:ext uri="{FF2B5EF4-FFF2-40B4-BE49-F238E27FC236}">
+                <a16:creationId xmlns:a16="http://schemas.microsoft.com/office/drawing/2014/main" id="{163F906A-2955-7737-899D-2FFFD47D3040}"/>
+              </a:ext>
+            </a:extLst>
+          </p:cNvPr>
+          <p:cNvSpPr/>
+          <p:nvPr/>
+        </p:nvSpPr>
+        <p:spPr>
+          <a:xfrm>
+            <a:off x="1964072" y="3050578"/>
+            <a:ext cx="80010" cy="80010"/>
+          </a:xfrm>
+          <a:prstGeom prst="ellipse">
+            <a:avLst/>
+          </a:prstGeom>
+        </p:spPr>
+        <p:style>
+          <a:lnRef idx="2">
+            <a:schemeClr val="accent1">
+              <a:shade val="15000"/>
+            </a:schemeClr>
+          </a:lnRef>
+          <a:fillRef idx="1">
+            <a:schemeClr val="accent1"/>
+          </a:fillRef>
+          <a:effectRef idx="0">
+            <a:schemeClr val="accent1"/>
+          </a:effectRef>
+          <a:fontRef idx="minor">
+            <a:schemeClr val="lt1"/>
+          </a:fontRef>
+        </p:style>
+        <p:txBody>
+          <a:bodyPr rtlCol="0" anchor="ctr"/>
+          <a:lstStyle/>
+          <a:p>
+            <a:pPr algn="ctr"/>
+            <a:endParaRPr lang="ko-KR" altLang="en-US" sz="2223"/>
+          </a:p>
+        </p:txBody>
+      </p:sp>
+      <p:sp>
+        <p:nvSpPr>
+          <p:cNvPr id="129" name="TextBox 128">
+            <a:extLst>
+              <a:ext uri="{FF2B5EF4-FFF2-40B4-BE49-F238E27FC236}">
+                <a16:creationId xmlns:a16="http://schemas.microsoft.com/office/drawing/2014/main" id="{D5DE8739-853B-8077-1ED7-CE1D3E1DAC0E}"/>
+              </a:ext>
+            </a:extLst>
+          </p:cNvPr>
+          <p:cNvSpPr txBox="1"/>
+          <p:nvPr/>
+        </p:nvSpPr>
+        <p:spPr>
+          <a:xfrm>
+            <a:off x="275819" y="2383146"/>
+            <a:ext cx="3503524" cy="434414"/>
+          </a:xfrm>
+          <a:prstGeom prst="rect">
+            <a:avLst/>
+          </a:prstGeom>
+          <a:solidFill>
+            <a:schemeClr val="accent2">
+              <a:lumMod val="40000"/>
+              <a:lumOff val="60000"/>
+            </a:schemeClr>
+          </a:solidFill>
+        </p:spPr>
+        <p:txBody>
+          <a:bodyPr wrap="square" rtlCol="0">
+            <a:spAutoFit/>
+          </a:bodyPr>
+          <a:lstStyle/>
+          <a:p>
+            <a:pPr algn="ctr"/>
+            <a:r>
+              <a:rPr lang="en-US" altLang="ko-KR" sz="2223" dirty="0"/>
+              <a:t>FHD</a:t>
+            </a:r>
+            <a:r>
+              <a:rPr lang="ko-KR" altLang="en-US" sz="2223" dirty="0"/>
+              <a:t> </a:t>
+            </a:r>
+            <a:r>
+              <a:rPr lang="en-US" altLang="ko-KR" sz="2223" dirty="0"/>
+              <a:t>Hud</a:t>
+            </a:r>
+          </a:p>
+        </p:txBody>
+      </p:sp>
+      <p:sp>
+        <p:nvSpPr>
+          <p:cNvPr id="130" name="사각형: 둥근 모서리 129">
+            <a:extLst>
+              <a:ext uri="{FF2B5EF4-FFF2-40B4-BE49-F238E27FC236}">
+                <a16:creationId xmlns:a16="http://schemas.microsoft.com/office/drawing/2014/main" id="{9136942E-46EB-B174-B5A1-19189FFE739D}"/>
+              </a:ext>
+            </a:extLst>
+          </p:cNvPr>
+          <p:cNvSpPr/>
+          <p:nvPr/>
+        </p:nvSpPr>
+        <p:spPr>
+          <a:xfrm>
+            <a:off x="523894" y="3290608"/>
+            <a:ext cx="433189" cy="240030"/>
+          </a:xfrm>
+          <a:prstGeom prst="roundRect">
+            <a:avLst/>
+          </a:prstGeom>
+          <a:noFill/>
+          <a:ln w="9525" cap="flat" cmpd="sng" algn="ctr">
+            <a:solidFill>
+              <a:schemeClr val="accent1"/>
+            </a:solidFill>
+            <a:prstDash val="solid"/>
+            <a:round/>
+            <a:headEnd type="none" w="med" len="med"/>
+            <a:tailEnd type="none" w="med" len="med"/>
+          </a:ln>
+        </p:spPr>
+        <p:style>
+          <a:lnRef idx="0">
+            <a:scrgbClr r="0" g="0" b="0"/>
+          </a:lnRef>
+          <a:fillRef idx="0">
+            <a:scrgbClr r="0" g="0" b="0"/>
+          </a:fillRef>
+          <a:effectRef idx="0">
+            <a:scrgbClr r="0" g="0" b="0"/>
+          </a:effectRef>
+          <a:fontRef idx="minor">
+            <a:schemeClr val="accent1"/>
+          </a:fontRef>
+        </p:style>
+        <p:txBody>
+          <a:bodyPr rtlCol="0" anchor="ctr"/>
+          <a:lstStyle/>
+          <a:p>
+            <a:pPr algn="ctr"/>
+            <a:r>
+              <a:rPr lang="ko-KR" altLang="en-US" sz="840" dirty="0"/>
+              <a:t>레벨</a:t>
+            </a:r>
+          </a:p>
+        </p:txBody>
+      </p:sp>
+      <p:sp>
+        <p:nvSpPr>
+          <p:cNvPr id="131" name="사각형: 둥근 모서리 130">
+            <a:extLst>
+              <a:ext uri="{FF2B5EF4-FFF2-40B4-BE49-F238E27FC236}">
+                <a16:creationId xmlns:a16="http://schemas.microsoft.com/office/drawing/2014/main" id="{7558F859-C9D2-5703-C4E5-04AF9FFF42A1}"/>
+              </a:ext>
+            </a:extLst>
+          </p:cNvPr>
+          <p:cNvSpPr/>
+          <p:nvPr/>
+        </p:nvSpPr>
+        <p:spPr>
+          <a:xfrm>
+            <a:off x="984150" y="3290608"/>
+            <a:ext cx="2500114" cy="240030"/>
+          </a:xfrm>
+          <a:prstGeom prst="roundRect">
+            <a:avLst/>
+          </a:prstGeom>
+          <a:solidFill>
+            <a:schemeClr val="accent6">
+              <a:lumMod val="40000"/>
+              <a:lumOff val="60000"/>
+            </a:schemeClr>
+          </a:solidFill>
+          <a:ln w="9525" cap="flat" cmpd="sng" algn="ctr">
+            <a:solidFill>
+              <a:schemeClr val="accent1"/>
+            </a:solidFill>
+            <a:prstDash val="solid"/>
+            <a:round/>
+            <a:headEnd type="none" w="med" len="med"/>
+            <a:tailEnd type="none" w="med" len="med"/>
+          </a:ln>
+        </p:spPr>
+        <p:style>
+          <a:lnRef idx="0">
+            <a:scrgbClr r="0" g="0" b="0"/>
+          </a:lnRef>
+          <a:fillRef idx="0">
+            <a:scrgbClr r="0" g="0" b="0"/>
+          </a:fillRef>
+          <a:effectRef idx="0">
+            <a:scrgbClr r="0" g="0" b="0"/>
+          </a:effectRef>
+          <a:fontRef idx="minor">
+            <a:schemeClr val="accent1"/>
+          </a:fontRef>
+        </p:style>
+        <p:txBody>
+          <a:bodyPr rtlCol="0" anchor="ctr"/>
+          <a:lstStyle/>
+          <a:p>
+            <a:pPr algn="ctr"/>
+            <a:r>
+              <a:rPr lang="ko-KR" altLang="en-US" sz="840" dirty="0"/>
+              <a:t>경험치</a:t>
+            </a:r>
+          </a:p>
+        </p:txBody>
+      </p:sp>
+      <p:sp>
+        <p:nvSpPr>
+          <p:cNvPr id="132" name="사각형: 둥근 모서리 131">
+            <a:extLst>
+              <a:ext uri="{FF2B5EF4-FFF2-40B4-BE49-F238E27FC236}">
+                <a16:creationId xmlns:a16="http://schemas.microsoft.com/office/drawing/2014/main" id="{7B41D6B4-492A-6A26-015C-80FA9C6A586B}"/>
+              </a:ext>
+            </a:extLst>
+          </p:cNvPr>
+          <p:cNvSpPr/>
+          <p:nvPr/>
+        </p:nvSpPr>
+        <p:spPr>
+          <a:xfrm>
+            <a:off x="385790" y="3663994"/>
+            <a:ext cx="831672" cy="254445"/>
+          </a:xfrm>
+          <a:prstGeom prst="roundRect">
+            <a:avLst/>
+          </a:prstGeom>
+          <a:noFill/>
+          <a:ln w="9525" cap="flat" cmpd="sng" algn="ctr">
+            <a:solidFill>
+              <a:schemeClr val="accent1"/>
+            </a:solidFill>
+            <a:prstDash val="solid"/>
+            <a:round/>
+            <a:headEnd type="none" w="med" len="med"/>
+            <a:tailEnd type="none" w="med" len="med"/>
+          </a:ln>
+        </p:spPr>
+        <p:style>
+          <a:lnRef idx="0">
+            <a:scrgbClr r="0" g="0" b="0"/>
+          </a:lnRef>
+          <a:fillRef idx="0">
+            <a:scrgbClr r="0" g="0" b="0"/>
+          </a:fillRef>
+          <a:effectRef idx="0">
+            <a:scrgbClr r="0" g="0" b="0"/>
+          </a:effectRef>
+          <a:fontRef idx="minor">
+            <a:schemeClr val="accent1"/>
+          </a:fontRef>
+        </p:style>
+        <p:txBody>
+          <a:bodyPr rtlCol="0" anchor="ctr"/>
+          <a:lstStyle/>
+          <a:p>
+            <a:pPr algn="ctr"/>
+            <a:r>
+              <a:rPr lang="en-US" altLang="ko-KR" sz="1155" dirty="0"/>
+              <a:t>00:01</a:t>
+            </a:r>
+            <a:endParaRPr lang="ko-KR" altLang="en-US" sz="1155" dirty="0"/>
+          </a:p>
+        </p:txBody>
+      </p:sp>
+      <p:sp>
+        <p:nvSpPr>
+          <p:cNvPr id="133" name="사각형: 둥근 모서리 132">
+            <a:extLst>
+              <a:ext uri="{FF2B5EF4-FFF2-40B4-BE49-F238E27FC236}">
+                <a16:creationId xmlns:a16="http://schemas.microsoft.com/office/drawing/2014/main" id="{17C5D543-3735-2A42-AD64-6985E8366670}"/>
+              </a:ext>
+            </a:extLst>
+          </p:cNvPr>
+          <p:cNvSpPr/>
+          <p:nvPr/>
+        </p:nvSpPr>
+        <p:spPr>
+          <a:xfrm>
+            <a:off x="2877323" y="3663993"/>
+            <a:ext cx="647729" cy="254445"/>
+          </a:xfrm>
+          <a:prstGeom prst="roundRect">
+            <a:avLst/>
+          </a:prstGeom>
+          <a:noFill/>
+          <a:ln w="9525" cap="flat" cmpd="sng" algn="ctr">
+            <a:solidFill>
+              <a:schemeClr val="accent1"/>
+            </a:solidFill>
+            <a:prstDash val="solid"/>
+            <a:round/>
+            <a:headEnd type="none" w="med" len="med"/>
+            <a:tailEnd type="none" w="med" len="med"/>
+          </a:ln>
+        </p:spPr>
+        <p:style>
+          <a:lnRef idx="0">
+            <a:scrgbClr r="0" g="0" b="0"/>
+          </a:lnRef>
+          <a:fillRef idx="0">
+            <a:scrgbClr r="0" g="0" b="0"/>
+          </a:fillRef>
+          <a:effectRef idx="0">
+            <a:scrgbClr r="0" g="0" b="0"/>
+          </a:effectRef>
+          <a:fontRef idx="minor">
+            <a:schemeClr val="accent1"/>
+          </a:fontRef>
+        </p:style>
+        <p:txBody>
+          <a:bodyPr rtlCol="0" anchor="ctr"/>
+          <a:lstStyle/>
+          <a:p>
+            <a:pPr algn="ctr"/>
+            <a:r>
+              <a:rPr lang="ko-KR" altLang="en-US" sz="1155" dirty="0"/>
+              <a:t>킬</a:t>
+            </a:r>
+          </a:p>
+        </p:txBody>
+      </p:sp>
+      <p:sp>
+        <p:nvSpPr>
+          <p:cNvPr id="134" name="사각형: 둥근 모서리 133">
+            <a:extLst>
+              <a:ext uri="{FF2B5EF4-FFF2-40B4-BE49-F238E27FC236}">
+                <a16:creationId xmlns:a16="http://schemas.microsoft.com/office/drawing/2014/main" id="{7D9C60FA-F8D4-01C5-247F-CC0D065DB114}"/>
+              </a:ext>
+            </a:extLst>
+          </p:cNvPr>
+          <p:cNvSpPr/>
+          <p:nvPr/>
+        </p:nvSpPr>
+        <p:spPr>
+          <a:xfrm>
+            <a:off x="2877323" y="3957855"/>
+            <a:ext cx="647729" cy="254445"/>
+          </a:xfrm>
+          <a:prstGeom prst="roundRect">
+            <a:avLst/>
+          </a:prstGeom>
+          <a:noFill/>
+          <a:ln w="9525" cap="flat" cmpd="sng" algn="ctr">
+            <a:solidFill>
+              <a:schemeClr val="accent1"/>
+            </a:solidFill>
+            <a:prstDash val="solid"/>
+            <a:round/>
+            <a:headEnd type="none" w="med" len="med"/>
+            <a:tailEnd type="none" w="med" len="med"/>
+          </a:ln>
+        </p:spPr>
+        <p:style>
+          <a:lnRef idx="0">
+            <a:scrgbClr r="0" g="0" b="0"/>
+          </a:lnRef>
+          <a:fillRef idx="0">
+            <a:scrgbClr r="0" g="0" b="0"/>
+          </a:fillRef>
+          <a:effectRef idx="0">
+            <a:scrgbClr r="0" g="0" b="0"/>
+          </a:effectRef>
+          <a:fontRef idx="minor">
+            <a:schemeClr val="accent1"/>
+          </a:fontRef>
+        </p:style>
+        <p:txBody>
+          <a:bodyPr rtlCol="0" anchor="ctr"/>
+          <a:lstStyle/>
+          <a:p>
+            <a:pPr algn="ctr"/>
+            <a:r>
+              <a:rPr lang="ko-KR" altLang="en-US" sz="1104" dirty="0"/>
+              <a:t>골드</a:t>
+            </a:r>
+          </a:p>
+        </p:txBody>
+      </p:sp>
+      <p:sp>
+        <p:nvSpPr>
+          <p:cNvPr id="135" name="사각형: 둥근 모서리 134">
+            <a:extLst>
+              <a:ext uri="{FF2B5EF4-FFF2-40B4-BE49-F238E27FC236}">
+                <a16:creationId xmlns:a16="http://schemas.microsoft.com/office/drawing/2014/main" id="{9F6C2136-02B7-5991-71A8-F1E810FD0B04}"/>
+              </a:ext>
+            </a:extLst>
+          </p:cNvPr>
+          <p:cNvSpPr/>
+          <p:nvPr/>
+        </p:nvSpPr>
+        <p:spPr>
+          <a:xfrm>
+            <a:off x="1665507" y="5838414"/>
+            <a:ext cx="597130" cy="572883"/>
+          </a:xfrm>
+          <a:prstGeom prst="roundRect">
+            <a:avLst/>
+          </a:prstGeom>
+          <a:noFill/>
+          <a:ln w="9525" cap="flat" cmpd="sng" algn="ctr">
+            <a:solidFill>
+              <a:schemeClr val="accent1"/>
+            </a:solidFill>
+            <a:prstDash val="solid"/>
+            <a:round/>
+            <a:headEnd type="none" w="med" len="med"/>
+            <a:tailEnd type="none" w="med" len="med"/>
+          </a:ln>
+        </p:spPr>
+        <p:style>
+          <a:lnRef idx="0">
+            <a:scrgbClr r="0" g="0" b="0"/>
+          </a:lnRef>
+          <a:fillRef idx="0">
+            <a:scrgbClr r="0" g="0" b="0"/>
+          </a:fillRef>
+          <a:effectRef idx="0">
+            <a:scrgbClr r="0" g="0" b="0"/>
+          </a:effectRef>
+          <a:fontRef idx="minor">
+            <a:schemeClr val="accent1"/>
+          </a:fontRef>
+        </p:style>
+        <p:txBody>
+          <a:bodyPr rtlCol="0" anchor="ctr"/>
+          <a:lstStyle/>
+          <a:p>
+            <a:pPr algn="ctr"/>
+            <a:r>
+              <a:rPr lang="ko-KR" altLang="en-US" sz="735" dirty="0"/>
+              <a:t>캐릭터</a:t>
+            </a:r>
+          </a:p>
+        </p:txBody>
+      </p:sp>
+      <p:grpSp>
+        <p:nvGrpSpPr>
+          <p:cNvPr id="136" name="그룹 135">
+            <a:extLst>
+              <a:ext uri="{FF2B5EF4-FFF2-40B4-BE49-F238E27FC236}">
+                <a16:creationId xmlns:a16="http://schemas.microsoft.com/office/drawing/2014/main" id="{0E4FFCFA-A348-5F0E-FA7D-54E838A2D082}"/>
+              </a:ext>
+            </a:extLst>
+          </p:cNvPr>
+          <p:cNvGrpSpPr/>
+          <p:nvPr/>
+        </p:nvGrpSpPr>
+        <p:grpSpPr>
+          <a:xfrm>
+            <a:off x="1595367" y="7370079"/>
+            <a:ext cx="737411" cy="773958"/>
+            <a:chOff x="8367917" y="5207716"/>
+            <a:chExt cx="702296" cy="737103"/>
+          </a:xfrm>
+        </p:grpSpPr>
+        <p:sp>
+          <p:nvSpPr>
+            <p:cNvPr id="137" name="타원 136">
+              <a:extLst>
+                <a:ext uri="{FF2B5EF4-FFF2-40B4-BE49-F238E27FC236}">
+                  <a16:creationId xmlns:a16="http://schemas.microsoft.com/office/drawing/2014/main" id="{E1F8FB8F-6ED9-2DF1-2858-05DF67A19D0B}"/>
+                </a:ext>
+              </a:extLst>
+            </p:cNvPr>
+            <p:cNvSpPr/>
+            <p:nvPr/>
+          </p:nvSpPr>
+          <p:spPr>
+            <a:xfrm>
+              <a:off x="8367917" y="5207716"/>
+              <a:ext cx="702296" cy="737103"/>
+            </a:xfrm>
+            <a:prstGeom prst="ellipse">
+              <a:avLst/>
+            </a:prstGeom>
+            <a:solidFill>
+              <a:schemeClr val="bg2">
+                <a:lumMod val="90000"/>
+              </a:schemeClr>
+            </a:solidFill>
+          </p:spPr>
+          <p:style>
+            <a:lnRef idx="2">
+              <a:schemeClr val="accent1">
+                <a:shade val="15000"/>
+              </a:schemeClr>
+            </a:lnRef>
+            <a:fillRef idx="1">
+              <a:schemeClr val="accent1"/>
+            </a:fillRef>
+            <a:effectRef idx="0">
+              <a:schemeClr val="accent1"/>
+            </a:effectRef>
+            <a:fontRef idx="minor">
+              <a:schemeClr val="lt1"/>
+            </a:fontRef>
+          </p:style>
+          <p:txBody>
+            <a:bodyPr rtlCol="0" anchor="ctr"/>
+            <a:lstStyle/>
+            <a:p>
+              <a:pPr algn="ctr"/>
+              <a:endParaRPr lang="ko-KR" altLang="en-US" sz="2223"/>
+            </a:p>
+          </p:txBody>
+        </p:sp>
+        <p:sp>
+          <p:nvSpPr>
+            <p:cNvPr id="138" name="타원 137">
+              <a:extLst>
+                <a:ext uri="{FF2B5EF4-FFF2-40B4-BE49-F238E27FC236}">
+                  <a16:creationId xmlns:a16="http://schemas.microsoft.com/office/drawing/2014/main" id="{D11C5790-6915-A7A1-EF75-9E7F48A351AC}"/>
+                </a:ext>
+              </a:extLst>
+            </p:cNvPr>
+            <p:cNvSpPr/>
+            <p:nvPr/>
+          </p:nvSpPr>
+          <p:spPr>
+            <a:xfrm>
+              <a:off x="8495700" y="5350598"/>
+              <a:ext cx="446729" cy="457215"/>
+            </a:xfrm>
+            <a:prstGeom prst="ellipse">
+              <a:avLst/>
+            </a:prstGeom>
+            <a:solidFill>
+              <a:schemeClr val="accent1">
+                <a:lumMod val="40000"/>
+                <a:lumOff val="60000"/>
+              </a:schemeClr>
+            </a:solidFill>
+          </p:spPr>
+          <p:style>
+            <a:lnRef idx="2">
+              <a:schemeClr val="accent1">
+                <a:shade val="15000"/>
+              </a:schemeClr>
+            </a:lnRef>
+            <a:fillRef idx="1">
+              <a:schemeClr val="accent1"/>
+            </a:fillRef>
+            <a:effectRef idx="0">
+              <a:schemeClr val="accent1"/>
+            </a:effectRef>
+            <a:fontRef idx="minor">
+              <a:schemeClr val="lt1"/>
+            </a:fontRef>
+          </p:style>
+          <p:txBody>
+            <a:bodyPr rtlCol="0" anchor="ctr"/>
+            <a:lstStyle/>
+            <a:p>
+              <a:pPr algn="ctr"/>
+              <a:endParaRPr lang="ko-KR" altLang="en-US" sz="2223"/>
+            </a:p>
+          </p:txBody>
+        </p:sp>
+      </p:grpSp>
+      <p:sp>
+        <p:nvSpPr>
+          <p:cNvPr id="144" name="TextBox 143">
+            <a:extLst>
+              <a:ext uri="{FF2B5EF4-FFF2-40B4-BE49-F238E27FC236}">
+                <a16:creationId xmlns:a16="http://schemas.microsoft.com/office/drawing/2014/main" id="{AC909E86-13D0-5477-2657-7FDA56A23CF3}"/>
+              </a:ext>
+            </a:extLst>
+          </p:cNvPr>
+          <p:cNvSpPr txBox="1"/>
+          <p:nvPr/>
+        </p:nvSpPr>
+        <p:spPr>
+          <a:xfrm>
+            <a:off x="3884309" y="5555356"/>
+            <a:ext cx="461665" cy="566068"/>
+          </a:xfrm>
+          <a:prstGeom prst="rect">
+            <a:avLst/>
+          </a:prstGeom>
+          <a:noFill/>
+        </p:spPr>
+        <p:txBody>
+          <a:bodyPr vert="eaVert" wrap="square" rtlCol="0">
+            <a:spAutoFit/>
+          </a:bodyPr>
+          <a:lstStyle/>
+          <a:p>
+            <a:r>
+              <a:rPr lang="en-US" altLang="ko-KR" dirty="0"/>
+              <a:t>1920</a:t>
+            </a:r>
+            <a:endParaRPr lang="ko-KR" altLang="en-US" dirty="0"/>
+          </a:p>
+        </p:txBody>
+      </p:sp>
+      <p:grpSp>
+        <p:nvGrpSpPr>
+          <p:cNvPr id="145" name="그룹 144">
+            <a:extLst>
+              <a:ext uri="{FF2B5EF4-FFF2-40B4-BE49-F238E27FC236}">
+                <a16:creationId xmlns:a16="http://schemas.microsoft.com/office/drawing/2014/main" id="{4A0256DC-7157-0791-6B4A-2617071DC527}"/>
+              </a:ext>
+            </a:extLst>
+          </p:cNvPr>
+          <p:cNvGrpSpPr/>
+          <p:nvPr/>
+        </p:nvGrpSpPr>
+        <p:grpSpPr>
+          <a:xfrm>
+            <a:off x="283863" y="8482180"/>
+            <a:ext cx="3455086" cy="455642"/>
+            <a:chOff x="8547736" y="7751892"/>
+            <a:chExt cx="3455086" cy="455642"/>
+          </a:xfrm>
+        </p:grpSpPr>
+        <p:sp>
+          <p:nvSpPr>
+            <p:cNvPr id="146" name="TextBox 145">
+              <a:extLst>
+                <a:ext uri="{FF2B5EF4-FFF2-40B4-BE49-F238E27FC236}">
+                  <a16:creationId xmlns:a16="http://schemas.microsoft.com/office/drawing/2014/main" id="{C1DF82FF-0A28-84A3-4355-B3380BE01F18}"/>
+                </a:ext>
+              </a:extLst>
+            </p:cNvPr>
+            <p:cNvSpPr txBox="1"/>
+            <p:nvPr/>
+          </p:nvSpPr>
+          <p:spPr>
+            <a:xfrm>
+              <a:off x="9939249" y="7838202"/>
+              <a:ext cx="737411" cy="369332"/>
+            </a:xfrm>
+            <a:prstGeom prst="rect">
+              <a:avLst/>
+            </a:prstGeom>
+            <a:noFill/>
+          </p:spPr>
+          <p:txBody>
+            <a:bodyPr wrap="square" rtlCol="0">
+              <a:spAutoFit/>
+            </a:bodyPr>
+            <a:lstStyle/>
+            <a:p>
+              <a:r>
+                <a:rPr lang="en-US" altLang="ko-KR" dirty="0"/>
+                <a:t>1080</a:t>
+              </a:r>
+              <a:endParaRPr lang="ko-KR" altLang="en-US" dirty="0"/>
+            </a:p>
+          </p:txBody>
+        </p:sp>
+        <p:grpSp>
+          <p:nvGrpSpPr>
+            <p:cNvPr id="147" name="그룹 146">
+              <a:extLst>
+                <a:ext uri="{FF2B5EF4-FFF2-40B4-BE49-F238E27FC236}">
+                  <a16:creationId xmlns:a16="http://schemas.microsoft.com/office/drawing/2014/main" id="{37615983-4F4A-2563-1253-B531B44A08A9}"/>
+                </a:ext>
+              </a:extLst>
+            </p:cNvPr>
+            <p:cNvGrpSpPr/>
+            <p:nvPr/>
+          </p:nvGrpSpPr>
+          <p:grpSpPr>
+            <a:xfrm rot="16200000">
+              <a:off x="10122586" y="6177042"/>
+              <a:ext cx="305385" cy="3455086"/>
+              <a:chOff x="3733800" y="1031341"/>
+              <a:chExt cx="290842" cy="5199884"/>
+            </a:xfrm>
+          </p:grpSpPr>
+          <p:cxnSp>
+            <p:nvCxnSpPr>
+              <p:cNvPr id="148" name="직선 연결선 147">
+                <a:extLst>
+                  <a:ext uri="{FF2B5EF4-FFF2-40B4-BE49-F238E27FC236}">
+                    <a16:creationId xmlns:a16="http://schemas.microsoft.com/office/drawing/2014/main" id="{0575CBBD-ED08-0B02-2E65-0049960A4582}"/>
+                  </a:ext>
+                </a:extLst>
+              </p:cNvPr>
+              <p:cNvCxnSpPr/>
+              <p:nvPr/>
+            </p:nvCxnSpPr>
+            <p:spPr>
+              <a:xfrm>
+                <a:off x="3733800" y="1031341"/>
+                <a:ext cx="276885" cy="0"/>
+              </a:xfrm>
+              <a:prstGeom prst="line">
+                <a:avLst/>
+              </a:prstGeom>
+            </p:spPr>
+            <p:style>
+              <a:lnRef idx="1">
+                <a:schemeClr val="accent2"/>
+              </a:lnRef>
+              <a:fillRef idx="0">
+                <a:schemeClr val="accent2"/>
+              </a:fillRef>
+              <a:effectRef idx="0">
+                <a:schemeClr val="accent2"/>
+              </a:effectRef>
+              <a:fontRef idx="minor">
+                <a:schemeClr val="tx1"/>
+              </a:fontRef>
+            </p:style>
+          </p:cxnSp>
+          <p:cxnSp>
+            <p:nvCxnSpPr>
+              <p:cNvPr id="149" name="직선 연결선 148">
+                <a:extLst>
+                  <a:ext uri="{FF2B5EF4-FFF2-40B4-BE49-F238E27FC236}">
+                    <a16:creationId xmlns:a16="http://schemas.microsoft.com/office/drawing/2014/main" id="{D5E6CA63-01FA-AE55-563E-8400759EDD05}"/>
+                  </a:ext>
+                </a:extLst>
+              </p:cNvPr>
+              <p:cNvCxnSpPr/>
+              <p:nvPr/>
+            </p:nvCxnSpPr>
+            <p:spPr>
+              <a:xfrm>
+                <a:off x="3747757" y="6231225"/>
+                <a:ext cx="276885" cy="0"/>
+              </a:xfrm>
+              <a:prstGeom prst="line">
+                <a:avLst/>
+              </a:prstGeom>
+            </p:spPr>
+            <p:style>
+              <a:lnRef idx="1">
+                <a:schemeClr val="accent2"/>
+              </a:lnRef>
+              <a:fillRef idx="0">
+                <a:schemeClr val="accent2"/>
+              </a:fillRef>
+              <a:effectRef idx="0">
+                <a:schemeClr val="accent2"/>
+              </a:effectRef>
+              <a:fontRef idx="minor">
+                <a:schemeClr val="tx1"/>
+              </a:fontRef>
+            </p:style>
+          </p:cxnSp>
+          <p:cxnSp>
+            <p:nvCxnSpPr>
+              <p:cNvPr id="150" name="직선 연결선 149">
+                <a:extLst>
+                  <a:ext uri="{FF2B5EF4-FFF2-40B4-BE49-F238E27FC236}">
+                    <a16:creationId xmlns:a16="http://schemas.microsoft.com/office/drawing/2014/main" id="{2B368232-A063-2276-97E7-DA4EE317B130}"/>
+                  </a:ext>
+                </a:extLst>
+              </p:cNvPr>
+              <p:cNvCxnSpPr>
+                <a:cxnSpLocks/>
+              </p:cNvCxnSpPr>
+              <p:nvPr/>
+            </p:nvCxnSpPr>
+            <p:spPr>
+              <a:xfrm>
+                <a:off x="3886200" y="1031341"/>
+                <a:ext cx="0" cy="5199884"/>
+              </a:xfrm>
+              <a:prstGeom prst="line">
+                <a:avLst/>
+              </a:prstGeom>
+            </p:spPr>
+            <p:style>
+              <a:lnRef idx="1">
+                <a:schemeClr val="accent2"/>
+              </a:lnRef>
+              <a:fillRef idx="0">
+                <a:schemeClr val="accent2"/>
+              </a:fillRef>
+              <a:effectRef idx="0">
+                <a:schemeClr val="accent2"/>
+              </a:effectRef>
+              <a:fontRef idx="minor">
+                <a:schemeClr val="tx1"/>
+              </a:fontRef>
+            </p:style>
+          </p:cxnSp>
+        </p:grpSp>
+      </p:grpSp>
+      <p:grpSp>
+        <p:nvGrpSpPr>
+          <p:cNvPr id="6" name="그룹 5">
+            <a:extLst>
+              <a:ext uri="{FF2B5EF4-FFF2-40B4-BE49-F238E27FC236}">
+                <a16:creationId xmlns:a16="http://schemas.microsoft.com/office/drawing/2014/main" id="{02E735D1-302E-134C-E7F4-D1610CBF0551}"/>
+              </a:ext>
+            </a:extLst>
+          </p:cNvPr>
+          <p:cNvGrpSpPr/>
+          <p:nvPr/>
+        </p:nvGrpSpPr>
+        <p:grpSpPr>
+          <a:xfrm>
+            <a:off x="3681515" y="3023780"/>
+            <a:ext cx="305385" cy="5440680"/>
+            <a:chOff x="3733800" y="1031341"/>
+            <a:chExt cx="290842" cy="5199884"/>
+          </a:xfrm>
+        </p:grpSpPr>
+        <p:cxnSp>
+          <p:nvCxnSpPr>
+            <p:cNvPr id="7" name="직선 연결선 6">
+              <a:extLst>
+                <a:ext uri="{FF2B5EF4-FFF2-40B4-BE49-F238E27FC236}">
+                  <a16:creationId xmlns:a16="http://schemas.microsoft.com/office/drawing/2014/main" id="{444E584B-FA2C-AF32-3A62-49AA87DE0330}"/>
+                </a:ext>
+              </a:extLst>
+            </p:cNvPr>
+            <p:cNvCxnSpPr/>
+            <p:nvPr/>
+          </p:nvCxnSpPr>
+          <p:spPr>
+            <a:xfrm>
+              <a:off x="3733800" y="1031341"/>
+              <a:ext cx="276885" cy="0"/>
+            </a:xfrm>
+            <a:prstGeom prst="line">
+              <a:avLst/>
+            </a:prstGeom>
+          </p:spPr>
+          <p:style>
+            <a:lnRef idx="1">
+              <a:schemeClr val="accent2"/>
+            </a:lnRef>
+            <a:fillRef idx="0">
+              <a:schemeClr val="accent2"/>
+            </a:fillRef>
+            <a:effectRef idx="0">
+              <a:schemeClr val="accent2"/>
+            </a:effectRef>
+            <a:fontRef idx="minor">
+              <a:schemeClr val="tx1"/>
+            </a:fontRef>
+          </p:style>
+        </p:cxnSp>
+        <p:cxnSp>
+          <p:nvCxnSpPr>
+            <p:cNvPr id="8" name="직선 연결선 7">
+              <a:extLst>
+                <a:ext uri="{FF2B5EF4-FFF2-40B4-BE49-F238E27FC236}">
+                  <a16:creationId xmlns:a16="http://schemas.microsoft.com/office/drawing/2014/main" id="{C52E4D4E-DB37-7927-1AD6-2194D57D1414}"/>
+                </a:ext>
+              </a:extLst>
+            </p:cNvPr>
+            <p:cNvCxnSpPr/>
+            <p:nvPr/>
+          </p:nvCxnSpPr>
+          <p:spPr>
+            <a:xfrm>
+              <a:off x="3747757" y="6231225"/>
+              <a:ext cx="276885" cy="0"/>
+            </a:xfrm>
+            <a:prstGeom prst="line">
+              <a:avLst/>
+            </a:prstGeom>
+          </p:spPr>
+          <p:style>
+            <a:lnRef idx="1">
+              <a:schemeClr val="accent2"/>
+            </a:lnRef>
+            <a:fillRef idx="0">
+              <a:schemeClr val="accent2"/>
+            </a:fillRef>
+            <a:effectRef idx="0">
+              <a:schemeClr val="accent2"/>
+            </a:effectRef>
+            <a:fontRef idx="minor">
+              <a:schemeClr val="tx1"/>
+            </a:fontRef>
+          </p:style>
+        </p:cxnSp>
+        <p:cxnSp>
+          <p:nvCxnSpPr>
+            <p:cNvPr id="9" name="직선 연결선 8">
+              <a:extLst>
+                <a:ext uri="{FF2B5EF4-FFF2-40B4-BE49-F238E27FC236}">
+                  <a16:creationId xmlns:a16="http://schemas.microsoft.com/office/drawing/2014/main" id="{87FDF0E0-DC6E-424F-23DA-38D16D236E17}"/>
+                </a:ext>
+              </a:extLst>
+            </p:cNvPr>
+            <p:cNvCxnSpPr>
+              <a:cxnSpLocks/>
+            </p:cNvCxnSpPr>
+            <p:nvPr/>
+          </p:nvCxnSpPr>
+          <p:spPr>
+            <a:xfrm>
+              <a:off x="3886200" y="1031341"/>
+              <a:ext cx="0" cy="5199884"/>
+            </a:xfrm>
+            <a:prstGeom prst="line">
+              <a:avLst/>
+            </a:prstGeom>
+          </p:spPr>
+          <p:style>
+            <a:lnRef idx="1">
+              <a:schemeClr val="accent2"/>
+            </a:lnRef>
+            <a:fillRef idx="0">
+              <a:schemeClr val="accent2"/>
+            </a:fillRef>
+            <a:effectRef idx="0">
+              <a:schemeClr val="accent2"/>
+            </a:effectRef>
+            <a:fontRef idx="minor">
+              <a:schemeClr val="tx1"/>
+            </a:fontRef>
+          </p:style>
+        </p:cxnSp>
+      </p:grpSp>
+      <p:sp>
+        <p:nvSpPr>
+          <p:cNvPr id="30" name="사각형: 둥근 모서리 29">
+            <a:extLst>
+              <a:ext uri="{FF2B5EF4-FFF2-40B4-BE49-F238E27FC236}">
+                <a16:creationId xmlns:a16="http://schemas.microsoft.com/office/drawing/2014/main" id="{C874737B-4CEF-FA8E-B640-2315CE937965}"/>
+              </a:ext>
+            </a:extLst>
+          </p:cNvPr>
+          <p:cNvSpPr/>
+          <p:nvPr/>
+        </p:nvSpPr>
+        <p:spPr>
+          <a:xfrm>
+            <a:off x="8061342" y="858898"/>
+            <a:ext cx="3200400" cy="400050"/>
+          </a:xfrm>
+          <a:prstGeom prst="roundRect">
+            <a:avLst>
+              <a:gd name="adj" fmla="val 50000"/>
+            </a:avLst>
+          </a:prstGeom>
+          <a:noFill/>
+          <a:ln w="9525" cap="flat" cmpd="sng" algn="ctr">
+            <a:solidFill>
+              <a:schemeClr val="accent1"/>
+            </a:solidFill>
+            <a:prstDash val="solid"/>
+            <a:round/>
+            <a:headEnd type="none" w="med" len="med"/>
+            <a:tailEnd type="none" w="med" len="med"/>
+          </a:ln>
+        </p:spPr>
+        <p:style>
+          <a:lnRef idx="0">
+            <a:scrgbClr r="0" g="0" b="0"/>
+          </a:lnRef>
+          <a:fillRef idx="0">
+            <a:scrgbClr r="0" g="0" b="0"/>
+          </a:fillRef>
+          <a:effectRef idx="0">
+            <a:scrgbClr r="0" g="0" b="0"/>
+          </a:effectRef>
+          <a:fontRef idx="minor">
+            <a:schemeClr val="accent1"/>
+          </a:fontRef>
+        </p:style>
+        <p:txBody>
+          <a:bodyPr rtlCol="0" anchor="ctr"/>
+          <a:lstStyle/>
+          <a:p>
+            <a:pPr algn="ctr"/>
+            <a:endParaRPr lang="ko-KR" altLang="en-US" sz="2223"/>
+          </a:p>
+        </p:txBody>
+      </p:sp>
+      <p:sp>
+        <p:nvSpPr>
+          <p:cNvPr id="31" name="사각형: 둥근 모서리 30">
+            <a:extLst>
+              <a:ext uri="{FF2B5EF4-FFF2-40B4-BE49-F238E27FC236}">
+                <a16:creationId xmlns:a16="http://schemas.microsoft.com/office/drawing/2014/main" id="{2001F7A1-D158-894F-9221-AE506EA4A50E}"/>
+              </a:ext>
+            </a:extLst>
+          </p:cNvPr>
+          <p:cNvSpPr/>
+          <p:nvPr/>
+        </p:nvSpPr>
+        <p:spPr>
+          <a:xfrm>
+            <a:off x="8194692" y="938908"/>
+            <a:ext cx="2960370" cy="240030"/>
+          </a:xfrm>
+          <a:prstGeom prst="roundRect">
+            <a:avLst/>
+          </a:prstGeom>
+          <a:noFill/>
+          <a:ln w="9525" cap="flat" cmpd="sng" algn="ctr">
+            <a:solidFill>
+              <a:schemeClr val="accent1"/>
+            </a:solidFill>
+            <a:prstDash val="solid"/>
+            <a:round/>
+            <a:headEnd type="none" w="med" len="med"/>
+            <a:tailEnd type="none" w="med" len="med"/>
+          </a:ln>
+        </p:spPr>
+        <p:style>
+          <a:lnRef idx="0">
+            <a:scrgbClr r="0" g="0" b="0"/>
+          </a:lnRef>
+          <a:fillRef idx="0">
+            <a:scrgbClr r="0" g="0" b="0"/>
+          </a:fillRef>
+          <a:effectRef idx="0">
+            <a:scrgbClr r="0" g="0" b="0"/>
+          </a:effectRef>
+          <a:fontRef idx="minor">
+            <a:schemeClr val="accent1"/>
+          </a:fontRef>
+        </p:style>
+        <p:txBody>
+          <a:bodyPr rtlCol="0" anchor="ctr"/>
+          <a:lstStyle/>
+          <a:p>
+            <a:pPr algn="ctr"/>
+            <a:endParaRPr lang="ko-KR" altLang="en-US" sz="840" dirty="0"/>
+          </a:p>
+        </p:txBody>
+      </p:sp>
+      <p:sp>
+        <p:nvSpPr>
+          <p:cNvPr id="33" name="타원 32">
+            <a:extLst>
+              <a:ext uri="{FF2B5EF4-FFF2-40B4-BE49-F238E27FC236}">
+                <a16:creationId xmlns:a16="http://schemas.microsoft.com/office/drawing/2014/main" id="{7B3DC214-96D7-FB68-CC3E-840C221294BD}"/>
+              </a:ext>
+            </a:extLst>
+          </p:cNvPr>
+          <p:cNvSpPr/>
+          <p:nvPr/>
+        </p:nvSpPr>
+        <p:spPr>
+          <a:xfrm>
+            <a:off x="9634872" y="698878"/>
+            <a:ext cx="80010" cy="80010"/>
+          </a:xfrm>
+          <a:prstGeom prst="ellipse">
+            <a:avLst/>
+          </a:prstGeom>
+        </p:spPr>
+        <p:style>
+          <a:lnRef idx="2">
+            <a:schemeClr val="accent1">
+              <a:shade val="15000"/>
+            </a:schemeClr>
+          </a:lnRef>
+          <a:fillRef idx="1">
+            <a:schemeClr val="accent1"/>
+          </a:fillRef>
+          <a:effectRef idx="0">
+            <a:schemeClr val="accent1"/>
+          </a:effectRef>
+          <a:fontRef idx="minor">
+            <a:schemeClr val="lt1"/>
+          </a:fontRef>
+        </p:style>
+        <p:txBody>
+          <a:bodyPr rtlCol="0" anchor="ctr"/>
+          <a:lstStyle/>
+          <a:p>
+            <a:pPr algn="ctr"/>
+            <a:endParaRPr lang="ko-KR" altLang="en-US" sz="2223"/>
+          </a:p>
+        </p:txBody>
+      </p:sp>
+      <p:sp>
+        <p:nvSpPr>
+          <p:cNvPr id="34" name="사각형: 둥근 모서리 33">
+            <a:extLst>
+              <a:ext uri="{FF2B5EF4-FFF2-40B4-BE49-F238E27FC236}">
+                <a16:creationId xmlns:a16="http://schemas.microsoft.com/office/drawing/2014/main" id="{8065B091-577C-5B59-7D0F-3A79A20545A6}"/>
+              </a:ext>
+            </a:extLst>
+          </p:cNvPr>
+          <p:cNvSpPr/>
+          <p:nvPr/>
+        </p:nvSpPr>
+        <p:spPr>
+          <a:xfrm>
+            <a:off x="8194694" y="938908"/>
+            <a:ext cx="433189" cy="240030"/>
+          </a:xfrm>
+          <a:prstGeom prst="roundRect">
+            <a:avLst/>
+          </a:prstGeom>
+          <a:noFill/>
+          <a:ln w="9525" cap="flat" cmpd="sng" algn="ctr">
+            <a:solidFill>
+              <a:schemeClr val="accent1"/>
+            </a:solidFill>
+            <a:prstDash val="solid"/>
+            <a:round/>
+            <a:headEnd type="none" w="med" len="med"/>
+            <a:tailEnd type="none" w="med" len="med"/>
+          </a:ln>
+        </p:spPr>
+        <p:style>
+          <a:lnRef idx="0">
+            <a:scrgbClr r="0" g="0" b="0"/>
+          </a:lnRef>
+          <a:fillRef idx="0">
+            <a:scrgbClr r="0" g="0" b="0"/>
+          </a:fillRef>
+          <a:effectRef idx="0">
+            <a:scrgbClr r="0" g="0" b="0"/>
+          </a:effectRef>
+          <a:fontRef idx="minor">
+            <a:schemeClr val="accent1"/>
+          </a:fontRef>
+        </p:style>
+        <p:txBody>
+          <a:bodyPr rtlCol="0" anchor="ctr"/>
+          <a:lstStyle/>
+          <a:p>
+            <a:pPr algn="ctr"/>
+            <a:r>
+              <a:rPr lang="ko-KR" altLang="en-US" sz="840" dirty="0"/>
+              <a:t>레벨</a:t>
+            </a:r>
+          </a:p>
+        </p:txBody>
+      </p:sp>
+      <p:sp>
+        <p:nvSpPr>
+          <p:cNvPr id="35" name="사각형: 둥근 모서리 34">
+            <a:extLst>
+              <a:ext uri="{FF2B5EF4-FFF2-40B4-BE49-F238E27FC236}">
+                <a16:creationId xmlns:a16="http://schemas.microsoft.com/office/drawing/2014/main" id="{2DAADD78-EDE6-BEE7-F463-401E87A8BB62}"/>
+              </a:ext>
+            </a:extLst>
+          </p:cNvPr>
+          <p:cNvSpPr/>
+          <p:nvPr/>
+        </p:nvSpPr>
+        <p:spPr>
+          <a:xfrm>
+            <a:off x="8654950" y="938908"/>
+            <a:ext cx="2500114" cy="240030"/>
+          </a:xfrm>
+          <a:prstGeom prst="roundRect">
+            <a:avLst/>
+          </a:prstGeom>
+          <a:solidFill>
+            <a:schemeClr val="accent6">
+              <a:lumMod val="40000"/>
+              <a:lumOff val="60000"/>
+            </a:schemeClr>
+          </a:solidFill>
+          <a:ln w="9525" cap="flat" cmpd="sng" algn="ctr">
+            <a:solidFill>
+              <a:schemeClr val="accent1"/>
+            </a:solidFill>
+            <a:prstDash val="solid"/>
+            <a:round/>
+            <a:headEnd type="none" w="med" len="med"/>
+            <a:tailEnd type="none" w="med" len="med"/>
+          </a:ln>
+        </p:spPr>
+        <p:style>
+          <a:lnRef idx="0">
+            <a:scrgbClr r="0" g="0" b="0"/>
+          </a:lnRef>
+          <a:fillRef idx="0">
+            <a:scrgbClr r="0" g="0" b="0"/>
+          </a:fillRef>
+          <a:effectRef idx="0">
+            <a:scrgbClr r="0" g="0" b="0"/>
+          </a:effectRef>
+          <a:fontRef idx="minor">
+            <a:schemeClr val="accent1"/>
+          </a:fontRef>
+        </p:style>
+        <p:txBody>
+          <a:bodyPr rtlCol="0" anchor="ctr"/>
+          <a:lstStyle/>
+          <a:p>
+            <a:pPr algn="ctr"/>
+            <a:r>
+              <a:rPr lang="ko-KR" altLang="en-US" sz="840" dirty="0"/>
+              <a:t>경험치</a:t>
+            </a:r>
+          </a:p>
+        </p:txBody>
+      </p:sp>
+      <p:grpSp>
+        <p:nvGrpSpPr>
+          <p:cNvPr id="58" name="그룹 57">
+            <a:extLst>
+              <a:ext uri="{FF2B5EF4-FFF2-40B4-BE49-F238E27FC236}">
+                <a16:creationId xmlns:a16="http://schemas.microsoft.com/office/drawing/2014/main" id="{122DD6A0-241B-F7EE-2A99-1E1B68482E2C}"/>
+              </a:ext>
+            </a:extLst>
+          </p:cNvPr>
+          <p:cNvGrpSpPr/>
+          <p:nvPr/>
+        </p:nvGrpSpPr>
+        <p:grpSpPr>
+          <a:xfrm rot="16200000">
+            <a:off x="9508849" y="-790767"/>
+            <a:ext cx="305385" cy="3242727"/>
+            <a:chOff x="3733800" y="1031341"/>
+            <a:chExt cx="290842" cy="5199885"/>
+          </a:xfrm>
+        </p:grpSpPr>
+        <p:cxnSp>
+          <p:nvCxnSpPr>
+            <p:cNvPr id="59" name="직선 연결선 58">
+              <a:extLst>
+                <a:ext uri="{FF2B5EF4-FFF2-40B4-BE49-F238E27FC236}">
+                  <a16:creationId xmlns:a16="http://schemas.microsoft.com/office/drawing/2014/main" id="{F3950FC5-6FD0-1FC6-00BD-271A246055CC}"/>
+                </a:ext>
+              </a:extLst>
+            </p:cNvPr>
+            <p:cNvCxnSpPr/>
+            <p:nvPr/>
+          </p:nvCxnSpPr>
+          <p:spPr>
+            <a:xfrm>
+              <a:off x="3733800" y="1031341"/>
+              <a:ext cx="276885" cy="0"/>
+            </a:xfrm>
+            <a:prstGeom prst="line">
+              <a:avLst/>
+            </a:prstGeom>
+          </p:spPr>
+          <p:style>
+            <a:lnRef idx="1">
+              <a:schemeClr val="accent2"/>
+            </a:lnRef>
+            <a:fillRef idx="0">
+              <a:schemeClr val="accent2"/>
+            </a:fillRef>
+            <a:effectRef idx="0">
+              <a:schemeClr val="accent2"/>
+            </a:effectRef>
+            <a:fontRef idx="minor">
+              <a:schemeClr val="tx1"/>
+            </a:fontRef>
+          </p:style>
+        </p:cxnSp>
+        <p:cxnSp>
+          <p:nvCxnSpPr>
+            <p:cNvPr id="60" name="직선 연결선 59">
+              <a:extLst>
+                <a:ext uri="{FF2B5EF4-FFF2-40B4-BE49-F238E27FC236}">
+                  <a16:creationId xmlns:a16="http://schemas.microsoft.com/office/drawing/2014/main" id="{79F6EB70-46D4-2D69-2EC7-8021C24A6F7F}"/>
+                </a:ext>
+              </a:extLst>
+            </p:cNvPr>
+            <p:cNvCxnSpPr/>
+            <p:nvPr/>
+          </p:nvCxnSpPr>
+          <p:spPr>
+            <a:xfrm>
+              <a:off x="3747757" y="6231225"/>
+              <a:ext cx="276885" cy="0"/>
+            </a:xfrm>
+            <a:prstGeom prst="line">
+              <a:avLst/>
+            </a:prstGeom>
+          </p:spPr>
+          <p:style>
+            <a:lnRef idx="1">
+              <a:schemeClr val="accent2"/>
+            </a:lnRef>
+            <a:fillRef idx="0">
+              <a:schemeClr val="accent2"/>
+            </a:fillRef>
+            <a:effectRef idx="0">
+              <a:schemeClr val="accent2"/>
+            </a:effectRef>
+            <a:fontRef idx="minor">
+              <a:schemeClr val="tx1"/>
+            </a:fontRef>
+          </p:style>
+        </p:cxnSp>
+        <p:cxnSp>
+          <p:nvCxnSpPr>
+            <p:cNvPr id="61" name="직선 연결선 60">
+              <a:extLst>
+                <a:ext uri="{FF2B5EF4-FFF2-40B4-BE49-F238E27FC236}">
+                  <a16:creationId xmlns:a16="http://schemas.microsoft.com/office/drawing/2014/main" id="{AEA90EF7-803C-B38D-0806-CFA869F1F566}"/>
+                </a:ext>
+              </a:extLst>
+            </p:cNvPr>
+            <p:cNvCxnSpPr>
+              <a:cxnSpLocks/>
+            </p:cNvCxnSpPr>
+            <p:nvPr/>
+          </p:nvCxnSpPr>
+          <p:spPr>
+            <a:xfrm>
+              <a:off x="3886201" y="1031343"/>
+              <a:ext cx="0" cy="5199883"/>
+            </a:xfrm>
+            <a:prstGeom prst="line">
+              <a:avLst/>
+            </a:prstGeom>
+          </p:spPr>
+          <p:style>
+            <a:lnRef idx="1">
+              <a:schemeClr val="accent2"/>
+            </a:lnRef>
+            <a:fillRef idx="0">
+              <a:schemeClr val="accent2"/>
+            </a:fillRef>
+            <a:effectRef idx="0">
+              <a:schemeClr val="accent2"/>
+            </a:effectRef>
+            <a:fontRef idx="minor">
+              <a:schemeClr val="tx1"/>
+            </a:fontRef>
+          </p:style>
+        </p:cxnSp>
+      </p:grpSp>
+      <p:sp>
+        <p:nvSpPr>
+          <p:cNvPr id="62" name="TextBox 61">
+            <a:extLst>
+              <a:ext uri="{FF2B5EF4-FFF2-40B4-BE49-F238E27FC236}">
+                <a16:creationId xmlns:a16="http://schemas.microsoft.com/office/drawing/2014/main" id="{93260F02-9A05-D641-5096-6C201BEE6C38}"/>
+              </a:ext>
+            </a:extLst>
+          </p:cNvPr>
+          <p:cNvSpPr txBox="1"/>
+          <p:nvPr/>
+        </p:nvSpPr>
+        <p:spPr>
+          <a:xfrm>
+            <a:off x="8815758" y="583427"/>
+            <a:ext cx="1060835" cy="276999"/>
+          </a:xfrm>
+          <a:prstGeom prst="rect">
+            <a:avLst/>
+          </a:prstGeom>
+          <a:noFill/>
+        </p:spPr>
+        <p:txBody>
+          <a:bodyPr wrap="square" rtlCol="0">
+            <a:spAutoFit/>
+          </a:bodyPr>
+          <a:lstStyle/>
+          <a:p>
+            <a:r>
+              <a:rPr lang="en-US" altLang="ko-KR" sz="1200" dirty="0"/>
+              <a:t>1000</a:t>
+            </a:r>
+            <a:endParaRPr lang="ko-KR" altLang="en-US" sz="1200" dirty="0"/>
+          </a:p>
+        </p:txBody>
+      </p:sp>
+      <p:sp>
+        <p:nvSpPr>
+          <p:cNvPr id="96" name="TextBox 95">
+            <a:extLst>
+              <a:ext uri="{FF2B5EF4-FFF2-40B4-BE49-F238E27FC236}">
+                <a16:creationId xmlns:a16="http://schemas.microsoft.com/office/drawing/2014/main" id="{F30043D2-8AC4-8C0B-03A1-8E05A23C0AD2}"/>
+              </a:ext>
+            </a:extLst>
+          </p:cNvPr>
+          <p:cNvSpPr txBox="1"/>
+          <p:nvPr/>
+        </p:nvSpPr>
+        <p:spPr>
+          <a:xfrm rot="5400000">
+            <a:off x="8269985" y="1084247"/>
+            <a:ext cx="588502" cy="246221"/>
+          </a:xfrm>
+          <a:prstGeom prst="rect">
+            <a:avLst/>
+          </a:prstGeom>
+          <a:noFill/>
+        </p:spPr>
+        <p:txBody>
+          <a:bodyPr wrap="square" rtlCol="0">
+            <a:spAutoFit/>
+          </a:bodyPr>
+          <a:lstStyle/>
+          <a:p>
+            <a:r>
+              <a:rPr lang="en-US" altLang="ko-KR" sz="1000" dirty="0"/>
+              <a:t>60</a:t>
+            </a:r>
+            <a:endParaRPr lang="ko-KR" altLang="en-US" sz="1200" dirty="0"/>
+          </a:p>
+        </p:txBody>
+      </p:sp>
+      <p:grpSp>
+        <p:nvGrpSpPr>
+          <p:cNvPr id="20" name="그룹 19">
+            <a:extLst>
+              <a:ext uri="{FF2B5EF4-FFF2-40B4-BE49-F238E27FC236}">
+                <a16:creationId xmlns:a16="http://schemas.microsoft.com/office/drawing/2014/main" id="{893D6B54-0E42-7E3F-989E-6B2239D3CB30}"/>
+              </a:ext>
+            </a:extLst>
+          </p:cNvPr>
+          <p:cNvGrpSpPr/>
+          <p:nvPr/>
+        </p:nvGrpSpPr>
+        <p:grpSpPr>
+          <a:xfrm>
+            <a:off x="4846898" y="7625674"/>
+            <a:ext cx="737411" cy="773958"/>
+            <a:chOff x="8367917" y="5207716"/>
+            <a:chExt cx="702296" cy="737103"/>
+          </a:xfrm>
+        </p:grpSpPr>
+        <p:sp>
+          <p:nvSpPr>
+            <p:cNvPr id="21" name="타원 20">
+              <a:extLst>
+                <a:ext uri="{FF2B5EF4-FFF2-40B4-BE49-F238E27FC236}">
+                  <a16:creationId xmlns:a16="http://schemas.microsoft.com/office/drawing/2014/main" id="{857A7E6A-4082-2E76-7F32-57AEE38D854C}"/>
+                </a:ext>
+              </a:extLst>
+            </p:cNvPr>
+            <p:cNvSpPr/>
+            <p:nvPr/>
+          </p:nvSpPr>
+          <p:spPr>
+            <a:xfrm>
+              <a:off x="8367917" y="5207716"/>
+              <a:ext cx="702296" cy="737103"/>
+            </a:xfrm>
+            <a:prstGeom prst="ellipse">
+              <a:avLst/>
+            </a:prstGeom>
+            <a:solidFill>
+              <a:schemeClr val="bg2">
+                <a:lumMod val="90000"/>
+              </a:schemeClr>
+            </a:solidFill>
+          </p:spPr>
+          <p:style>
+            <a:lnRef idx="2">
+              <a:schemeClr val="accent1">
+                <a:shade val="15000"/>
+              </a:schemeClr>
+            </a:lnRef>
+            <a:fillRef idx="1">
+              <a:schemeClr val="accent1"/>
+            </a:fillRef>
+            <a:effectRef idx="0">
+              <a:schemeClr val="accent1"/>
+            </a:effectRef>
+            <a:fontRef idx="minor">
+              <a:schemeClr val="lt1"/>
+            </a:fontRef>
+          </p:style>
+          <p:txBody>
+            <a:bodyPr rtlCol="0" anchor="ctr"/>
+            <a:lstStyle/>
+            <a:p>
+              <a:pPr algn="ctr"/>
+              <a:endParaRPr lang="ko-KR" altLang="en-US" sz="2223"/>
+            </a:p>
+          </p:txBody>
+        </p:sp>
+        <p:sp>
+          <p:nvSpPr>
+            <p:cNvPr id="22" name="타원 21">
+              <a:extLst>
+                <a:ext uri="{FF2B5EF4-FFF2-40B4-BE49-F238E27FC236}">
+                  <a16:creationId xmlns:a16="http://schemas.microsoft.com/office/drawing/2014/main" id="{CC9AB683-BE21-5E9B-FFDC-D63144A447F0}"/>
+                </a:ext>
+              </a:extLst>
+            </p:cNvPr>
+            <p:cNvSpPr/>
+            <p:nvPr/>
+          </p:nvSpPr>
+          <p:spPr>
+            <a:xfrm>
+              <a:off x="8495700" y="5350598"/>
+              <a:ext cx="446729" cy="457215"/>
+            </a:xfrm>
+            <a:prstGeom prst="ellipse">
+              <a:avLst/>
+            </a:prstGeom>
+            <a:solidFill>
+              <a:schemeClr val="accent1">
+                <a:lumMod val="40000"/>
+                <a:lumOff val="60000"/>
+              </a:schemeClr>
+            </a:solidFill>
+          </p:spPr>
+          <p:style>
+            <a:lnRef idx="2">
+              <a:schemeClr val="accent1">
+                <a:shade val="15000"/>
+              </a:schemeClr>
+            </a:lnRef>
+            <a:fillRef idx="1">
+              <a:schemeClr val="accent1"/>
+            </a:fillRef>
+            <a:effectRef idx="0">
+              <a:schemeClr val="accent1"/>
+            </a:effectRef>
+            <a:fontRef idx="minor">
+              <a:schemeClr val="lt1"/>
+            </a:fontRef>
+          </p:style>
+          <p:txBody>
+            <a:bodyPr rtlCol="0" anchor="ctr"/>
+            <a:lstStyle/>
+            <a:p>
+              <a:pPr algn="ctr"/>
+              <a:endParaRPr lang="ko-KR" altLang="en-US" sz="2223"/>
+            </a:p>
+          </p:txBody>
+        </p:sp>
+      </p:grpSp>
+      <p:grpSp>
+        <p:nvGrpSpPr>
+          <p:cNvPr id="113" name="그룹 112">
+            <a:extLst>
+              <a:ext uri="{FF2B5EF4-FFF2-40B4-BE49-F238E27FC236}">
+                <a16:creationId xmlns:a16="http://schemas.microsoft.com/office/drawing/2014/main" id="{B527E17F-B723-C50D-26EA-79AD487DA7FB}"/>
+              </a:ext>
+            </a:extLst>
+          </p:cNvPr>
+          <p:cNvGrpSpPr/>
+          <p:nvPr/>
+        </p:nvGrpSpPr>
+        <p:grpSpPr>
+          <a:xfrm>
+            <a:off x="4647303" y="6558279"/>
+            <a:ext cx="1769373" cy="887715"/>
+            <a:chOff x="5223371" y="5938982"/>
+            <a:chExt cx="1769373" cy="887715"/>
+          </a:xfrm>
+        </p:grpSpPr>
+        <p:sp>
+          <p:nvSpPr>
+            <p:cNvPr id="32" name="사각형: 둥근 모서리 31">
+              <a:extLst>
+                <a:ext uri="{FF2B5EF4-FFF2-40B4-BE49-F238E27FC236}">
+                  <a16:creationId xmlns:a16="http://schemas.microsoft.com/office/drawing/2014/main" id="{2699828C-F918-EC1C-382B-E6BDE08BCE96}"/>
+                </a:ext>
+              </a:extLst>
+            </p:cNvPr>
+            <p:cNvSpPr/>
+            <p:nvPr/>
+          </p:nvSpPr>
+          <p:spPr>
+            <a:xfrm>
+              <a:off x="5223371" y="5945609"/>
+              <a:ext cx="1453365" cy="548309"/>
+            </a:xfrm>
+            <a:prstGeom prst="roundRect">
+              <a:avLst/>
+            </a:prstGeom>
+            <a:noFill/>
+            <a:ln w="9525" cap="flat" cmpd="sng" algn="ctr">
+              <a:solidFill>
+                <a:schemeClr val="accent1"/>
+              </a:solidFill>
+              <a:prstDash val="solid"/>
+              <a:round/>
+              <a:headEnd type="none" w="med" len="med"/>
+              <a:tailEnd type="none" w="med" len="med"/>
+            </a:ln>
+          </p:spPr>
+          <p:style>
+            <a:lnRef idx="0">
+              <a:scrgbClr r="0" g="0" b="0"/>
+            </a:lnRef>
+            <a:fillRef idx="0">
+              <a:scrgbClr r="0" g="0" b="0"/>
+            </a:fillRef>
+            <a:effectRef idx="0">
+              <a:scrgbClr r="0" g="0" b="0"/>
+            </a:effectRef>
+            <a:fontRef idx="minor">
+              <a:schemeClr val="accent1"/>
+            </a:fontRef>
+          </p:style>
+          <p:txBody>
+            <a:bodyPr rtlCol="0" anchor="ctr"/>
+            <a:lstStyle/>
+            <a:p>
+              <a:pPr algn="ctr"/>
+              <a:r>
+                <a:rPr lang="ko-KR" altLang="en-US" sz="840" dirty="0"/>
+                <a:t>몬스터 웨이브 이름</a:t>
+              </a:r>
+            </a:p>
+          </p:txBody>
+        </p:sp>
+        <p:grpSp>
+          <p:nvGrpSpPr>
+            <p:cNvPr id="51" name="그룹 50">
+              <a:extLst>
+                <a:ext uri="{FF2B5EF4-FFF2-40B4-BE49-F238E27FC236}">
+                  <a16:creationId xmlns:a16="http://schemas.microsoft.com/office/drawing/2014/main" id="{58911B3F-52CD-CFCA-E3A9-F9E8175C18A8}"/>
+                </a:ext>
+              </a:extLst>
+            </p:cNvPr>
+            <p:cNvGrpSpPr/>
+            <p:nvPr/>
+          </p:nvGrpSpPr>
+          <p:grpSpPr>
+            <a:xfrm>
+              <a:off x="5235485" y="6463388"/>
+              <a:ext cx="1477598" cy="363309"/>
+              <a:chOff x="8547736" y="7751892"/>
+              <a:chExt cx="3512872" cy="363309"/>
+            </a:xfrm>
+          </p:grpSpPr>
+          <p:sp>
+            <p:nvSpPr>
+              <p:cNvPr id="52" name="TextBox 51">
+                <a:extLst>
+                  <a:ext uri="{FF2B5EF4-FFF2-40B4-BE49-F238E27FC236}">
+                    <a16:creationId xmlns:a16="http://schemas.microsoft.com/office/drawing/2014/main" id="{CBCB6617-4435-E3FF-1446-636792D697AB}"/>
+                  </a:ext>
+                </a:extLst>
+              </p:cNvPr>
+              <p:cNvSpPr txBox="1"/>
+              <p:nvPr/>
+            </p:nvSpPr>
+            <p:spPr>
+              <a:xfrm>
+                <a:off x="9538557" y="7838202"/>
+                <a:ext cx="2522051" cy="276999"/>
+              </a:xfrm>
+              <a:prstGeom prst="rect">
+                <a:avLst/>
+              </a:prstGeom>
+              <a:noFill/>
+            </p:spPr>
+            <p:txBody>
+              <a:bodyPr wrap="square" rtlCol="0">
+                <a:spAutoFit/>
+              </a:bodyPr>
+              <a:lstStyle/>
+              <a:p>
+                <a:r>
+                  <a:rPr lang="en-US" altLang="ko-KR" sz="1200" dirty="0"/>
+                  <a:t>600</a:t>
+                </a:r>
+                <a:endParaRPr lang="ko-KR" altLang="en-US" sz="1200" dirty="0"/>
+              </a:p>
+            </p:txBody>
+          </p:sp>
+          <p:grpSp>
+            <p:nvGrpSpPr>
+              <p:cNvPr id="53" name="그룹 52">
+                <a:extLst>
+                  <a:ext uri="{FF2B5EF4-FFF2-40B4-BE49-F238E27FC236}">
+                    <a16:creationId xmlns:a16="http://schemas.microsoft.com/office/drawing/2014/main" id="{09334354-1045-C478-1C1D-4604441669C5}"/>
+                  </a:ext>
+                </a:extLst>
+              </p:cNvPr>
+              <p:cNvGrpSpPr/>
+              <p:nvPr/>
+            </p:nvGrpSpPr>
+            <p:grpSpPr>
+              <a:xfrm rot="16200000">
+                <a:off x="10122587" y="6177041"/>
+                <a:ext cx="305385" cy="3455088"/>
+                <a:chOff x="3733800" y="1031341"/>
+                <a:chExt cx="290842" cy="5199887"/>
+              </a:xfrm>
+            </p:grpSpPr>
+            <p:cxnSp>
+              <p:nvCxnSpPr>
+                <p:cNvPr id="54" name="직선 연결선 53">
+                  <a:extLst>
+                    <a:ext uri="{FF2B5EF4-FFF2-40B4-BE49-F238E27FC236}">
+                      <a16:creationId xmlns:a16="http://schemas.microsoft.com/office/drawing/2014/main" id="{893C6F09-4CA2-83CD-1998-9719B3EF1D82}"/>
+                    </a:ext>
+                  </a:extLst>
+                </p:cNvPr>
+                <p:cNvCxnSpPr/>
+                <p:nvPr/>
+              </p:nvCxnSpPr>
+              <p:spPr>
+                <a:xfrm>
+                  <a:off x="3733800" y="1031341"/>
+                  <a:ext cx="276885" cy="0"/>
+                </a:xfrm>
+                <a:prstGeom prst="line">
+                  <a:avLst/>
+                </a:prstGeom>
+              </p:spPr>
+              <p:style>
+                <a:lnRef idx="1">
+                  <a:schemeClr val="accent2"/>
+                </a:lnRef>
+                <a:fillRef idx="0">
+                  <a:schemeClr val="accent2"/>
+                </a:fillRef>
+                <a:effectRef idx="0">
+                  <a:schemeClr val="accent2"/>
+                </a:effectRef>
+                <a:fontRef idx="minor">
+                  <a:schemeClr val="tx1"/>
+                </a:fontRef>
+              </p:style>
+            </p:cxnSp>
+            <p:cxnSp>
+              <p:nvCxnSpPr>
+                <p:cNvPr id="55" name="직선 연결선 54">
+                  <a:extLst>
+                    <a:ext uri="{FF2B5EF4-FFF2-40B4-BE49-F238E27FC236}">
+                      <a16:creationId xmlns:a16="http://schemas.microsoft.com/office/drawing/2014/main" id="{4DF681C1-4538-6243-EA3E-1D6F22144129}"/>
+                    </a:ext>
+                  </a:extLst>
+                </p:cNvPr>
+                <p:cNvCxnSpPr/>
+                <p:nvPr/>
+              </p:nvCxnSpPr>
+              <p:spPr>
+                <a:xfrm>
+                  <a:off x="3747757" y="6231225"/>
+                  <a:ext cx="276885" cy="0"/>
+                </a:xfrm>
+                <a:prstGeom prst="line">
+                  <a:avLst/>
+                </a:prstGeom>
+              </p:spPr>
+              <p:style>
+                <a:lnRef idx="1">
+                  <a:schemeClr val="accent2"/>
+                </a:lnRef>
+                <a:fillRef idx="0">
+                  <a:schemeClr val="accent2"/>
+                </a:fillRef>
+                <a:effectRef idx="0">
+                  <a:schemeClr val="accent2"/>
+                </a:effectRef>
+                <a:fontRef idx="minor">
+                  <a:schemeClr val="tx1"/>
+                </a:fontRef>
+              </p:style>
+            </p:cxnSp>
+            <p:cxnSp>
+              <p:nvCxnSpPr>
+                <p:cNvPr id="57" name="직선 연결선 56">
+                  <a:extLst>
+                    <a:ext uri="{FF2B5EF4-FFF2-40B4-BE49-F238E27FC236}">
+                      <a16:creationId xmlns:a16="http://schemas.microsoft.com/office/drawing/2014/main" id="{34053EB8-10DA-B330-AAB5-7CD541A86B8F}"/>
+                    </a:ext>
+                  </a:extLst>
+                </p:cNvPr>
+                <p:cNvCxnSpPr>
+                  <a:cxnSpLocks/>
+                </p:cNvCxnSpPr>
+                <p:nvPr/>
+              </p:nvCxnSpPr>
+              <p:spPr>
+                <a:xfrm>
+                  <a:off x="3886200" y="1031341"/>
+                  <a:ext cx="0" cy="5199884"/>
+                </a:xfrm>
+                <a:prstGeom prst="line">
+                  <a:avLst/>
+                </a:prstGeom>
+              </p:spPr>
+              <p:style>
+                <a:lnRef idx="1">
+                  <a:schemeClr val="accent2"/>
+                </a:lnRef>
+                <a:fillRef idx="0">
+                  <a:schemeClr val="accent2"/>
+                </a:fillRef>
+                <a:effectRef idx="0">
+                  <a:schemeClr val="accent2"/>
+                </a:effectRef>
+                <a:fontRef idx="minor">
+                  <a:schemeClr val="tx1"/>
+                </a:fontRef>
+              </p:style>
+            </p:cxnSp>
+          </p:grpSp>
+        </p:grpSp>
+        <p:grpSp>
+          <p:nvGrpSpPr>
+            <p:cNvPr id="69" name="그룹 68">
+              <a:extLst>
+                <a:ext uri="{FF2B5EF4-FFF2-40B4-BE49-F238E27FC236}">
+                  <a16:creationId xmlns:a16="http://schemas.microsoft.com/office/drawing/2014/main" id="{7F42211B-F60F-EAE2-8C9F-D05AD33CA16D}"/>
+                </a:ext>
+              </a:extLst>
+            </p:cNvPr>
+            <p:cNvGrpSpPr/>
+            <p:nvPr/>
+          </p:nvGrpSpPr>
+          <p:grpSpPr>
+            <a:xfrm rot="16200000">
+              <a:off x="6517371" y="6051046"/>
+              <a:ext cx="587437" cy="363309"/>
+              <a:chOff x="8547736" y="7751892"/>
+              <a:chExt cx="3512869" cy="363309"/>
+            </a:xfrm>
+          </p:grpSpPr>
+          <p:sp>
+            <p:nvSpPr>
+              <p:cNvPr id="70" name="TextBox 69">
+                <a:extLst>
+                  <a:ext uri="{FF2B5EF4-FFF2-40B4-BE49-F238E27FC236}">
+                    <a16:creationId xmlns:a16="http://schemas.microsoft.com/office/drawing/2014/main" id="{A879D565-6C11-3D98-5E26-7D501198A72B}"/>
+                  </a:ext>
+                </a:extLst>
+              </p:cNvPr>
+              <p:cNvSpPr txBox="1"/>
+              <p:nvPr/>
+            </p:nvSpPr>
+            <p:spPr>
+              <a:xfrm>
+                <a:off x="9016510" y="7838202"/>
+                <a:ext cx="3044095" cy="276999"/>
+              </a:xfrm>
+              <a:prstGeom prst="rect">
+                <a:avLst/>
+              </a:prstGeom>
+              <a:noFill/>
+            </p:spPr>
+            <p:txBody>
+              <a:bodyPr wrap="square" rtlCol="0">
+                <a:spAutoFit/>
+              </a:bodyPr>
+              <a:lstStyle/>
+              <a:p>
+                <a:r>
+                  <a:rPr lang="en-US" altLang="ko-KR" sz="1200" dirty="0"/>
+                  <a:t>140</a:t>
+                </a:r>
+                <a:endParaRPr lang="ko-KR" altLang="en-US" sz="1200" dirty="0"/>
+              </a:p>
+            </p:txBody>
+          </p:sp>
+          <p:grpSp>
+            <p:nvGrpSpPr>
+              <p:cNvPr id="71" name="그룹 70">
+                <a:extLst>
+                  <a:ext uri="{FF2B5EF4-FFF2-40B4-BE49-F238E27FC236}">
+                    <a16:creationId xmlns:a16="http://schemas.microsoft.com/office/drawing/2014/main" id="{EA14AF79-0F85-6520-BC49-BA02D3923BD7}"/>
+                  </a:ext>
+                </a:extLst>
+              </p:cNvPr>
+              <p:cNvGrpSpPr/>
+              <p:nvPr/>
+            </p:nvGrpSpPr>
+            <p:grpSpPr>
+              <a:xfrm rot="16200000">
+                <a:off x="10122587" y="6177041"/>
+                <a:ext cx="305385" cy="3455088"/>
+                <a:chOff x="3733800" y="1031341"/>
+                <a:chExt cx="290842" cy="5199887"/>
+              </a:xfrm>
+            </p:grpSpPr>
+            <p:cxnSp>
+              <p:nvCxnSpPr>
+                <p:cNvPr id="72" name="직선 연결선 71">
+                  <a:extLst>
+                    <a:ext uri="{FF2B5EF4-FFF2-40B4-BE49-F238E27FC236}">
+                      <a16:creationId xmlns:a16="http://schemas.microsoft.com/office/drawing/2014/main" id="{533C5848-E3C9-A737-6150-364EA46DEC90}"/>
+                    </a:ext>
+                  </a:extLst>
+                </p:cNvPr>
+                <p:cNvCxnSpPr/>
+                <p:nvPr/>
+              </p:nvCxnSpPr>
+              <p:spPr>
+                <a:xfrm>
+                  <a:off x="3733800" y="1031341"/>
+                  <a:ext cx="276885" cy="0"/>
+                </a:xfrm>
+                <a:prstGeom prst="line">
+                  <a:avLst/>
+                </a:prstGeom>
+              </p:spPr>
+              <p:style>
+                <a:lnRef idx="1">
+                  <a:schemeClr val="accent2"/>
+                </a:lnRef>
+                <a:fillRef idx="0">
+                  <a:schemeClr val="accent2"/>
+                </a:fillRef>
+                <a:effectRef idx="0">
+                  <a:schemeClr val="accent2"/>
+                </a:effectRef>
+                <a:fontRef idx="minor">
+                  <a:schemeClr val="tx1"/>
+                </a:fontRef>
+              </p:style>
+            </p:cxnSp>
+            <p:cxnSp>
+              <p:nvCxnSpPr>
+                <p:cNvPr id="73" name="직선 연결선 72">
+                  <a:extLst>
+                    <a:ext uri="{FF2B5EF4-FFF2-40B4-BE49-F238E27FC236}">
+                      <a16:creationId xmlns:a16="http://schemas.microsoft.com/office/drawing/2014/main" id="{73E6A70B-EC15-35D7-8CE1-D5B90C327BAF}"/>
+                    </a:ext>
+                  </a:extLst>
+                </p:cNvPr>
+                <p:cNvCxnSpPr/>
+                <p:nvPr/>
+              </p:nvCxnSpPr>
+              <p:spPr>
+                <a:xfrm>
+                  <a:off x="3747757" y="6231225"/>
+                  <a:ext cx="276885" cy="0"/>
+                </a:xfrm>
+                <a:prstGeom prst="line">
+                  <a:avLst/>
+                </a:prstGeom>
+              </p:spPr>
+              <p:style>
+                <a:lnRef idx="1">
+                  <a:schemeClr val="accent2"/>
+                </a:lnRef>
+                <a:fillRef idx="0">
+                  <a:schemeClr val="accent2"/>
+                </a:fillRef>
+                <a:effectRef idx="0">
+                  <a:schemeClr val="accent2"/>
+                </a:effectRef>
+                <a:fontRef idx="minor">
+                  <a:schemeClr val="tx1"/>
+                </a:fontRef>
+              </p:style>
+            </p:cxnSp>
+            <p:cxnSp>
+              <p:nvCxnSpPr>
+                <p:cNvPr id="74" name="직선 연결선 73">
+                  <a:extLst>
+                    <a:ext uri="{FF2B5EF4-FFF2-40B4-BE49-F238E27FC236}">
+                      <a16:creationId xmlns:a16="http://schemas.microsoft.com/office/drawing/2014/main" id="{A33F5565-3B26-ED7A-31D8-A343029074B0}"/>
+                    </a:ext>
+                  </a:extLst>
+                </p:cNvPr>
+                <p:cNvCxnSpPr>
+                  <a:cxnSpLocks/>
+                </p:cNvCxnSpPr>
+                <p:nvPr/>
+              </p:nvCxnSpPr>
+              <p:spPr>
+                <a:xfrm>
+                  <a:off x="3886200" y="1031341"/>
+                  <a:ext cx="0" cy="5199884"/>
+                </a:xfrm>
+                <a:prstGeom prst="line">
+                  <a:avLst/>
+                </a:prstGeom>
+              </p:spPr>
+              <p:style>
+                <a:lnRef idx="1">
+                  <a:schemeClr val="accent2"/>
+                </a:lnRef>
+                <a:fillRef idx="0">
+                  <a:schemeClr val="accent2"/>
+                </a:fillRef>
+                <a:effectRef idx="0">
+                  <a:schemeClr val="accent2"/>
+                </a:effectRef>
+                <a:fontRef idx="minor">
+                  <a:schemeClr val="tx1"/>
+                </a:fontRef>
+              </p:style>
+            </p:cxnSp>
+          </p:grpSp>
+        </p:grpSp>
+      </p:grpSp>
+      <p:grpSp>
+        <p:nvGrpSpPr>
+          <p:cNvPr id="116" name="그룹 115">
+            <a:extLst>
+              <a:ext uri="{FF2B5EF4-FFF2-40B4-BE49-F238E27FC236}">
+                <a16:creationId xmlns:a16="http://schemas.microsoft.com/office/drawing/2014/main" id="{ACD11D7F-2C1E-4EE9-1449-F13ED739D1C2}"/>
+              </a:ext>
+            </a:extLst>
+          </p:cNvPr>
+          <p:cNvGrpSpPr/>
+          <p:nvPr/>
+        </p:nvGrpSpPr>
+        <p:grpSpPr>
+          <a:xfrm>
+            <a:off x="4685778" y="3097839"/>
+            <a:ext cx="3771141" cy="1152615"/>
+            <a:chOff x="5261846" y="2478542"/>
+            <a:chExt cx="3771141" cy="1152615"/>
+          </a:xfrm>
+        </p:grpSpPr>
+        <p:grpSp>
+          <p:nvGrpSpPr>
+            <p:cNvPr id="15" name="그룹 14">
+              <a:extLst>
+                <a:ext uri="{FF2B5EF4-FFF2-40B4-BE49-F238E27FC236}">
+                  <a16:creationId xmlns:a16="http://schemas.microsoft.com/office/drawing/2014/main" id="{B2F8F997-D147-B377-B81D-A6A5B09DFF52}"/>
+                </a:ext>
+              </a:extLst>
+            </p:cNvPr>
+            <p:cNvGrpSpPr/>
+            <p:nvPr/>
+          </p:nvGrpSpPr>
+          <p:grpSpPr>
+            <a:xfrm>
+              <a:off x="5447967" y="2770543"/>
+              <a:ext cx="3200400" cy="400050"/>
+              <a:chOff x="5447967" y="2770543"/>
+              <a:chExt cx="3200400" cy="400050"/>
+            </a:xfrm>
+          </p:grpSpPr>
+          <p:sp>
+            <p:nvSpPr>
+              <p:cNvPr id="10" name="사각형: 둥근 모서리 9">
+                <a:extLst>
+                  <a:ext uri="{FF2B5EF4-FFF2-40B4-BE49-F238E27FC236}">
+                    <a16:creationId xmlns:a16="http://schemas.microsoft.com/office/drawing/2014/main" id="{8793E851-21A8-0E7B-DDC5-BC164BED7501}"/>
+                  </a:ext>
+                </a:extLst>
+              </p:cNvPr>
+              <p:cNvSpPr/>
+              <p:nvPr/>
+            </p:nvSpPr>
+            <p:spPr>
+              <a:xfrm>
+                <a:off x="5447967" y="2770543"/>
+                <a:ext cx="3200400" cy="400050"/>
+              </a:xfrm>
+              <a:prstGeom prst="roundRect">
+                <a:avLst>
+                  <a:gd name="adj" fmla="val 50000"/>
+                </a:avLst>
+              </a:prstGeom>
+              <a:noFill/>
+              <a:ln w="9525" cap="flat" cmpd="sng" algn="ctr">
+                <a:solidFill>
+                  <a:schemeClr val="accent1"/>
+                </a:solidFill>
+                <a:prstDash val="solid"/>
+                <a:round/>
+                <a:headEnd type="none" w="med" len="med"/>
+                <a:tailEnd type="none" w="med" len="med"/>
+              </a:ln>
+            </p:spPr>
+            <p:style>
+              <a:lnRef idx="0">
+                <a:scrgbClr r="0" g="0" b="0"/>
+              </a:lnRef>
+              <a:fillRef idx="0">
+                <a:scrgbClr r="0" g="0" b="0"/>
+              </a:fillRef>
+              <a:effectRef idx="0">
+                <a:scrgbClr r="0" g="0" b="0"/>
+              </a:effectRef>
+              <a:fontRef idx="minor">
+                <a:schemeClr val="accent1"/>
+              </a:fontRef>
+            </p:style>
+            <p:txBody>
+              <a:bodyPr rtlCol="0" anchor="ctr"/>
+              <a:lstStyle/>
+              <a:p>
+                <a:pPr algn="ctr"/>
+                <a:endParaRPr lang="ko-KR" altLang="en-US" sz="2223"/>
+              </a:p>
+            </p:txBody>
+          </p:sp>
+          <p:sp>
+            <p:nvSpPr>
+              <p:cNvPr id="11" name="사각형: 둥근 모서리 10">
+                <a:extLst>
+                  <a:ext uri="{FF2B5EF4-FFF2-40B4-BE49-F238E27FC236}">
+                    <a16:creationId xmlns:a16="http://schemas.microsoft.com/office/drawing/2014/main" id="{4CB732E1-1F77-CD83-3261-45EA8CF22C24}"/>
+                  </a:ext>
+                </a:extLst>
+              </p:cNvPr>
+              <p:cNvSpPr/>
+              <p:nvPr/>
+            </p:nvSpPr>
+            <p:spPr>
+              <a:xfrm>
+                <a:off x="5581317" y="2850553"/>
+                <a:ext cx="2960370" cy="240030"/>
+              </a:xfrm>
+              <a:prstGeom prst="roundRect">
+                <a:avLst/>
+              </a:prstGeom>
+              <a:noFill/>
+              <a:ln w="9525" cap="flat" cmpd="sng" algn="ctr">
+                <a:solidFill>
+                  <a:schemeClr val="accent1"/>
+                </a:solidFill>
+                <a:prstDash val="solid"/>
+                <a:round/>
+                <a:headEnd type="none" w="med" len="med"/>
+                <a:tailEnd type="none" w="med" len="med"/>
+              </a:ln>
+            </p:spPr>
+            <p:style>
+              <a:lnRef idx="0">
+                <a:scrgbClr r="0" g="0" b="0"/>
+              </a:lnRef>
+              <a:fillRef idx="0">
+                <a:scrgbClr r="0" g="0" b="0"/>
+              </a:fillRef>
+              <a:effectRef idx="0">
+                <a:scrgbClr r="0" g="0" b="0"/>
+              </a:effectRef>
+              <a:fontRef idx="minor">
+                <a:schemeClr val="accent1"/>
+              </a:fontRef>
+            </p:style>
+            <p:txBody>
+              <a:bodyPr rtlCol="0" anchor="ctr"/>
+              <a:lstStyle/>
+              <a:p>
+                <a:pPr algn="ctr"/>
+                <a:endParaRPr lang="ko-KR" altLang="en-US" sz="840" dirty="0"/>
+              </a:p>
+            </p:txBody>
+          </p:sp>
+          <p:sp>
+            <p:nvSpPr>
+              <p:cNvPr id="12" name="사각형: 둥근 모서리 11">
+                <a:extLst>
+                  <a:ext uri="{FF2B5EF4-FFF2-40B4-BE49-F238E27FC236}">
+                    <a16:creationId xmlns:a16="http://schemas.microsoft.com/office/drawing/2014/main" id="{27ACC384-6458-A8C6-3372-B720FDADD09E}"/>
+                  </a:ext>
+                </a:extLst>
+              </p:cNvPr>
+              <p:cNvSpPr/>
+              <p:nvPr/>
+            </p:nvSpPr>
+            <p:spPr>
+              <a:xfrm>
+                <a:off x="5581319" y="2850553"/>
+                <a:ext cx="433189" cy="240030"/>
+              </a:xfrm>
+              <a:prstGeom prst="roundRect">
+                <a:avLst/>
+              </a:prstGeom>
+              <a:noFill/>
+              <a:ln w="9525" cap="flat" cmpd="sng" algn="ctr">
+                <a:solidFill>
+                  <a:schemeClr val="accent1"/>
+                </a:solidFill>
+                <a:prstDash val="solid"/>
+                <a:round/>
+                <a:headEnd type="none" w="med" len="med"/>
+                <a:tailEnd type="none" w="med" len="med"/>
+              </a:ln>
+            </p:spPr>
+            <p:style>
+              <a:lnRef idx="0">
+                <a:scrgbClr r="0" g="0" b="0"/>
+              </a:lnRef>
+              <a:fillRef idx="0">
+                <a:scrgbClr r="0" g="0" b="0"/>
+              </a:fillRef>
+              <a:effectRef idx="0">
+                <a:scrgbClr r="0" g="0" b="0"/>
+              </a:effectRef>
+              <a:fontRef idx="minor">
+                <a:schemeClr val="accent1"/>
+              </a:fontRef>
+            </p:style>
+            <p:txBody>
+              <a:bodyPr rtlCol="0" anchor="ctr"/>
+              <a:lstStyle/>
+              <a:p>
+                <a:pPr algn="ctr"/>
+                <a:r>
+                  <a:rPr lang="ko-KR" altLang="en-US" sz="840" dirty="0"/>
+                  <a:t>레벨</a:t>
+                </a:r>
+              </a:p>
+            </p:txBody>
+          </p:sp>
+          <p:sp>
+            <p:nvSpPr>
+              <p:cNvPr id="13" name="사각형: 둥근 모서리 12">
+                <a:extLst>
+                  <a:ext uri="{FF2B5EF4-FFF2-40B4-BE49-F238E27FC236}">
+                    <a16:creationId xmlns:a16="http://schemas.microsoft.com/office/drawing/2014/main" id="{31C18BEB-1FFE-19CC-DA33-C2537BCAA5F1}"/>
+                  </a:ext>
+                </a:extLst>
+              </p:cNvPr>
+              <p:cNvSpPr/>
+              <p:nvPr/>
+            </p:nvSpPr>
+            <p:spPr>
+              <a:xfrm>
+                <a:off x="6041575" y="2850553"/>
+                <a:ext cx="2500114" cy="240030"/>
+              </a:xfrm>
+              <a:prstGeom prst="roundRect">
+                <a:avLst/>
+              </a:prstGeom>
+              <a:solidFill>
+                <a:schemeClr val="accent6">
+                  <a:lumMod val="40000"/>
+                  <a:lumOff val="60000"/>
+                </a:schemeClr>
+              </a:solidFill>
+              <a:ln w="9525" cap="flat" cmpd="sng" algn="ctr">
+                <a:solidFill>
+                  <a:schemeClr val="accent1"/>
+                </a:solidFill>
+                <a:prstDash val="solid"/>
+                <a:round/>
+                <a:headEnd type="none" w="med" len="med"/>
+                <a:tailEnd type="none" w="med" len="med"/>
+              </a:ln>
+            </p:spPr>
+            <p:style>
+              <a:lnRef idx="0">
+                <a:scrgbClr r="0" g="0" b="0"/>
+              </a:lnRef>
+              <a:fillRef idx="0">
+                <a:scrgbClr r="0" g="0" b="0"/>
+              </a:fillRef>
+              <a:effectRef idx="0">
+                <a:scrgbClr r="0" g="0" b="0"/>
+              </a:effectRef>
+              <a:fontRef idx="minor">
+                <a:schemeClr val="accent1"/>
+              </a:fontRef>
+            </p:style>
+            <p:txBody>
+              <a:bodyPr rtlCol="0" anchor="ctr"/>
+              <a:lstStyle/>
+              <a:p>
+                <a:pPr algn="ctr"/>
+                <a:r>
+                  <a:rPr lang="ko-KR" altLang="en-US" sz="840" dirty="0"/>
+                  <a:t>경험치</a:t>
+                </a:r>
+              </a:p>
+            </p:txBody>
+          </p:sp>
+        </p:grpSp>
+        <p:grpSp>
+          <p:nvGrpSpPr>
+            <p:cNvPr id="23" name="그룹 22">
+              <a:extLst>
+                <a:ext uri="{FF2B5EF4-FFF2-40B4-BE49-F238E27FC236}">
+                  <a16:creationId xmlns:a16="http://schemas.microsoft.com/office/drawing/2014/main" id="{C6D3CB74-9309-3BA4-4FEB-100875706C2D}"/>
+                </a:ext>
+              </a:extLst>
+            </p:cNvPr>
+            <p:cNvGrpSpPr/>
+            <p:nvPr/>
+          </p:nvGrpSpPr>
+          <p:grpSpPr>
+            <a:xfrm>
+              <a:off x="5447967" y="3175515"/>
+              <a:ext cx="3200399" cy="455642"/>
+              <a:chOff x="8547736" y="7751892"/>
+              <a:chExt cx="3455086" cy="455642"/>
+            </a:xfrm>
+          </p:grpSpPr>
+          <p:sp>
+            <p:nvSpPr>
+              <p:cNvPr id="24" name="TextBox 23">
+                <a:extLst>
+                  <a:ext uri="{FF2B5EF4-FFF2-40B4-BE49-F238E27FC236}">
+                    <a16:creationId xmlns:a16="http://schemas.microsoft.com/office/drawing/2014/main" id="{C6A7DC28-0AF2-5682-D6DF-CF1D91F3F5D1}"/>
+                  </a:ext>
+                </a:extLst>
+              </p:cNvPr>
+              <p:cNvSpPr txBox="1"/>
+              <p:nvPr/>
+            </p:nvSpPr>
+            <p:spPr>
+              <a:xfrm>
+                <a:off x="9939248" y="7838202"/>
+                <a:ext cx="737411" cy="369332"/>
+              </a:xfrm>
+              <a:prstGeom prst="rect">
+                <a:avLst/>
+              </a:prstGeom>
+              <a:noFill/>
+            </p:spPr>
+            <p:txBody>
+              <a:bodyPr wrap="square" rtlCol="0">
+                <a:spAutoFit/>
+              </a:bodyPr>
+              <a:lstStyle/>
+              <a:p>
+                <a:r>
+                  <a:rPr lang="en-US" altLang="ko-KR" dirty="0"/>
+                  <a:t>1000</a:t>
+                </a:r>
+                <a:endParaRPr lang="ko-KR" altLang="en-US" dirty="0"/>
+              </a:p>
+            </p:txBody>
+          </p:sp>
+          <p:grpSp>
+            <p:nvGrpSpPr>
+              <p:cNvPr id="25" name="그룹 24">
+                <a:extLst>
+                  <a:ext uri="{FF2B5EF4-FFF2-40B4-BE49-F238E27FC236}">
+                    <a16:creationId xmlns:a16="http://schemas.microsoft.com/office/drawing/2014/main" id="{A406C843-B791-5738-7AB9-43818314D7B8}"/>
+                  </a:ext>
+                </a:extLst>
+              </p:cNvPr>
+              <p:cNvGrpSpPr/>
+              <p:nvPr/>
+            </p:nvGrpSpPr>
+            <p:grpSpPr>
+              <a:xfrm rot="16200000">
+                <a:off x="10122586" y="6177042"/>
+                <a:ext cx="305385" cy="3455086"/>
+                <a:chOff x="3733800" y="1031341"/>
+                <a:chExt cx="290842" cy="5199884"/>
+              </a:xfrm>
+            </p:grpSpPr>
+            <p:cxnSp>
+              <p:nvCxnSpPr>
+                <p:cNvPr id="26" name="직선 연결선 25">
+                  <a:extLst>
+                    <a:ext uri="{FF2B5EF4-FFF2-40B4-BE49-F238E27FC236}">
+                      <a16:creationId xmlns:a16="http://schemas.microsoft.com/office/drawing/2014/main" id="{C2E74D70-4C1E-D7E5-8205-B9C9D5F4A015}"/>
+                    </a:ext>
+                  </a:extLst>
+                </p:cNvPr>
+                <p:cNvCxnSpPr/>
+                <p:nvPr/>
+              </p:nvCxnSpPr>
+              <p:spPr>
+                <a:xfrm>
+                  <a:off x="3733800" y="1031341"/>
+                  <a:ext cx="276885" cy="0"/>
+                </a:xfrm>
+                <a:prstGeom prst="line">
+                  <a:avLst/>
+                </a:prstGeom>
+              </p:spPr>
+              <p:style>
+                <a:lnRef idx="1">
+                  <a:schemeClr val="accent2"/>
+                </a:lnRef>
+                <a:fillRef idx="0">
+                  <a:schemeClr val="accent2"/>
+                </a:fillRef>
+                <a:effectRef idx="0">
+                  <a:schemeClr val="accent2"/>
+                </a:effectRef>
+                <a:fontRef idx="minor">
+                  <a:schemeClr val="tx1"/>
+                </a:fontRef>
+              </p:style>
+            </p:cxnSp>
+            <p:cxnSp>
+              <p:nvCxnSpPr>
+                <p:cNvPr id="28" name="직선 연결선 27">
+                  <a:extLst>
+                    <a:ext uri="{FF2B5EF4-FFF2-40B4-BE49-F238E27FC236}">
+                      <a16:creationId xmlns:a16="http://schemas.microsoft.com/office/drawing/2014/main" id="{7DD329C5-4C41-5288-4552-BB991D9A9178}"/>
+                    </a:ext>
+                  </a:extLst>
+                </p:cNvPr>
+                <p:cNvCxnSpPr/>
+                <p:nvPr/>
+              </p:nvCxnSpPr>
+              <p:spPr>
+                <a:xfrm>
+                  <a:off x="3747757" y="6231225"/>
+                  <a:ext cx="276885" cy="0"/>
+                </a:xfrm>
+                <a:prstGeom prst="line">
+                  <a:avLst/>
+                </a:prstGeom>
+              </p:spPr>
+              <p:style>
+                <a:lnRef idx="1">
+                  <a:schemeClr val="accent2"/>
+                </a:lnRef>
+                <a:fillRef idx="0">
+                  <a:schemeClr val="accent2"/>
+                </a:fillRef>
+                <a:effectRef idx="0">
+                  <a:schemeClr val="accent2"/>
+                </a:effectRef>
+                <a:fontRef idx="minor">
+                  <a:schemeClr val="tx1"/>
+                </a:fontRef>
+              </p:style>
+            </p:cxnSp>
+            <p:cxnSp>
+              <p:nvCxnSpPr>
+                <p:cNvPr id="29" name="직선 연결선 28">
+                  <a:extLst>
+                    <a:ext uri="{FF2B5EF4-FFF2-40B4-BE49-F238E27FC236}">
+                      <a16:creationId xmlns:a16="http://schemas.microsoft.com/office/drawing/2014/main" id="{EF9AB0E0-290C-8645-4C03-791717EFEC5B}"/>
+                    </a:ext>
+                  </a:extLst>
+                </p:cNvPr>
+                <p:cNvCxnSpPr>
+                  <a:cxnSpLocks/>
+                </p:cNvCxnSpPr>
+                <p:nvPr/>
+              </p:nvCxnSpPr>
+              <p:spPr>
+                <a:xfrm>
+                  <a:off x="3886200" y="1031341"/>
+                  <a:ext cx="0" cy="5199884"/>
+                </a:xfrm>
+                <a:prstGeom prst="line">
+                  <a:avLst/>
+                </a:prstGeom>
+              </p:spPr>
+              <p:style>
+                <a:lnRef idx="1">
+                  <a:schemeClr val="accent2"/>
+                </a:lnRef>
+                <a:fillRef idx="0">
+                  <a:schemeClr val="accent2"/>
+                </a:fillRef>
+                <a:effectRef idx="0">
+                  <a:schemeClr val="accent2"/>
+                </a:effectRef>
+                <a:fontRef idx="minor">
+                  <a:schemeClr val="tx1"/>
+                </a:fontRef>
+              </p:style>
+            </p:cxnSp>
+          </p:grpSp>
+        </p:grpSp>
+        <p:sp>
+          <p:nvSpPr>
+            <p:cNvPr id="81" name="TextBox 80">
+              <a:extLst>
+                <a:ext uri="{FF2B5EF4-FFF2-40B4-BE49-F238E27FC236}">
+                  <a16:creationId xmlns:a16="http://schemas.microsoft.com/office/drawing/2014/main" id="{7AFDB46B-AF13-ADD6-DE7F-7ED32B29B51E}"/>
+                </a:ext>
+              </a:extLst>
+            </p:cNvPr>
+            <p:cNvSpPr txBox="1"/>
+            <p:nvPr/>
+          </p:nvSpPr>
+          <p:spPr>
+            <a:xfrm rot="5400000">
+              <a:off x="8615626" y="2993262"/>
+              <a:ext cx="588502" cy="246221"/>
+            </a:xfrm>
+            <a:prstGeom prst="rect">
+              <a:avLst/>
+            </a:prstGeom>
+            <a:noFill/>
+          </p:spPr>
+          <p:txBody>
+            <a:bodyPr wrap="square" rtlCol="0">
+              <a:spAutoFit/>
+            </a:bodyPr>
+            <a:lstStyle/>
+            <a:p>
+              <a:r>
+                <a:rPr lang="en-US" altLang="ko-KR" sz="1000" dirty="0"/>
+                <a:t>80</a:t>
+              </a:r>
+              <a:endParaRPr lang="ko-KR" altLang="en-US" sz="1200" dirty="0"/>
+            </a:p>
+          </p:txBody>
+        </p:sp>
+        <p:grpSp>
+          <p:nvGrpSpPr>
+            <p:cNvPr id="86" name="그룹 85">
+              <a:extLst>
+                <a:ext uri="{FF2B5EF4-FFF2-40B4-BE49-F238E27FC236}">
+                  <a16:creationId xmlns:a16="http://schemas.microsoft.com/office/drawing/2014/main" id="{542688B7-2B3B-EEC3-ABB7-EC1A54DBE77F}"/>
+                </a:ext>
+              </a:extLst>
+            </p:cNvPr>
+            <p:cNvGrpSpPr/>
+            <p:nvPr/>
+          </p:nvGrpSpPr>
+          <p:grpSpPr>
+            <a:xfrm>
+              <a:off x="8629418" y="2775813"/>
+              <a:ext cx="305385" cy="389104"/>
+              <a:chOff x="3733800" y="1031341"/>
+              <a:chExt cx="290842" cy="5199887"/>
+            </a:xfrm>
+          </p:grpSpPr>
+          <p:cxnSp>
+            <p:nvCxnSpPr>
+              <p:cNvPr id="87" name="직선 연결선 86">
+                <a:extLst>
+                  <a:ext uri="{FF2B5EF4-FFF2-40B4-BE49-F238E27FC236}">
+                    <a16:creationId xmlns:a16="http://schemas.microsoft.com/office/drawing/2014/main" id="{1DE4CDD5-AA63-46D2-619F-865354A51549}"/>
+                  </a:ext>
+                </a:extLst>
+              </p:cNvPr>
+              <p:cNvCxnSpPr/>
+              <p:nvPr/>
+            </p:nvCxnSpPr>
+            <p:spPr>
+              <a:xfrm>
+                <a:off x="3733800" y="1031341"/>
+                <a:ext cx="276885" cy="0"/>
+              </a:xfrm>
+              <a:prstGeom prst="line">
+                <a:avLst/>
+              </a:prstGeom>
+            </p:spPr>
+            <p:style>
+              <a:lnRef idx="1">
+                <a:schemeClr val="accent2"/>
+              </a:lnRef>
+              <a:fillRef idx="0">
+                <a:schemeClr val="accent2"/>
+              </a:fillRef>
+              <a:effectRef idx="0">
+                <a:schemeClr val="accent2"/>
+              </a:effectRef>
+              <a:fontRef idx="minor">
+                <a:schemeClr val="tx1"/>
+              </a:fontRef>
+            </p:style>
+          </p:cxnSp>
+          <p:cxnSp>
+            <p:nvCxnSpPr>
+              <p:cNvPr id="88" name="직선 연결선 87">
+                <a:extLst>
+                  <a:ext uri="{FF2B5EF4-FFF2-40B4-BE49-F238E27FC236}">
+                    <a16:creationId xmlns:a16="http://schemas.microsoft.com/office/drawing/2014/main" id="{68E9F664-871E-18C1-7635-0D8552ADF97E}"/>
+                  </a:ext>
+                </a:extLst>
+              </p:cNvPr>
+              <p:cNvCxnSpPr/>
+              <p:nvPr/>
+            </p:nvCxnSpPr>
+            <p:spPr>
+              <a:xfrm>
+                <a:off x="3747757" y="6231225"/>
+                <a:ext cx="276885" cy="0"/>
+              </a:xfrm>
+              <a:prstGeom prst="line">
+                <a:avLst/>
+              </a:prstGeom>
+            </p:spPr>
+            <p:style>
+              <a:lnRef idx="1">
+                <a:schemeClr val="accent2"/>
+              </a:lnRef>
+              <a:fillRef idx="0">
+                <a:schemeClr val="accent2"/>
+              </a:fillRef>
+              <a:effectRef idx="0">
+                <a:schemeClr val="accent2"/>
+              </a:effectRef>
+              <a:fontRef idx="minor">
+                <a:schemeClr val="tx1"/>
+              </a:fontRef>
+            </p:style>
+          </p:cxnSp>
+          <p:cxnSp>
+            <p:nvCxnSpPr>
+              <p:cNvPr id="90" name="직선 연결선 89">
+                <a:extLst>
+                  <a:ext uri="{FF2B5EF4-FFF2-40B4-BE49-F238E27FC236}">
+                    <a16:creationId xmlns:a16="http://schemas.microsoft.com/office/drawing/2014/main" id="{31FAF903-7008-47A7-B021-23DD49D33E54}"/>
+                  </a:ext>
+                </a:extLst>
+              </p:cNvPr>
+              <p:cNvCxnSpPr>
+                <a:cxnSpLocks/>
+              </p:cNvCxnSpPr>
+              <p:nvPr/>
+            </p:nvCxnSpPr>
+            <p:spPr>
+              <a:xfrm>
+                <a:off x="3886200" y="1031341"/>
+                <a:ext cx="0" cy="5199884"/>
+              </a:xfrm>
+              <a:prstGeom prst="line">
+                <a:avLst/>
+              </a:prstGeom>
+            </p:spPr>
+            <p:style>
+              <a:lnRef idx="1">
+                <a:schemeClr val="accent2"/>
+              </a:lnRef>
+              <a:fillRef idx="0">
+                <a:schemeClr val="accent2"/>
+              </a:fillRef>
+              <a:effectRef idx="0">
+                <a:schemeClr val="accent2"/>
+              </a:effectRef>
+              <a:fontRef idx="minor">
+                <a:schemeClr val="tx1"/>
+              </a:fontRef>
+            </p:style>
+          </p:cxnSp>
+        </p:grpSp>
+        <p:grpSp>
+          <p:nvGrpSpPr>
+            <p:cNvPr id="92" name="그룹 91">
+              <a:extLst>
+                <a:ext uri="{FF2B5EF4-FFF2-40B4-BE49-F238E27FC236}">
+                  <a16:creationId xmlns:a16="http://schemas.microsoft.com/office/drawing/2014/main" id="{C753FB14-F015-D70E-759A-4B71F90A2CE5}"/>
+                </a:ext>
+              </a:extLst>
+            </p:cNvPr>
+            <p:cNvGrpSpPr/>
+            <p:nvPr/>
+          </p:nvGrpSpPr>
+          <p:grpSpPr>
+            <a:xfrm>
+              <a:off x="5321948" y="2850523"/>
+              <a:ext cx="305385" cy="229083"/>
+              <a:chOff x="3733800" y="1031341"/>
+              <a:chExt cx="290842" cy="5199887"/>
+            </a:xfrm>
+          </p:grpSpPr>
+          <p:cxnSp>
+            <p:nvCxnSpPr>
+              <p:cNvPr id="93" name="직선 연결선 92">
+                <a:extLst>
+                  <a:ext uri="{FF2B5EF4-FFF2-40B4-BE49-F238E27FC236}">
+                    <a16:creationId xmlns:a16="http://schemas.microsoft.com/office/drawing/2014/main" id="{4D81F116-87DD-2AA4-FC09-1DE813A9B5A9}"/>
+                  </a:ext>
+                </a:extLst>
+              </p:cNvPr>
+              <p:cNvCxnSpPr/>
+              <p:nvPr/>
+            </p:nvCxnSpPr>
+            <p:spPr>
+              <a:xfrm>
+                <a:off x="3733800" y="1031341"/>
+                <a:ext cx="276885" cy="0"/>
+              </a:xfrm>
+              <a:prstGeom prst="line">
+                <a:avLst/>
+              </a:prstGeom>
+            </p:spPr>
+            <p:style>
+              <a:lnRef idx="1">
+                <a:schemeClr val="accent2"/>
+              </a:lnRef>
+              <a:fillRef idx="0">
+                <a:schemeClr val="accent2"/>
+              </a:fillRef>
+              <a:effectRef idx="0">
+                <a:schemeClr val="accent2"/>
+              </a:effectRef>
+              <a:fontRef idx="minor">
+                <a:schemeClr val="tx1"/>
+              </a:fontRef>
+            </p:style>
+          </p:cxnSp>
+          <p:cxnSp>
+            <p:nvCxnSpPr>
+              <p:cNvPr id="94" name="직선 연결선 93">
+                <a:extLst>
+                  <a:ext uri="{FF2B5EF4-FFF2-40B4-BE49-F238E27FC236}">
+                    <a16:creationId xmlns:a16="http://schemas.microsoft.com/office/drawing/2014/main" id="{E25C5116-D21A-FC6D-C2EC-D26521A3FACF}"/>
+                  </a:ext>
+                </a:extLst>
+              </p:cNvPr>
+              <p:cNvCxnSpPr/>
+              <p:nvPr/>
+            </p:nvCxnSpPr>
+            <p:spPr>
+              <a:xfrm>
+                <a:off x="3747757" y="6231225"/>
+                <a:ext cx="276885" cy="0"/>
+              </a:xfrm>
+              <a:prstGeom prst="line">
+                <a:avLst/>
+              </a:prstGeom>
+            </p:spPr>
+            <p:style>
+              <a:lnRef idx="1">
+                <a:schemeClr val="accent2"/>
+              </a:lnRef>
+              <a:fillRef idx="0">
+                <a:schemeClr val="accent2"/>
+              </a:fillRef>
+              <a:effectRef idx="0">
+                <a:schemeClr val="accent2"/>
+              </a:effectRef>
+              <a:fontRef idx="minor">
+                <a:schemeClr val="tx1"/>
+              </a:fontRef>
+            </p:style>
+          </p:cxnSp>
+          <p:cxnSp>
+            <p:nvCxnSpPr>
+              <p:cNvPr id="95" name="직선 연결선 94">
+                <a:extLst>
+                  <a:ext uri="{FF2B5EF4-FFF2-40B4-BE49-F238E27FC236}">
+                    <a16:creationId xmlns:a16="http://schemas.microsoft.com/office/drawing/2014/main" id="{E0BC94DC-C052-5E2B-25C0-06397A98D287}"/>
+                  </a:ext>
+                </a:extLst>
+              </p:cNvPr>
+              <p:cNvCxnSpPr>
+                <a:cxnSpLocks/>
+              </p:cNvCxnSpPr>
+              <p:nvPr/>
+            </p:nvCxnSpPr>
+            <p:spPr>
+              <a:xfrm>
+                <a:off x="3886200" y="1031341"/>
+                <a:ext cx="0" cy="5199884"/>
+              </a:xfrm>
+              <a:prstGeom prst="line">
+                <a:avLst/>
+              </a:prstGeom>
+            </p:spPr>
+            <p:style>
+              <a:lnRef idx="1">
+                <a:schemeClr val="accent2"/>
+              </a:lnRef>
+              <a:fillRef idx="0">
+                <a:schemeClr val="accent2"/>
+              </a:fillRef>
+              <a:effectRef idx="0">
+                <a:schemeClr val="accent2"/>
+              </a:effectRef>
+              <a:fontRef idx="minor">
+                <a:schemeClr val="tx1"/>
+              </a:fontRef>
+            </p:style>
+          </p:cxnSp>
+        </p:grpSp>
+        <p:grpSp>
+          <p:nvGrpSpPr>
+            <p:cNvPr id="97" name="그룹 96">
+              <a:extLst>
+                <a:ext uri="{FF2B5EF4-FFF2-40B4-BE49-F238E27FC236}">
+                  <a16:creationId xmlns:a16="http://schemas.microsoft.com/office/drawing/2014/main" id="{14F446FA-E58E-0401-1087-8D32A407314B}"/>
+                </a:ext>
+              </a:extLst>
+            </p:cNvPr>
+            <p:cNvGrpSpPr/>
+            <p:nvPr/>
+          </p:nvGrpSpPr>
+          <p:grpSpPr>
+            <a:xfrm>
+              <a:off x="5581953" y="2478542"/>
+              <a:ext cx="438382" cy="332531"/>
+              <a:chOff x="8547736" y="7751892"/>
+              <a:chExt cx="3512869" cy="332531"/>
+            </a:xfrm>
+          </p:grpSpPr>
+          <p:sp>
+            <p:nvSpPr>
+              <p:cNvPr id="98" name="TextBox 97">
+                <a:extLst>
+                  <a:ext uri="{FF2B5EF4-FFF2-40B4-BE49-F238E27FC236}">
+                    <a16:creationId xmlns:a16="http://schemas.microsoft.com/office/drawing/2014/main" id="{E709C46B-EBA1-1F63-1327-1B4C76E2884D}"/>
+                  </a:ext>
+                </a:extLst>
+              </p:cNvPr>
+              <p:cNvSpPr txBox="1"/>
+              <p:nvPr/>
+            </p:nvSpPr>
+            <p:spPr>
+              <a:xfrm>
+                <a:off x="9016512" y="7838202"/>
+                <a:ext cx="3044093" cy="246221"/>
+              </a:xfrm>
+              <a:prstGeom prst="rect">
+                <a:avLst/>
+              </a:prstGeom>
+              <a:noFill/>
+            </p:spPr>
+            <p:txBody>
+              <a:bodyPr wrap="square" rtlCol="0">
+                <a:spAutoFit/>
+              </a:bodyPr>
+              <a:lstStyle/>
+              <a:p>
+                <a:r>
+                  <a:rPr lang="en-US" altLang="ko-KR" sz="1000" dirty="0"/>
+                  <a:t>160</a:t>
+                </a:r>
+                <a:endParaRPr lang="ko-KR" altLang="en-US" sz="1200" dirty="0"/>
+              </a:p>
+            </p:txBody>
+          </p:sp>
+          <p:grpSp>
+            <p:nvGrpSpPr>
+              <p:cNvPr id="99" name="그룹 98">
+                <a:extLst>
+                  <a:ext uri="{FF2B5EF4-FFF2-40B4-BE49-F238E27FC236}">
+                    <a16:creationId xmlns:a16="http://schemas.microsoft.com/office/drawing/2014/main" id="{1CD61624-D4ED-6581-8D6E-BCA29E430A42}"/>
+                  </a:ext>
+                </a:extLst>
+              </p:cNvPr>
+              <p:cNvGrpSpPr/>
+              <p:nvPr/>
+            </p:nvGrpSpPr>
+            <p:grpSpPr>
+              <a:xfrm rot="16200000">
+                <a:off x="10122587" y="6177041"/>
+                <a:ext cx="305385" cy="3455088"/>
+                <a:chOff x="3733800" y="1031341"/>
+                <a:chExt cx="290842" cy="5199887"/>
+              </a:xfrm>
+            </p:grpSpPr>
+            <p:cxnSp>
+              <p:nvCxnSpPr>
+                <p:cNvPr id="100" name="직선 연결선 99">
+                  <a:extLst>
+                    <a:ext uri="{FF2B5EF4-FFF2-40B4-BE49-F238E27FC236}">
+                      <a16:creationId xmlns:a16="http://schemas.microsoft.com/office/drawing/2014/main" id="{96EAD229-B942-3C6F-C7DD-EFE0DF67F8F8}"/>
+                    </a:ext>
+                  </a:extLst>
+                </p:cNvPr>
+                <p:cNvCxnSpPr/>
+                <p:nvPr/>
+              </p:nvCxnSpPr>
+              <p:spPr>
+                <a:xfrm>
+                  <a:off x="3733800" y="1031341"/>
+                  <a:ext cx="276885" cy="0"/>
+                </a:xfrm>
+                <a:prstGeom prst="line">
+                  <a:avLst/>
+                </a:prstGeom>
+              </p:spPr>
+              <p:style>
+                <a:lnRef idx="1">
+                  <a:schemeClr val="accent2"/>
+                </a:lnRef>
+                <a:fillRef idx="0">
+                  <a:schemeClr val="accent2"/>
+                </a:fillRef>
+                <a:effectRef idx="0">
+                  <a:schemeClr val="accent2"/>
+                </a:effectRef>
+                <a:fontRef idx="minor">
+                  <a:schemeClr val="tx1"/>
+                </a:fontRef>
+              </p:style>
+            </p:cxnSp>
+            <p:cxnSp>
+              <p:nvCxnSpPr>
+                <p:cNvPr id="101" name="직선 연결선 100">
+                  <a:extLst>
+                    <a:ext uri="{FF2B5EF4-FFF2-40B4-BE49-F238E27FC236}">
+                      <a16:creationId xmlns:a16="http://schemas.microsoft.com/office/drawing/2014/main" id="{09115EDF-E75E-74FD-9A0C-EBB1DBDC9082}"/>
+                    </a:ext>
+                  </a:extLst>
+                </p:cNvPr>
+                <p:cNvCxnSpPr/>
+                <p:nvPr/>
+              </p:nvCxnSpPr>
+              <p:spPr>
+                <a:xfrm>
+                  <a:off x="3747757" y="6231225"/>
+                  <a:ext cx="276885" cy="0"/>
+                </a:xfrm>
+                <a:prstGeom prst="line">
+                  <a:avLst/>
+                </a:prstGeom>
+              </p:spPr>
+              <p:style>
+                <a:lnRef idx="1">
+                  <a:schemeClr val="accent2"/>
+                </a:lnRef>
+                <a:fillRef idx="0">
+                  <a:schemeClr val="accent2"/>
+                </a:fillRef>
+                <a:effectRef idx="0">
+                  <a:schemeClr val="accent2"/>
+                </a:effectRef>
+                <a:fontRef idx="minor">
+                  <a:schemeClr val="tx1"/>
+                </a:fontRef>
+              </p:style>
+            </p:cxnSp>
+            <p:cxnSp>
+              <p:nvCxnSpPr>
+                <p:cNvPr id="102" name="직선 연결선 101">
+                  <a:extLst>
+                    <a:ext uri="{FF2B5EF4-FFF2-40B4-BE49-F238E27FC236}">
+                      <a16:creationId xmlns:a16="http://schemas.microsoft.com/office/drawing/2014/main" id="{1E80E2CF-50CA-B92A-DE3C-A007D457446F}"/>
+                    </a:ext>
+                  </a:extLst>
+                </p:cNvPr>
+                <p:cNvCxnSpPr>
+                  <a:cxnSpLocks/>
+                </p:cNvCxnSpPr>
+                <p:nvPr/>
+              </p:nvCxnSpPr>
+              <p:spPr>
+                <a:xfrm>
+                  <a:off x="3886200" y="1031341"/>
+                  <a:ext cx="0" cy="5199884"/>
+                </a:xfrm>
+                <a:prstGeom prst="line">
+                  <a:avLst/>
+                </a:prstGeom>
+              </p:spPr>
+              <p:style>
+                <a:lnRef idx="1">
+                  <a:schemeClr val="accent2"/>
+                </a:lnRef>
+                <a:fillRef idx="0">
+                  <a:schemeClr val="accent2"/>
+                </a:fillRef>
+                <a:effectRef idx="0">
+                  <a:schemeClr val="accent2"/>
+                </a:effectRef>
+                <a:fontRef idx="minor">
+                  <a:schemeClr val="tx1"/>
+                </a:fontRef>
+              </p:style>
+            </p:cxnSp>
+          </p:grpSp>
+        </p:grpSp>
+        <p:sp>
+          <p:nvSpPr>
+            <p:cNvPr id="103" name="TextBox 102">
+              <a:extLst>
+                <a:ext uri="{FF2B5EF4-FFF2-40B4-BE49-F238E27FC236}">
+                  <a16:creationId xmlns:a16="http://schemas.microsoft.com/office/drawing/2014/main" id="{5E88977C-7B25-B331-D92E-60184F34C72D}"/>
+                </a:ext>
+              </a:extLst>
+            </p:cNvPr>
+            <p:cNvSpPr txBox="1"/>
+            <p:nvPr/>
+          </p:nvSpPr>
+          <p:spPr>
+            <a:xfrm rot="5400000">
+              <a:off x="5090706" y="2976689"/>
+              <a:ext cx="588502" cy="246221"/>
+            </a:xfrm>
+            <a:prstGeom prst="rect">
+              <a:avLst/>
+            </a:prstGeom>
+            <a:noFill/>
+          </p:spPr>
+          <p:txBody>
+            <a:bodyPr wrap="square" rtlCol="0">
+              <a:spAutoFit/>
+            </a:bodyPr>
+            <a:lstStyle/>
+            <a:p>
+              <a:r>
+                <a:rPr lang="en-US" altLang="ko-KR" sz="1000" dirty="0"/>
+                <a:t>80</a:t>
+              </a:r>
+              <a:endParaRPr lang="ko-KR" altLang="en-US" sz="1200" dirty="0"/>
+            </a:p>
+          </p:txBody>
+        </p:sp>
+      </p:grpSp>
+      <p:grpSp>
+        <p:nvGrpSpPr>
+          <p:cNvPr id="114" name="그룹 113">
+            <a:extLst>
+              <a:ext uri="{FF2B5EF4-FFF2-40B4-BE49-F238E27FC236}">
+                <a16:creationId xmlns:a16="http://schemas.microsoft.com/office/drawing/2014/main" id="{E62ADDF9-7254-79C4-DF3E-1BF04E6669DB}"/>
+              </a:ext>
+            </a:extLst>
+          </p:cNvPr>
+          <p:cNvGrpSpPr/>
+          <p:nvPr/>
+        </p:nvGrpSpPr>
+        <p:grpSpPr>
+          <a:xfrm>
+            <a:off x="4659417" y="5415473"/>
+            <a:ext cx="1247851" cy="870703"/>
+            <a:chOff x="5235485" y="4796176"/>
+            <a:chExt cx="1247851" cy="870703"/>
+          </a:xfrm>
+        </p:grpSpPr>
+        <p:sp>
+          <p:nvSpPr>
+            <p:cNvPr id="37" name="사각형: 둥근 모서리 36">
+              <a:extLst>
+                <a:ext uri="{FF2B5EF4-FFF2-40B4-BE49-F238E27FC236}">
+                  <a16:creationId xmlns:a16="http://schemas.microsoft.com/office/drawing/2014/main" id="{76B98190-2235-E99E-A034-21A8562C6C3A}"/>
+                </a:ext>
+              </a:extLst>
+            </p:cNvPr>
+            <p:cNvSpPr/>
+            <p:nvPr/>
+          </p:nvSpPr>
+          <p:spPr>
+            <a:xfrm>
+              <a:off x="5581316" y="4829361"/>
+              <a:ext cx="647729" cy="254445"/>
+            </a:xfrm>
+            <a:prstGeom prst="roundRect">
+              <a:avLst/>
+            </a:prstGeom>
+            <a:noFill/>
+            <a:ln w="9525" cap="flat" cmpd="sng" algn="ctr">
+              <a:solidFill>
+                <a:schemeClr val="accent1"/>
+              </a:solidFill>
+              <a:prstDash val="solid"/>
+              <a:round/>
+              <a:headEnd type="none" w="med" len="med"/>
+              <a:tailEnd type="none" w="med" len="med"/>
+            </a:ln>
+          </p:spPr>
+          <p:style>
+            <a:lnRef idx="0">
+              <a:scrgbClr r="0" g="0" b="0"/>
+            </a:lnRef>
+            <a:fillRef idx="0">
+              <a:scrgbClr r="0" g="0" b="0"/>
+            </a:fillRef>
+            <a:effectRef idx="0">
+              <a:scrgbClr r="0" g="0" b="0"/>
+            </a:effectRef>
+            <a:fontRef idx="minor">
+              <a:schemeClr val="accent1"/>
+            </a:fontRef>
+          </p:style>
+          <p:txBody>
+            <a:bodyPr rtlCol="0" anchor="ctr"/>
+            <a:lstStyle/>
+            <a:p>
+              <a:pPr algn="ctr"/>
+              <a:r>
+                <a:rPr lang="ko-KR" altLang="en-US" sz="1155" dirty="0"/>
+                <a:t>킬</a:t>
+              </a:r>
+            </a:p>
+          </p:txBody>
+        </p:sp>
+        <p:sp>
+          <p:nvSpPr>
+            <p:cNvPr id="38" name="사각형: 둥근 모서리 37">
+              <a:extLst>
+                <a:ext uri="{FF2B5EF4-FFF2-40B4-BE49-F238E27FC236}">
+                  <a16:creationId xmlns:a16="http://schemas.microsoft.com/office/drawing/2014/main" id="{65B918D6-1C51-5207-CD8C-E2921A80F066}"/>
+                </a:ext>
+              </a:extLst>
+            </p:cNvPr>
+            <p:cNvSpPr/>
+            <p:nvPr/>
+          </p:nvSpPr>
+          <p:spPr>
+            <a:xfrm>
+              <a:off x="5581316" y="5123223"/>
+              <a:ext cx="647729" cy="254445"/>
+            </a:xfrm>
+            <a:prstGeom prst="roundRect">
+              <a:avLst/>
+            </a:prstGeom>
+            <a:noFill/>
+            <a:ln w="9525" cap="flat" cmpd="sng" algn="ctr">
+              <a:solidFill>
+                <a:schemeClr val="accent1"/>
+              </a:solidFill>
+              <a:prstDash val="solid"/>
+              <a:round/>
+              <a:headEnd type="none" w="med" len="med"/>
+              <a:tailEnd type="none" w="med" len="med"/>
+            </a:ln>
+          </p:spPr>
+          <p:style>
+            <a:lnRef idx="0">
+              <a:scrgbClr r="0" g="0" b="0"/>
+            </a:lnRef>
+            <a:fillRef idx="0">
+              <a:scrgbClr r="0" g="0" b="0"/>
+            </a:fillRef>
+            <a:effectRef idx="0">
+              <a:scrgbClr r="0" g="0" b="0"/>
+            </a:effectRef>
+            <a:fontRef idx="minor">
+              <a:schemeClr val="accent1"/>
+            </a:fontRef>
+          </p:style>
+          <p:txBody>
+            <a:bodyPr rtlCol="0" anchor="ctr"/>
+            <a:lstStyle/>
+            <a:p>
+              <a:pPr algn="ctr"/>
+              <a:r>
+                <a:rPr lang="ko-KR" altLang="en-US" sz="1104" dirty="0"/>
+                <a:t>골드</a:t>
+              </a:r>
+            </a:p>
+          </p:txBody>
+        </p:sp>
+        <p:grpSp>
+          <p:nvGrpSpPr>
+            <p:cNvPr id="39" name="그룹 38">
+              <a:extLst>
+                <a:ext uri="{FF2B5EF4-FFF2-40B4-BE49-F238E27FC236}">
+                  <a16:creationId xmlns:a16="http://schemas.microsoft.com/office/drawing/2014/main" id="{B1407F59-CFC2-5A34-24F4-279D6BA4EEBC}"/>
+                </a:ext>
+              </a:extLst>
+            </p:cNvPr>
+            <p:cNvGrpSpPr/>
+            <p:nvPr/>
+          </p:nvGrpSpPr>
+          <p:grpSpPr>
+            <a:xfrm>
+              <a:off x="5581316" y="5303570"/>
+              <a:ext cx="647729" cy="363309"/>
+              <a:chOff x="8547736" y="7751892"/>
+              <a:chExt cx="3512869" cy="363309"/>
+            </a:xfrm>
+          </p:grpSpPr>
+          <p:sp>
+            <p:nvSpPr>
+              <p:cNvPr id="40" name="TextBox 39">
+                <a:extLst>
+                  <a:ext uri="{FF2B5EF4-FFF2-40B4-BE49-F238E27FC236}">
+                    <a16:creationId xmlns:a16="http://schemas.microsoft.com/office/drawing/2014/main" id="{0B659F47-AA3E-9031-E754-8537E33ACCD9}"/>
+                  </a:ext>
+                </a:extLst>
+              </p:cNvPr>
+              <p:cNvSpPr txBox="1"/>
+              <p:nvPr/>
+            </p:nvSpPr>
+            <p:spPr>
+              <a:xfrm>
+                <a:off x="9016510" y="7838202"/>
+                <a:ext cx="3044095" cy="276999"/>
+              </a:xfrm>
+              <a:prstGeom prst="rect">
+                <a:avLst/>
+              </a:prstGeom>
+              <a:noFill/>
+            </p:spPr>
+            <p:txBody>
+              <a:bodyPr wrap="square" rtlCol="0">
+                <a:spAutoFit/>
+              </a:bodyPr>
+              <a:lstStyle/>
+              <a:p>
+                <a:r>
+                  <a:rPr lang="en-US" altLang="ko-KR" sz="1200" dirty="0"/>
+                  <a:t>240</a:t>
+                </a:r>
+                <a:endParaRPr lang="ko-KR" altLang="en-US" sz="1200" dirty="0"/>
+              </a:p>
+            </p:txBody>
+          </p:sp>
+          <p:grpSp>
+            <p:nvGrpSpPr>
+              <p:cNvPr id="41" name="그룹 40">
+                <a:extLst>
+                  <a:ext uri="{FF2B5EF4-FFF2-40B4-BE49-F238E27FC236}">
+                    <a16:creationId xmlns:a16="http://schemas.microsoft.com/office/drawing/2014/main" id="{2E11F7DC-8B69-C39C-86A9-0F1B1B57DDE5}"/>
+                  </a:ext>
+                </a:extLst>
+              </p:cNvPr>
+              <p:cNvGrpSpPr/>
+              <p:nvPr/>
+            </p:nvGrpSpPr>
+            <p:grpSpPr>
+              <a:xfrm rot="16200000">
+                <a:off x="10122587" y="6177041"/>
+                <a:ext cx="305385" cy="3455088"/>
+                <a:chOff x="3733800" y="1031341"/>
+                <a:chExt cx="290842" cy="5199887"/>
+              </a:xfrm>
+            </p:grpSpPr>
+            <p:cxnSp>
+              <p:nvCxnSpPr>
+                <p:cNvPr id="42" name="직선 연결선 41">
+                  <a:extLst>
+                    <a:ext uri="{FF2B5EF4-FFF2-40B4-BE49-F238E27FC236}">
+                      <a16:creationId xmlns:a16="http://schemas.microsoft.com/office/drawing/2014/main" id="{357AADEC-E0FC-52A5-2805-AF2BB838D7BD}"/>
+                    </a:ext>
+                  </a:extLst>
+                </p:cNvPr>
+                <p:cNvCxnSpPr/>
+                <p:nvPr/>
+              </p:nvCxnSpPr>
+              <p:spPr>
+                <a:xfrm>
+                  <a:off x="3733800" y="1031341"/>
+                  <a:ext cx="276885" cy="0"/>
+                </a:xfrm>
+                <a:prstGeom prst="line">
+                  <a:avLst/>
+                </a:prstGeom>
+              </p:spPr>
+              <p:style>
+                <a:lnRef idx="1">
+                  <a:schemeClr val="accent2"/>
+                </a:lnRef>
+                <a:fillRef idx="0">
+                  <a:schemeClr val="accent2"/>
+                </a:fillRef>
+                <a:effectRef idx="0">
+                  <a:schemeClr val="accent2"/>
+                </a:effectRef>
+                <a:fontRef idx="minor">
+                  <a:schemeClr val="tx1"/>
+                </a:fontRef>
+              </p:style>
+            </p:cxnSp>
+            <p:cxnSp>
+              <p:nvCxnSpPr>
+                <p:cNvPr id="43" name="직선 연결선 42">
+                  <a:extLst>
+                    <a:ext uri="{FF2B5EF4-FFF2-40B4-BE49-F238E27FC236}">
+                      <a16:creationId xmlns:a16="http://schemas.microsoft.com/office/drawing/2014/main" id="{52BBAC3A-482A-2039-2834-126D788B36FD}"/>
+                    </a:ext>
+                  </a:extLst>
+                </p:cNvPr>
+                <p:cNvCxnSpPr/>
+                <p:nvPr/>
+              </p:nvCxnSpPr>
+              <p:spPr>
+                <a:xfrm>
+                  <a:off x="3747757" y="6231225"/>
+                  <a:ext cx="276885" cy="0"/>
+                </a:xfrm>
+                <a:prstGeom prst="line">
+                  <a:avLst/>
+                </a:prstGeom>
+              </p:spPr>
+              <p:style>
+                <a:lnRef idx="1">
+                  <a:schemeClr val="accent2"/>
+                </a:lnRef>
+                <a:fillRef idx="0">
+                  <a:schemeClr val="accent2"/>
+                </a:fillRef>
+                <a:effectRef idx="0">
+                  <a:schemeClr val="accent2"/>
+                </a:effectRef>
+                <a:fontRef idx="minor">
+                  <a:schemeClr val="tx1"/>
+                </a:fontRef>
+              </p:style>
+            </p:cxnSp>
+            <p:cxnSp>
+              <p:nvCxnSpPr>
+                <p:cNvPr id="44" name="직선 연결선 43">
+                  <a:extLst>
+                    <a:ext uri="{FF2B5EF4-FFF2-40B4-BE49-F238E27FC236}">
+                      <a16:creationId xmlns:a16="http://schemas.microsoft.com/office/drawing/2014/main" id="{7669ED58-2D6D-7173-C6A8-9413A982729A}"/>
+                    </a:ext>
+                  </a:extLst>
+                </p:cNvPr>
+                <p:cNvCxnSpPr>
+                  <a:cxnSpLocks/>
+                </p:cNvCxnSpPr>
+                <p:nvPr/>
+              </p:nvCxnSpPr>
+              <p:spPr>
+                <a:xfrm>
+                  <a:off x="3886200" y="1031341"/>
+                  <a:ext cx="0" cy="5199884"/>
+                </a:xfrm>
+                <a:prstGeom prst="line">
+                  <a:avLst/>
+                </a:prstGeom>
+              </p:spPr>
+              <p:style>
+                <a:lnRef idx="1">
+                  <a:schemeClr val="accent2"/>
+                </a:lnRef>
+                <a:fillRef idx="0">
+                  <a:schemeClr val="accent2"/>
+                </a:fillRef>
+                <a:effectRef idx="0">
+                  <a:schemeClr val="accent2"/>
+                </a:effectRef>
+                <a:fontRef idx="minor">
+                  <a:schemeClr val="tx1"/>
+                </a:fontRef>
+              </p:style>
+            </p:cxnSp>
+          </p:grpSp>
+        </p:grpSp>
+        <p:grpSp>
+          <p:nvGrpSpPr>
+            <p:cNvPr id="63" name="그룹 62">
+              <a:extLst>
+                <a:ext uri="{FF2B5EF4-FFF2-40B4-BE49-F238E27FC236}">
+                  <a16:creationId xmlns:a16="http://schemas.microsoft.com/office/drawing/2014/main" id="{3AC12706-23F1-FD58-5934-DC948A257FF7}"/>
+                </a:ext>
+              </a:extLst>
+            </p:cNvPr>
+            <p:cNvGrpSpPr/>
+            <p:nvPr/>
+          </p:nvGrpSpPr>
+          <p:grpSpPr>
+            <a:xfrm rot="16200000">
+              <a:off x="6007963" y="4911553"/>
+              <a:ext cx="587437" cy="363309"/>
+              <a:chOff x="8547736" y="7751892"/>
+              <a:chExt cx="3512869" cy="363309"/>
+            </a:xfrm>
+          </p:grpSpPr>
+          <p:sp>
+            <p:nvSpPr>
+              <p:cNvPr id="64" name="TextBox 63">
+                <a:extLst>
+                  <a:ext uri="{FF2B5EF4-FFF2-40B4-BE49-F238E27FC236}">
+                    <a16:creationId xmlns:a16="http://schemas.microsoft.com/office/drawing/2014/main" id="{2EAB8CE1-0339-D020-59A6-D62FB847E94B}"/>
+                  </a:ext>
+                </a:extLst>
+              </p:cNvPr>
+              <p:cNvSpPr txBox="1"/>
+              <p:nvPr/>
+            </p:nvSpPr>
+            <p:spPr>
+              <a:xfrm>
+                <a:off x="9016510" y="7838202"/>
+                <a:ext cx="3044095" cy="276999"/>
+              </a:xfrm>
+              <a:prstGeom prst="rect">
+                <a:avLst/>
+              </a:prstGeom>
+              <a:noFill/>
+            </p:spPr>
+            <p:txBody>
+              <a:bodyPr wrap="square" rtlCol="0">
+                <a:spAutoFit/>
+              </a:bodyPr>
+              <a:lstStyle/>
+              <a:p>
+                <a:r>
+                  <a:rPr lang="en-US" altLang="ko-KR" sz="1200" dirty="0"/>
+                  <a:t>140</a:t>
+                </a:r>
+                <a:endParaRPr lang="ko-KR" altLang="en-US" sz="1200" dirty="0"/>
+              </a:p>
+            </p:txBody>
+          </p:sp>
+          <p:grpSp>
+            <p:nvGrpSpPr>
+              <p:cNvPr id="65" name="그룹 64">
+                <a:extLst>
+                  <a:ext uri="{FF2B5EF4-FFF2-40B4-BE49-F238E27FC236}">
+                    <a16:creationId xmlns:a16="http://schemas.microsoft.com/office/drawing/2014/main" id="{D1C65174-97A2-B2FE-16FE-8E1AF7CB445A}"/>
+                  </a:ext>
+                </a:extLst>
+              </p:cNvPr>
+              <p:cNvGrpSpPr/>
+              <p:nvPr/>
+            </p:nvGrpSpPr>
+            <p:grpSpPr>
+              <a:xfrm rot="16200000">
+                <a:off x="10122587" y="6177041"/>
+                <a:ext cx="305385" cy="3455088"/>
+                <a:chOff x="3733800" y="1031341"/>
+                <a:chExt cx="290842" cy="5199887"/>
+              </a:xfrm>
+            </p:grpSpPr>
+            <p:cxnSp>
+              <p:nvCxnSpPr>
+                <p:cNvPr id="66" name="직선 연결선 65">
+                  <a:extLst>
+                    <a:ext uri="{FF2B5EF4-FFF2-40B4-BE49-F238E27FC236}">
+                      <a16:creationId xmlns:a16="http://schemas.microsoft.com/office/drawing/2014/main" id="{AEE19E97-A304-44BE-13B7-377BDEE954B3}"/>
+                    </a:ext>
+                  </a:extLst>
+                </p:cNvPr>
+                <p:cNvCxnSpPr/>
+                <p:nvPr/>
+              </p:nvCxnSpPr>
+              <p:spPr>
+                <a:xfrm>
+                  <a:off x="3733800" y="1031341"/>
+                  <a:ext cx="276885" cy="0"/>
+                </a:xfrm>
+                <a:prstGeom prst="line">
+                  <a:avLst/>
+                </a:prstGeom>
+              </p:spPr>
+              <p:style>
+                <a:lnRef idx="1">
+                  <a:schemeClr val="accent2"/>
+                </a:lnRef>
+                <a:fillRef idx="0">
+                  <a:schemeClr val="accent2"/>
+                </a:fillRef>
+                <a:effectRef idx="0">
+                  <a:schemeClr val="accent2"/>
+                </a:effectRef>
+                <a:fontRef idx="minor">
+                  <a:schemeClr val="tx1"/>
+                </a:fontRef>
+              </p:style>
+            </p:cxnSp>
+            <p:cxnSp>
+              <p:nvCxnSpPr>
+                <p:cNvPr id="67" name="직선 연결선 66">
+                  <a:extLst>
+                    <a:ext uri="{FF2B5EF4-FFF2-40B4-BE49-F238E27FC236}">
+                      <a16:creationId xmlns:a16="http://schemas.microsoft.com/office/drawing/2014/main" id="{CD5C96E1-3538-64E2-F45D-79A20B675246}"/>
+                    </a:ext>
+                  </a:extLst>
+                </p:cNvPr>
+                <p:cNvCxnSpPr/>
+                <p:nvPr/>
+              </p:nvCxnSpPr>
+              <p:spPr>
+                <a:xfrm>
+                  <a:off x="3747757" y="6231225"/>
+                  <a:ext cx="276885" cy="0"/>
+                </a:xfrm>
+                <a:prstGeom prst="line">
+                  <a:avLst/>
+                </a:prstGeom>
+              </p:spPr>
+              <p:style>
+                <a:lnRef idx="1">
+                  <a:schemeClr val="accent2"/>
+                </a:lnRef>
+                <a:fillRef idx="0">
+                  <a:schemeClr val="accent2"/>
+                </a:fillRef>
+                <a:effectRef idx="0">
+                  <a:schemeClr val="accent2"/>
+                </a:effectRef>
+                <a:fontRef idx="minor">
+                  <a:schemeClr val="tx1"/>
+                </a:fontRef>
+              </p:style>
+            </p:cxnSp>
+            <p:cxnSp>
+              <p:nvCxnSpPr>
+                <p:cNvPr id="68" name="직선 연결선 67">
+                  <a:extLst>
+                    <a:ext uri="{FF2B5EF4-FFF2-40B4-BE49-F238E27FC236}">
+                      <a16:creationId xmlns:a16="http://schemas.microsoft.com/office/drawing/2014/main" id="{75D770E3-E19A-7A6B-7BB7-413D181BBEC8}"/>
+                    </a:ext>
+                  </a:extLst>
+                </p:cNvPr>
+                <p:cNvCxnSpPr>
+                  <a:cxnSpLocks/>
+                </p:cNvCxnSpPr>
+                <p:nvPr/>
+              </p:nvCxnSpPr>
+              <p:spPr>
+                <a:xfrm>
+                  <a:off x="3886200" y="1031341"/>
+                  <a:ext cx="0" cy="5199884"/>
+                </a:xfrm>
+                <a:prstGeom prst="line">
+                  <a:avLst/>
+                </a:prstGeom>
+              </p:spPr>
+              <p:style>
+                <a:lnRef idx="1">
+                  <a:schemeClr val="accent2"/>
+                </a:lnRef>
+                <a:fillRef idx="0">
+                  <a:schemeClr val="accent2"/>
+                </a:fillRef>
+                <a:effectRef idx="0">
+                  <a:schemeClr val="accent2"/>
+                </a:effectRef>
+                <a:fontRef idx="minor">
+                  <a:schemeClr val="tx1"/>
+                </a:fontRef>
+              </p:style>
+            </p:cxnSp>
+          </p:grpSp>
+        </p:grpSp>
+        <p:sp>
+          <p:nvSpPr>
+            <p:cNvPr id="91" name="TextBox 90">
+              <a:extLst>
+                <a:ext uri="{FF2B5EF4-FFF2-40B4-BE49-F238E27FC236}">
+                  <a16:creationId xmlns:a16="http://schemas.microsoft.com/office/drawing/2014/main" id="{2B410EF3-56E3-93A7-0351-D454F239986D}"/>
+                </a:ext>
+              </a:extLst>
+            </p:cNvPr>
+            <p:cNvSpPr txBox="1"/>
+            <p:nvPr/>
+          </p:nvSpPr>
+          <p:spPr>
+            <a:xfrm rot="5400000">
+              <a:off x="5064345" y="4967316"/>
+              <a:ext cx="588502" cy="246221"/>
+            </a:xfrm>
+            <a:prstGeom prst="rect">
+              <a:avLst/>
+            </a:prstGeom>
+            <a:noFill/>
+          </p:spPr>
+          <p:txBody>
+            <a:bodyPr wrap="square" rtlCol="0">
+              <a:spAutoFit/>
+            </a:bodyPr>
+            <a:lstStyle/>
+            <a:p>
+              <a:r>
+                <a:rPr lang="en-US" altLang="ko-KR" sz="1000" dirty="0"/>
+                <a:t>65</a:t>
+              </a:r>
+              <a:endParaRPr lang="ko-KR" altLang="en-US" sz="1200" dirty="0"/>
+            </a:p>
+          </p:txBody>
+        </p:sp>
+        <p:grpSp>
+          <p:nvGrpSpPr>
+            <p:cNvPr id="104" name="그룹 103">
+              <a:extLst>
+                <a:ext uri="{FF2B5EF4-FFF2-40B4-BE49-F238E27FC236}">
+                  <a16:creationId xmlns:a16="http://schemas.microsoft.com/office/drawing/2014/main" id="{ACE1E2FF-5A4C-0078-1540-BFB0CC4207F3}"/>
+                </a:ext>
+              </a:extLst>
+            </p:cNvPr>
+            <p:cNvGrpSpPr/>
+            <p:nvPr/>
+          </p:nvGrpSpPr>
+          <p:grpSpPr>
+            <a:xfrm>
+              <a:off x="5295274" y="4820753"/>
+              <a:ext cx="305385" cy="254445"/>
+              <a:chOff x="3733800" y="1031341"/>
+              <a:chExt cx="290842" cy="5199887"/>
+            </a:xfrm>
+          </p:grpSpPr>
+          <p:cxnSp>
+            <p:nvCxnSpPr>
+              <p:cNvPr id="105" name="직선 연결선 104">
+                <a:extLst>
+                  <a:ext uri="{FF2B5EF4-FFF2-40B4-BE49-F238E27FC236}">
+                    <a16:creationId xmlns:a16="http://schemas.microsoft.com/office/drawing/2014/main" id="{E1E83452-503D-C818-FAE3-402CEFC436D3}"/>
+                  </a:ext>
+                </a:extLst>
+              </p:cNvPr>
+              <p:cNvCxnSpPr/>
+              <p:nvPr/>
+            </p:nvCxnSpPr>
+            <p:spPr>
+              <a:xfrm>
+                <a:off x="3733800" y="1031341"/>
+                <a:ext cx="276885" cy="0"/>
+              </a:xfrm>
+              <a:prstGeom prst="line">
+                <a:avLst/>
+              </a:prstGeom>
+            </p:spPr>
+            <p:style>
+              <a:lnRef idx="1">
+                <a:schemeClr val="accent2"/>
+              </a:lnRef>
+              <a:fillRef idx="0">
+                <a:schemeClr val="accent2"/>
+              </a:fillRef>
+              <a:effectRef idx="0">
+                <a:schemeClr val="accent2"/>
+              </a:effectRef>
+              <a:fontRef idx="minor">
+                <a:schemeClr val="tx1"/>
+              </a:fontRef>
+            </p:style>
+          </p:cxnSp>
+          <p:cxnSp>
+            <p:nvCxnSpPr>
+              <p:cNvPr id="106" name="직선 연결선 105">
+                <a:extLst>
+                  <a:ext uri="{FF2B5EF4-FFF2-40B4-BE49-F238E27FC236}">
+                    <a16:creationId xmlns:a16="http://schemas.microsoft.com/office/drawing/2014/main" id="{0B3851FB-BFBA-96C0-2FE5-CEF3D7FF9A96}"/>
+                  </a:ext>
+                </a:extLst>
+              </p:cNvPr>
+              <p:cNvCxnSpPr/>
+              <p:nvPr/>
+            </p:nvCxnSpPr>
+            <p:spPr>
+              <a:xfrm>
+                <a:off x="3747757" y="6231225"/>
+                <a:ext cx="276885" cy="0"/>
+              </a:xfrm>
+              <a:prstGeom prst="line">
+                <a:avLst/>
+              </a:prstGeom>
+            </p:spPr>
+            <p:style>
+              <a:lnRef idx="1">
+                <a:schemeClr val="accent2"/>
+              </a:lnRef>
+              <a:fillRef idx="0">
+                <a:schemeClr val="accent2"/>
+              </a:fillRef>
+              <a:effectRef idx="0">
+                <a:schemeClr val="accent2"/>
+              </a:effectRef>
+              <a:fontRef idx="minor">
+                <a:schemeClr val="tx1"/>
+              </a:fontRef>
+            </p:style>
+          </p:cxnSp>
+          <p:cxnSp>
+            <p:nvCxnSpPr>
+              <p:cNvPr id="107" name="직선 연결선 106">
+                <a:extLst>
+                  <a:ext uri="{FF2B5EF4-FFF2-40B4-BE49-F238E27FC236}">
+                    <a16:creationId xmlns:a16="http://schemas.microsoft.com/office/drawing/2014/main" id="{C7319F7F-1237-79DF-4F66-53A9055E7408}"/>
+                  </a:ext>
+                </a:extLst>
+              </p:cNvPr>
+              <p:cNvCxnSpPr>
+                <a:cxnSpLocks/>
+              </p:cNvCxnSpPr>
+              <p:nvPr/>
+            </p:nvCxnSpPr>
+            <p:spPr>
+              <a:xfrm>
+                <a:off x="3886200" y="1031341"/>
+                <a:ext cx="0" cy="5199884"/>
+              </a:xfrm>
+              <a:prstGeom prst="line">
+                <a:avLst/>
+              </a:prstGeom>
+            </p:spPr>
+            <p:style>
+              <a:lnRef idx="1">
+                <a:schemeClr val="accent2"/>
+              </a:lnRef>
+              <a:fillRef idx="0">
+                <a:schemeClr val="accent2"/>
+              </a:fillRef>
+              <a:effectRef idx="0">
+                <a:schemeClr val="accent2"/>
+              </a:effectRef>
+              <a:fontRef idx="minor">
+                <a:schemeClr val="tx1"/>
+              </a:fontRef>
+            </p:style>
+          </p:cxnSp>
+        </p:grpSp>
+      </p:grpSp>
+      <p:grpSp>
+        <p:nvGrpSpPr>
+          <p:cNvPr id="115" name="그룹 114">
+            <a:extLst>
+              <a:ext uri="{FF2B5EF4-FFF2-40B4-BE49-F238E27FC236}">
+                <a16:creationId xmlns:a16="http://schemas.microsoft.com/office/drawing/2014/main" id="{0D98FBD6-9BD0-B67B-A9FC-510FF5E7D220}"/>
+              </a:ext>
+            </a:extLst>
+          </p:cNvPr>
+          <p:cNvGrpSpPr/>
+          <p:nvPr/>
+        </p:nvGrpSpPr>
+        <p:grpSpPr>
+          <a:xfrm>
+            <a:off x="4723787" y="4552709"/>
+            <a:ext cx="1139311" cy="618346"/>
+            <a:chOff x="5299855" y="3933412"/>
+            <a:chExt cx="1139311" cy="618346"/>
+          </a:xfrm>
+        </p:grpSpPr>
+        <p:sp>
+          <p:nvSpPr>
+            <p:cNvPr id="36" name="사각형: 둥근 모서리 35">
+              <a:extLst>
+                <a:ext uri="{FF2B5EF4-FFF2-40B4-BE49-F238E27FC236}">
+                  <a16:creationId xmlns:a16="http://schemas.microsoft.com/office/drawing/2014/main" id="{5AEF7481-C8FE-7A61-7548-0FDE89645BC4}"/>
+                </a:ext>
+              </a:extLst>
+            </p:cNvPr>
+            <p:cNvSpPr/>
+            <p:nvPr/>
+          </p:nvSpPr>
+          <p:spPr>
+            <a:xfrm>
+              <a:off x="5581320" y="3964728"/>
+              <a:ext cx="831672" cy="254445"/>
+            </a:xfrm>
+            <a:prstGeom prst="roundRect">
+              <a:avLst/>
+            </a:prstGeom>
+            <a:noFill/>
+            <a:ln w="9525" cap="flat" cmpd="sng" algn="ctr">
+              <a:solidFill>
+                <a:schemeClr val="accent1"/>
+              </a:solidFill>
+              <a:prstDash val="solid"/>
+              <a:round/>
+              <a:headEnd type="none" w="med" len="med"/>
+              <a:tailEnd type="none" w="med" len="med"/>
+            </a:ln>
+          </p:spPr>
+          <p:style>
+            <a:lnRef idx="0">
+              <a:scrgbClr r="0" g="0" b="0"/>
+            </a:lnRef>
+            <a:fillRef idx="0">
+              <a:scrgbClr r="0" g="0" b="0"/>
+            </a:fillRef>
+            <a:effectRef idx="0">
+              <a:scrgbClr r="0" g="0" b="0"/>
+            </a:effectRef>
+            <a:fontRef idx="minor">
+              <a:schemeClr val="accent1"/>
+            </a:fontRef>
+          </p:style>
+          <p:txBody>
+            <a:bodyPr rtlCol="0" anchor="ctr"/>
+            <a:lstStyle/>
+            <a:p>
+              <a:pPr algn="ctr"/>
+              <a:r>
+                <a:rPr lang="en-US" altLang="ko-KR" sz="1155" dirty="0"/>
+                <a:t>00:01</a:t>
+              </a:r>
+              <a:endParaRPr lang="ko-KR" altLang="en-US" sz="1155" dirty="0"/>
+            </a:p>
+          </p:txBody>
+        </p:sp>
+        <p:grpSp>
+          <p:nvGrpSpPr>
+            <p:cNvPr id="45" name="그룹 44">
+              <a:extLst>
+                <a:ext uri="{FF2B5EF4-FFF2-40B4-BE49-F238E27FC236}">
+                  <a16:creationId xmlns:a16="http://schemas.microsoft.com/office/drawing/2014/main" id="{737444C0-03DE-EA2C-7B56-8F3E678405D4}"/>
+                </a:ext>
+              </a:extLst>
+            </p:cNvPr>
+            <p:cNvGrpSpPr/>
+            <p:nvPr/>
+          </p:nvGrpSpPr>
+          <p:grpSpPr>
+            <a:xfrm>
+              <a:off x="5581317" y="4188449"/>
+              <a:ext cx="857849" cy="363309"/>
+              <a:chOff x="8547736" y="7751892"/>
+              <a:chExt cx="3512869" cy="363309"/>
+            </a:xfrm>
+          </p:grpSpPr>
+          <p:sp>
+            <p:nvSpPr>
+              <p:cNvPr id="46" name="TextBox 45">
+                <a:extLst>
+                  <a:ext uri="{FF2B5EF4-FFF2-40B4-BE49-F238E27FC236}">
+                    <a16:creationId xmlns:a16="http://schemas.microsoft.com/office/drawing/2014/main" id="{AC9F0BD0-6EA4-8CC8-6060-BE122B50F96D}"/>
+                  </a:ext>
+                </a:extLst>
+              </p:cNvPr>
+              <p:cNvSpPr txBox="1"/>
+              <p:nvPr/>
+            </p:nvSpPr>
+            <p:spPr>
+              <a:xfrm>
+                <a:off x="9016512" y="7838202"/>
+                <a:ext cx="3044093" cy="276999"/>
+              </a:xfrm>
+              <a:prstGeom prst="rect">
+                <a:avLst/>
+              </a:prstGeom>
+              <a:noFill/>
+            </p:spPr>
+            <p:txBody>
+              <a:bodyPr wrap="square" rtlCol="0">
+                <a:spAutoFit/>
+              </a:bodyPr>
+              <a:lstStyle/>
+              <a:p>
+                <a:r>
+                  <a:rPr lang="en-US" altLang="ko-KR" sz="1200" dirty="0"/>
+                  <a:t>220</a:t>
+                </a:r>
+                <a:endParaRPr lang="ko-KR" altLang="en-US" sz="1200" dirty="0"/>
+              </a:p>
+            </p:txBody>
+          </p:sp>
+          <p:grpSp>
+            <p:nvGrpSpPr>
+              <p:cNvPr id="47" name="그룹 46">
+                <a:extLst>
+                  <a:ext uri="{FF2B5EF4-FFF2-40B4-BE49-F238E27FC236}">
+                    <a16:creationId xmlns:a16="http://schemas.microsoft.com/office/drawing/2014/main" id="{E6001138-72B0-FC01-2D5F-7D7D7FF098B1}"/>
+                  </a:ext>
+                </a:extLst>
+              </p:cNvPr>
+              <p:cNvGrpSpPr/>
+              <p:nvPr/>
+            </p:nvGrpSpPr>
+            <p:grpSpPr>
+              <a:xfrm rot="16200000">
+                <a:off x="10122587" y="6177041"/>
+                <a:ext cx="305385" cy="3455088"/>
+                <a:chOff x="3733800" y="1031341"/>
+                <a:chExt cx="290842" cy="5199887"/>
+              </a:xfrm>
+            </p:grpSpPr>
+            <p:cxnSp>
+              <p:nvCxnSpPr>
+                <p:cNvPr id="48" name="직선 연결선 47">
+                  <a:extLst>
+                    <a:ext uri="{FF2B5EF4-FFF2-40B4-BE49-F238E27FC236}">
+                      <a16:creationId xmlns:a16="http://schemas.microsoft.com/office/drawing/2014/main" id="{B9D30FF3-664F-A399-D0E6-8FF964433746}"/>
+                    </a:ext>
+                  </a:extLst>
+                </p:cNvPr>
+                <p:cNvCxnSpPr/>
+                <p:nvPr/>
+              </p:nvCxnSpPr>
+              <p:spPr>
+                <a:xfrm>
+                  <a:off x="3733800" y="1031341"/>
+                  <a:ext cx="276885" cy="0"/>
+                </a:xfrm>
+                <a:prstGeom prst="line">
+                  <a:avLst/>
+                </a:prstGeom>
+              </p:spPr>
+              <p:style>
+                <a:lnRef idx="1">
+                  <a:schemeClr val="accent2"/>
+                </a:lnRef>
+                <a:fillRef idx="0">
+                  <a:schemeClr val="accent2"/>
+                </a:fillRef>
+                <a:effectRef idx="0">
+                  <a:schemeClr val="accent2"/>
+                </a:effectRef>
+                <a:fontRef idx="minor">
+                  <a:schemeClr val="tx1"/>
+                </a:fontRef>
+              </p:style>
+            </p:cxnSp>
+            <p:cxnSp>
+              <p:nvCxnSpPr>
+                <p:cNvPr id="49" name="직선 연결선 48">
+                  <a:extLst>
+                    <a:ext uri="{FF2B5EF4-FFF2-40B4-BE49-F238E27FC236}">
+                      <a16:creationId xmlns:a16="http://schemas.microsoft.com/office/drawing/2014/main" id="{5BEDF5AF-EBF4-2384-48A2-08ECB215019A}"/>
+                    </a:ext>
+                  </a:extLst>
+                </p:cNvPr>
+                <p:cNvCxnSpPr/>
+                <p:nvPr/>
+              </p:nvCxnSpPr>
+              <p:spPr>
+                <a:xfrm>
+                  <a:off x="3747757" y="6231225"/>
+                  <a:ext cx="276885" cy="0"/>
+                </a:xfrm>
+                <a:prstGeom prst="line">
+                  <a:avLst/>
+                </a:prstGeom>
+              </p:spPr>
+              <p:style>
+                <a:lnRef idx="1">
+                  <a:schemeClr val="accent2"/>
+                </a:lnRef>
+                <a:fillRef idx="0">
+                  <a:schemeClr val="accent2"/>
+                </a:fillRef>
+                <a:effectRef idx="0">
+                  <a:schemeClr val="accent2"/>
+                </a:effectRef>
+                <a:fontRef idx="minor">
+                  <a:schemeClr val="tx1"/>
+                </a:fontRef>
+              </p:style>
+            </p:cxnSp>
+            <p:cxnSp>
+              <p:nvCxnSpPr>
+                <p:cNvPr id="50" name="직선 연결선 49">
+                  <a:extLst>
+                    <a:ext uri="{FF2B5EF4-FFF2-40B4-BE49-F238E27FC236}">
+                      <a16:creationId xmlns:a16="http://schemas.microsoft.com/office/drawing/2014/main" id="{83CDA98C-A863-2296-740D-F61F143F484E}"/>
+                    </a:ext>
+                  </a:extLst>
+                </p:cNvPr>
+                <p:cNvCxnSpPr>
+                  <a:cxnSpLocks/>
+                </p:cNvCxnSpPr>
+                <p:nvPr/>
+              </p:nvCxnSpPr>
+              <p:spPr>
+                <a:xfrm>
+                  <a:off x="3886200" y="1031341"/>
+                  <a:ext cx="0" cy="5199884"/>
+                </a:xfrm>
+                <a:prstGeom prst="line">
+                  <a:avLst/>
+                </a:prstGeom>
+              </p:spPr>
+              <p:style>
+                <a:lnRef idx="1">
+                  <a:schemeClr val="accent2"/>
+                </a:lnRef>
+                <a:fillRef idx="0">
+                  <a:schemeClr val="accent2"/>
+                </a:fillRef>
+                <a:effectRef idx="0">
+                  <a:schemeClr val="accent2"/>
+                </a:effectRef>
+                <a:fontRef idx="minor">
+                  <a:schemeClr val="tx1"/>
+                </a:fontRef>
+              </p:style>
+            </p:cxnSp>
+          </p:grpSp>
+        </p:grpSp>
+        <p:grpSp>
+          <p:nvGrpSpPr>
+            <p:cNvPr id="82" name="그룹 81">
+              <a:extLst>
+                <a:ext uri="{FF2B5EF4-FFF2-40B4-BE49-F238E27FC236}">
+                  <a16:creationId xmlns:a16="http://schemas.microsoft.com/office/drawing/2014/main" id="{AA5A8AEC-3A17-107B-E9AD-778855B810CE}"/>
+                </a:ext>
+              </a:extLst>
+            </p:cNvPr>
+            <p:cNvGrpSpPr/>
+            <p:nvPr/>
+          </p:nvGrpSpPr>
+          <p:grpSpPr>
+            <a:xfrm>
+              <a:off x="5356747" y="3960077"/>
+              <a:ext cx="305385" cy="254445"/>
+              <a:chOff x="3733800" y="1031341"/>
+              <a:chExt cx="290842" cy="5199887"/>
+            </a:xfrm>
+          </p:grpSpPr>
+          <p:cxnSp>
+            <p:nvCxnSpPr>
+              <p:cNvPr id="83" name="직선 연결선 82">
+                <a:extLst>
+                  <a:ext uri="{FF2B5EF4-FFF2-40B4-BE49-F238E27FC236}">
+                    <a16:creationId xmlns:a16="http://schemas.microsoft.com/office/drawing/2014/main" id="{539CDC57-0106-5D2D-0561-8A5E1DAEC163}"/>
+                  </a:ext>
+                </a:extLst>
+              </p:cNvPr>
+              <p:cNvCxnSpPr/>
+              <p:nvPr/>
+            </p:nvCxnSpPr>
+            <p:spPr>
+              <a:xfrm>
+                <a:off x="3733800" y="1031341"/>
+                <a:ext cx="276885" cy="0"/>
+              </a:xfrm>
+              <a:prstGeom prst="line">
+                <a:avLst/>
+              </a:prstGeom>
+            </p:spPr>
+            <p:style>
+              <a:lnRef idx="1">
+                <a:schemeClr val="accent2"/>
+              </a:lnRef>
+              <a:fillRef idx="0">
+                <a:schemeClr val="accent2"/>
+              </a:fillRef>
+              <a:effectRef idx="0">
+                <a:schemeClr val="accent2"/>
+              </a:effectRef>
+              <a:fontRef idx="minor">
+                <a:schemeClr val="tx1"/>
+              </a:fontRef>
+            </p:style>
+          </p:cxnSp>
+          <p:cxnSp>
+            <p:nvCxnSpPr>
+              <p:cNvPr id="84" name="직선 연결선 83">
+                <a:extLst>
+                  <a:ext uri="{FF2B5EF4-FFF2-40B4-BE49-F238E27FC236}">
+                    <a16:creationId xmlns:a16="http://schemas.microsoft.com/office/drawing/2014/main" id="{D3E61B39-7906-4228-6879-CF6BB6CA23D2}"/>
+                  </a:ext>
+                </a:extLst>
+              </p:cNvPr>
+              <p:cNvCxnSpPr/>
+              <p:nvPr/>
+            </p:nvCxnSpPr>
+            <p:spPr>
+              <a:xfrm>
+                <a:off x="3747757" y="6231225"/>
+                <a:ext cx="276885" cy="0"/>
+              </a:xfrm>
+              <a:prstGeom prst="line">
+                <a:avLst/>
+              </a:prstGeom>
+            </p:spPr>
+            <p:style>
+              <a:lnRef idx="1">
+                <a:schemeClr val="accent2"/>
+              </a:lnRef>
+              <a:fillRef idx="0">
+                <a:schemeClr val="accent2"/>
+              </a:fillRef>
+              <a:effectRef idx="0">
+                <a:schemeClr val="accent2"/>
+              </a:effectRef>
+              <a:fontRef idx="minor">
+                <a:schemeClr val="tx1"/>
+              </a:fontRef>
+            </p:style>
+          </p:cxnSp>
+          <p:cxnSp>
+            <p:nvCxnSpPr>
+              <p:cNvPr id="85" name="직선 연결선 84">
+                <a:extLst>
+                  <a:ext uri="{FF2B5EF4-FFF2-40B4-BE49-F238E27FC236}">
+                    <a16:creationId xmlns:a16="http://schemas.microsoft.com/office/drawing/2014/main" id="{F8E95C54-290D-1358-862F-477FCA7C26BF}"/>
+                  </a:ext>
+                </a:extLst>
+              </p:cNvPr>
+              <p:cNvCxnSpPr>
+                <a:cxnSpLocks/>
+              </p:cNvCxnSpPr>
+              <p:nvPr/>
+            </p:nvCxnSpPr>
+            <p:spPr>
+              <a:xfrm>
+                <a:off x="3886200" y="1031341"/>
+                <a:ext cx="0" cy="5199884"/>
+              </a:xfrm>
+              <a:prstGeom prst="line">
+                <a:avLst/>
+              </a:prstGeom>
+            </p:spPr>
+            <p:style>
+              <a:lnRef idx="1">
+                <a:schemeClr val="accent2"/>
+              </a:lnRef>
+              <a:fillRef idx="0">
+                <a:schemeClr val="accent2"/>
+              </a:fillRef>
+              <a:effectRef idx="0">
+                <a:schemeClr val="accent2"/>
+              </a:effectRef>
+              <a:fontRef idx="minor">
+                <a:schemeClr val="tx1"/>
+              </a:fontRef>
+            </p:style>
+          </p:cxnSp>
+        </p:grpSp>
+        <p:sp>
+          <p:nvSpPr>
+            <p:cNvPr id="112" name="TextBox 111">
+              <a:extLst>
+                <a:ext uri="{FF2B5EF4-FFF2-40B4-BE49-F238E27FC236}">
+                  <a16:creationId xmlns:a16="http://schemas.microsoft.com/office/drawing/2014/main" id="{EBBD21B9-5504-3161-A24C-9CD38772BD17}"/>
+                </a:ext>
+              </a:extLst>
+            </p:cNvPr>
+            <p:cNvSpPr txBox="1"/>
+            <p:nvPr/>
+          </p:nvSpPr>
+          <p:spPr>
+            <a:xfrm rot="5400000">
+              <a:off x="5128715" y="4104552"/>
+              <a:ext cx="588502" cy="246221"/>
+            </a:xfrm>
+            <a:prstGeom prst="rect">
+              <a:avLst/>
+            </a:prstGeom>
+            <a:noFill/>
+          </p:spPr>
+          <p:txBody>
+            <a:bodyPr wrap="square" rtlCol="0">
+              <a:spAutoFit/>
+            </a:bodyPr>
+            <a:lstStyle/>
+            <a:p>
+              <a:r>
+                <a:rPr lang="en-US" altLang="ko-KR" sz="1000" dirty="0"/>
+                <a:t>65</a:t>
+              </a:r>
+              <a:endParaRPr lang="ko-KR" altLang="en-US" sz="1200" dirty="0"/>
+            </a:p>
+          </p:txBody>
+        </p:sp>
+      </p:grpSp>
+    </p:spTree>
+    <p:extLst>
+      <p:ext uri="{BB962C8B-B14F-4D97-AF65-F5344CB8AC3E}">
+        <p14:creationId xmlns:p14="http://schemas.microsoft.com/office/powerpoint/2010/main" val="1529182505"/>
+      </p:ext>
+    </p:extLst>
+  </p:cSld>
+  <p:clrMapOvr>
+    <a:masterClrMapping/>
+  </p:clrMapOvr>
+</p:sld>
+</file>
+
+<file path=ppt/slides/slide4.xml><?xml version="1.0" encoding="utf-8"?>
+<p:sld xmlns:a="http://schemas.openxmlformats.org/drawingml/2006/main" xmlns:r="http://schemas.openxmlformats.org/officeDocument/2006/relationships" xmlns:p="http://schemas.openxmlformats.org/presentationml/2006/main">
+  <p:cSld>
+    <p:spTree>
+      <p:nvGrpSpPr>
+        <p:cNvPr id="1" name=""/>
+        <p:cNvGrpSpPr/>
+        <p:nvPr/>
+      </p:nvGrpSpPr>
+      <p:grpSpPr>
+        <a:xfrm>
+          <a:off x="0" y="0"/>
+          <a:ext cx="0" cy="0"/>
+          <a:chOff x="0" y="0"/>
+          <a:chExt cx="0" cy="0"/>
+        </a:xfrm>
+      </p:grpSpPr>
+      <p:sp>
+        <p:nvSpPr>
+          <p:cNvPr id="139" name="사각형: 둥근 모서리 138">
+            <a:extLst>
+              <a:ext uri="{FF2B5EF4-FFF2-40B4-BE49-F238E27FC236}">
+                <a16:creationId xmlns:a16="http://schemas.microsoft.com/office/drawing/2014/main" id="{F4A74B0E-EC69-345F-98AC-0E9ACC0443D5}"/>
+              </a:ext>
+            </a:extLst>
+          </p:cNvPr>
+          <p:cNvSpPr/>
+          <p:nvPr/>
+        </p:nvSpPr>
+        <p:spPr>
+          <a:xfrm>
+            <a:off x="291362" y="4222839"/>
+            <a:ext cx="3425429" cy="4257877"/>
+          </a:xfrm>
+          <a:prstGeom prst="roundRect">
+            <a:avLst/>
+          </a:prstGeom>
+          <a:solidFill>
+            <a:schemeClr val="accent3">
+              <a:alpha val="50000"/>
+            </a:schemeClr>
+          </a:solidFill>
+          <a:ln>
+            <a:noFill/>
+          </a:ln>
+        </p:spPr>
+        <p:style>
+          <a:lnRef idx="0">
+            <a:scrgbClr r="0" g="0" b="0"/>
+          </a:lnRef>
+          <a:fillRef idx="0">
+            <a:scrgbClr r="0" g="0" b="0"/>
+          </a:fillRef>
+          <a:effectRef idx="0">
+            <a:scrgbClr r="0" g="0" b="0"/>
+          </a:effectRef>
+          <a:fontRef idx="minor">
+            <a:schemeClr val="lt1"/>
+          </a:fontRef>
+        </p:style>
+        <p:txBody>
+          <a:bodyPr rtlCol="0" anchor="ctr"/>
+          <a:lstStyle/>
+          <a:p>
+            <a:pPr algn="ctr"/>
+            <a:r>
+              <a:rPr lang="ko-KR" altLang="en-US" sz="2223" dirty="0"/>
+              <a:t>터치 가능 범위</a:t>
+            </a:r>
+          </a:p>
+        </p:txBody>
+      </p:sp>
+      <p:sp>
+        <p:nvSpPr>
+          <p:cNvPr id="5" name="TextBox 4">
+            <a:extLst>
+              <a:ext uri="{FF2B5EF4-FFF2-40B4-BE49-F238E27FC236}">
+                <a16:creationId xmlns:a16="http://schemas.microsoft.com/office/drawing/2014/main" id="{07BAB8A7-7DA7-5FC9-6FA1-A42250BD537F}"/>
+              </a:ext>
+            </a:extLst>
+          </p:cNvPr>
+          <p:cNvSpPr txBox="1"/>
+          <p:nvPr/>
+        </p:nvSpPr>
+        <p:spPr>
+          <a:xfrm>
+            <a:off x="198355" y="153015"/>
+            <a:ext cx="4000500" cy="646331"/>
+          </a:xfrm>
+          <a:prstGeom prst="rect">
+            <a:avLst/>
+          </a:prstGeom>
+          <a:noFill/>
+        </p:spPr>
+        <p:txBody>
+          <a:bodyPr wrap="square" rtlCol="0">
+            <a:spAutoFit/>
+          </a:bodyPr>
+          <a:lstStyle/>
+          <a:p>
+            <a:r>
+              <a:rPr lang="ko-KR" altLang="en-US" sz="3600" dirty="0"/>
+              <a:t>해상도</a:t>
+            </a:r>
+            <a:r>
+              <a:rPr lang="en-US" altLang="ko-KR" sz="3600" dirty="0"/>
+              <a:t>, </a:t>
+            </a:r>
+            <a:r>
+              <a:rPr lang="ko-KR" altLang="en-US" sz="3600" dirty="0"/>
+              <a:t>비율 </a:t>
+            </a:r>
+            <a:r>
+              <a:rPr lang="en-US" altLang="ko-KR" sz="3600" dirty="0"/>
+              <a:t>HUD</a:t>
+            </a:r>
+          </a:p>
+        </p:txBody>
+      </p:sp>
+      <p:sp>
+        <p:nvSpPr>
+          <p:cNvPr id="89" name="TextBox 88">
+            <a:extLst>
+              <a:ext uri="{FF2B5EF4-FFF2-40B4-BE49-F238E27FC236}">
+                <a16:creationId xmlns:a16="http://schemas.microsoft.com/office/drawing/2014/main" id="{258EC6E7-AB07-DEBA-3ADB-09B2DE21339D}"/>
+              </a:ext>
+            </a:extLst>
+          </p:cNvPr>
+          <p:cNvSpPr txBox="1"/>
+          <p:nvPr/>
+        </p:nvSpPr>
+        <p:spPr>
+          <a:xfrm>
+            <a:off x="-79096" y="825815"/>
+            <a:ext cx="4000500" cy="707886"/>
+          </a:xfrm>
+          <a:prstGeom prst="rect">
+            <a:avLst/>
+          </a:prstGeom>
+          <a:noFill/>
+        </p:spPr>
+        <p:txBody>
+          <a:bodyPr wrap="square" rtlCol="0">
+            <a:spAutoFit/>
+          </a:bodyPr>
+          <a:lstStyle/>
+          <a:p>
+            <a:r>
+              <a:rPr lang="en-US" altLang="ko-KR" sz="4000" dirty="0"/>
+              <a:t>  FHD 1080 * 1920</a:t>
+            </a:r>
+            <a:endParaRPr lang="ko-KR" altLang="en-US" sz="4000" dirty="0"/>
+          </a:p>
+        </p:txBody>
+      </p:sp>
+      <p:sp>
+        <p:nvSpPr>
+          <p:cNvPr id="27" name="사각형: 둥근 모서리 26">
+            <a:extLst>
+              <a:ext uri="{FF2B5EF4-FFF2-40B4-BE49-F238E27FC236}">
+                <a16:creationId xmlns:a16="http://schemas.microsoft.com/office/drawing/2014/main" id="{841F718B-E557-8EFE-B805-BF3946471271}"/>
+              </a:ext>
+            </a:extLst>
+          </p:cNvPr>
+          <p:cNvSpPr/>
+          <p:nvPr/>
+        </p:nvSpPr>
+        <p:spPr>
+          <a:xfrm>
+            <a:off x="283862" y="2970568"/>
+            <a:ext cx="3440430" cy="5520690"/>
+          </a:xfrm>
+          <a:prstGeom prst="roundRect">
+            <a:avLst/>
+          </a:prstGeom>
+          <a:noFill/>
+          <a:ln w="9525" cap="flat" cmpd="sng" algn="ctr">
+            <a:solidFill>
+              <a:schemeClr val="accent1"/>
+            </a:solidFill>
+            <a:prstDash val="solid"/>
+            <a:round/>
+            <a:headEnd type="none" w="med" len="med"/>
+            <a:tailEnd type="none" w="med" len="med"/>
+          </a:ln>
+        </p:spPr>
+        <p:style>
+          <a:lnRef idx="0">
+            <a:scrgbClr r="0" g="0" b="0"/>
+          </a:lnRef>
+          <a:fillRef idx="0">
+            <a:scrgbClr r="0" g="0" b="0"/>
+          </a:fillRef>
+          <a:effectRef idx="0">
+            <a:scrgbClr r="0" g="0" b="0"/>
+          </a:effectRef>
+          <a:fontRef idx="minor">
+            <a:schemeClr val="accent1"/>
+          </a:fontRef>
+        </p:style>
+        <p:txBody>
+          <a:bodyPr rtlCol="0" anchor="ctr"/>
+          <a:lstStyle/>
+          <a:p>
+            <a:pPr algn="ctr"/>
+            <a:endParaRPr lang="ko-KR" altLang="en-US" sz="2223"/>
+          </a:p>
+        </p:txBody>
+      </p:sp>
+      <p:sp>
+        <p:nvSpPr>
+          <p:cNvPr id="56" name="사각형: 둥근 모서리 55">
+            <a:extLst>
+              <a:ext uri="{FF2B5EF4-FFF2-40B4-BE49-F238E27FC236}">
+                <a16:creationId xmlns:a16="http://schemas.microsoft.com/office/drawing/2014/main" id="{3A1A1C14-FC74-5974-C234-6D58412E49FC}"/>
+              </a:ext>
+            </a:extLst>
+          </p:cNvPr>
+          <p:cNvSpPr/>
+          <p:nvPr/>
+        </p:nvSpPr>
+        <p:spPr>
+          <a:xfrm>
+            <a:off x="390542" y="3210598"/>
+            <a:ext cx="3200400" cy="400050"/>
+          </a:xfrm>
+          <a:prstGeom prst="roundRect">
+            <a:avLst>
+              <a:gd name="adj" fmla="val 50000"/>
+            </a:avLst>
+          </a:prstGeom>
+          <a:noFill/>
+          <a:ln w="9525" cap="flat" cmpd="sng" algn="ctr">
+            <a:solidFill>
+              <a:schemeClr val="accent1"/>
+            </a:solidFill>
+            <a:prstDash val="solid"/>
+            <a:round/>
+            <a:headEnd type="none" w="med" len="med"/>
+            <a:tailEnd type="none" w="med" len="med"/>
+          </a:ln>
+        </p:spPr>
+        <p:style>
+          <a:lnRef idx="0">
+            <a:scrgbClr r="0" g="0" b="0"/>
+          </a:lnRef>
+          <a:fillRef idx="0">
+            <a:scrgbClr r="0" g="0" b="0"/>
+          </a:fillRef>
+          <a:effectRef idx="0">
+            <a:scrgbClr r="0" g="0" b="0"/>
+          </a:effectRef>
+          <a:fontRef idx="minor">
+            <a:schemeClr val="accent1"/>
+          </a:fontRef>
+        </p:style>
+        <p:txBody>
+          <a:bodyPr rtlCol="0" anchor="ctr"/>
+          <a:lstStyle/>
+          <a:p>
+            <a:pPr algn="ctr"/>
+            <a:endParaRPr lang="ko-KR" altLang="en-US" sz="2223"/>
+          </a:p>
+        </p:txBody>
+      </p:sp>
+      <p:sp>
+        <p:nvSpPr>
+          <p:cNvPr id="126" name="사각형: 둥근 모서리 125">
+            <a:extLst>
+              <a:ext uri="{FF2B5EF4-FFF2-40B4-BE49-F238E27FC236}">
+                <a16:creationId xmlns:a16="http://schemas.microsoft.com/office/drawing/2014/main" id="{8A55657D-EF56-286C-7175-23B59C060AB5}"/>
+              </a:ext>
+            </a:extLst>
+          </p:cNvPr>
+          <p:cNvSpPr/>
+          <p:nvPr/>
+        </p:nvSpPr>
+        <p:spPr>
+          <a:xfrm>
+            <a:off x="523892" y="3290608"/>
+            <a:ext cx="2960370" cy="240030"/>
+          </a:xfrm>
+          <a:prstGeom prst="roundRect">
+            <a:avLst/>
+          </a:prstGeom>
+          <a:noFill/>
+          <a:ln w="9525" cap="flat" cmpd="sng" algn="ctr">
+            <a:solidFill>
+              <a:schemeClr val="accent1"/>
+            </a:solidFill>
+            <a:prstDash val="solid"/>
+            <a:round/>
+            <a:headEnd type="none" w="med" len="med"/>
+            <a:tailEnd type="none" w="med" len="med"/>
+          </a:ln>
+        </p:spPr>
+        <p:style>
+          <a:lnRef idx="0">
+            <a:scrgbClr r="0" g="0" b="0"/>
+          </a:lnRef>
+          <a:fillRef idx="0">
+            <a:scrgbClr r="0" g="0" b="0"/>
+          </a:fillRef>
+          <a:effectRef idx="0">
+            <a:scrgbClr r="0" g="0" b="0"/>
+          </a:effectRef>
+          <a:fontRef idx="minor">
+            <a:schemeClr val="accent1"/>
+          </a:fontRef>
+        </p:style>
+        <p:txBody>
+          <a:bodyPr rtlCol="0" anchor="ctr"/>
+          <a:lstStyle/>
+          <a:p>
+            <a:pPr algn="ctr"/>
+            <a:endParaRPr lang="ko-KR" altLang="en-US" sz="840" dirty="0"/>
+          </a:p>
+        </p:txBody>
+      </p:sp>
+      <p:sp>
+        <p:nvSpPr>
+          <p:cNvPr id="127" name="사각형: 둥근 모서리 126">
+            <a:extLst>
+              <a:ext uri="{FF2B5EF4-FFF2-40B4-BE49-F238E27FC236}">
+                <a16:creationId xmlns:a16="http://schemas.microsoft.com/office/drawing/2014/main" id="{0262542B-7421-46FA-C5A0-8902B49DF8E4}"/>
+              </a:ext>
+            </a:extLst>
+          </p:cNvPr>
+          <p:cNvSpPr/>
+          <p:nvPr/>
+        </p:nvSpPr>
+        <p:spPr>
+          <a:xfrm>
+            <a:off x="1319389" y="3663990"/>
+            <a:ext cx="1453365" cy="548309"/>
+          </a:xfrm>
+          <a:prstGeom prst="roundRect">
+            <a:avLst/>
+          </a:prstGeom>
+          <a:noFill/>
+          <a:ln w="9525" cap="flat" cmpd="sng" algn="ctr">
+            <a:solidFill>
+              <a:schemeClr val="accent1"/>
+            </a:solidFill>
+            <a:prstDash val="solid"/>
+            <a:round/>
+            <a:headEnd type="none" w="med" len="med"/>
+            <a:tailEnd type="none" w="med" len="med"/>
+          </a:ln>
+        </p:spPr>
+        <p:style>
+          <a:lnRef idx="0">
+            <a:scrgbClr r="0" g="0" b="0"/>
+          </a:lnRef>
+          <a:fillRef idx="0">
+            <a:scrgbClr r="0" g="0" b="0"/>
+          </a:fillRef>
+          <a:effectRef idx="0">
+            <a:scrgbClr r="0" g="0" b="0"/>
+          </a:effectRef>
+          <a:fontRef idx="minor">
+            <a:schemeClr val="accent1"/>
+          </a:fontRef>
+        </p:style>
+        <p:txBody>
+          <a:bodyPr rtlCol="0" anchor="ctr"/>
+          <a:lstStyle/>
+          <a:p>
+            <a:pPr algn="ctr"/>
+            <a:r>
+              <a:rPr lang="ko-KR" altLang="en-US" sz="840" dirty="0"/>
+              <a:t>몬스터 웨이브 이름</a:t>
+            </a:r>
+          </a:p>
+        </p:txBody>
+      </p:sp>
+      <p:sp>
+        <p:nvSpPr>
+          <p:cNvPr id="128" name="타원 127">
+            <a:extLst>
+              <a:ext uri="{FF2B5EF4-FFF2-40B4-BE49-F238E27FC236}">
+                <a16:creationId xmlns:a16="http://schemas.microsoft.com/office/drawing/2014/main" id="{163F906A-2955-7737-899D-2FFFD47D3040}"/>
+              </a:ext>
+            </a:extLst>
+          </p:cNvPr>
+          <p:cNvSpPr/>
+          <p:nvPr/>
+        </p:nvSpPr>
+        <p:spPr>
+          <a:xfrm>
+            <a:off x="1964072" y="3050578"/>
+            <a:ext cx="80010" cy="80010"/>
+          </a:xfrm>
+          <a:prstGeom prst="ellipse">
+            <a:avLst/>
+          </a:prstGeom>
+        </p:spPr>
+        <p:style>
+          <a:lnRef idx="2">
+            <a:schemeClr val="accent1">
+              <a:shade val="15000"/>
+            </a:schemeClr>
+          </a:lnRef>
+          <a:fillRef idx="1">
+            <a:schemeClr val="accent1"/>
+          </a:fillRef>
+          <a:effectRef idx="0">
+            <a:schemeClr val="accent1"/>
+          </a:effectRef>
+          <a:fontRef idx="minor">
+            <a:schemeClr val="lt1"/>
+          </a:fontRef>
+        </p:style>
+        <p:txBody>
+          <a:bodyPr rtlCol="0" anchor="ctr"/>
+          <a:lstStyle/>
+          <a:p>
+            <a:pPr algn="ctr"/>
+            <a:endParaRPr lang="ko-KR" altLang="en-US" sz="2223"/>
+          </a:p>
+        </p:txBody>
+      </p:sp>
+      <p:sp>
+        <p:nvSpPr>
+          <p:cNvPr id="129" name="TextBox 128">
+            <a:extLst>
+              <a:ext uri="{FF2B5EF4-FFF2-40B4-BE49-F238E27FC236}">
+                <a16:creationId xmlns:a16="http://schemas.microsoft.com/office/drawing/2014/main" id="{D5DE8739-853B-8077-1ED7-CE1D3E1DAC0E}"/>
+              </a:ext>
+            </a:extLst>
+          </p:cNvPr>
+          <p:cNvSpPr txBox="1"/>
+          <p:nvPr/>
+        </p:nvSpPr>
+        <p:spPr>
+          <a:xfrm>
+            <a:off x="275819" y="2383146"/>
+            <a:ext cx="3503524" cy="434414"/>
+          </a:xfrm>
+          <a:prstGeom prst="rect">
+            <a:avLst/>
+          </a:prstGeom>
+          <a:solidFill>
+            <a:schemeClr val="accent2">
+              <a:lumMod val="40000"/>
+              <a:lumOff val="60000"/>
+            </a:schemeClr>
+          </a:solidFill>
+        </p:spPr>
+        <p:txBody>
+          <a:bodyPr wrap="square" rtlCol="0">
+            <a:spAutoFit/>
+          </a:bodyPr>
+          <a:lstStyle/>
+          <a:p>
+            <a:pPr algn="ctr"/>
+            <a:r>
+              <a:rPr lang="en-US" altLang="ko-KR" sz="2223" dirty="0"/>
+              <a:t>FHD</a:t>
+            </a:r>
+            <a:r>
+              <a:rPr lang="ko-KR" altLang="en-US" sz="2223" dirty="0"/>
+              <a:t> </a:t>
+            </a:r>
+            <a:r>
+              <a:rPr lang="en-US" altLang="ko-KR" sz="2223" dirty="0"/>
+              <a:t>Hud</a:t>
+            </a:r>
+          </a:p>
+        </p:txBody>
+      </p:sp>
+      <p:sp>
+        <p:nvSpPr>
+          <p:cNvPr id="130" name="사각형: 둥근 모서리 129">
+            <a:extLst>
+              <a:ext uri="{FF2B5EF4-FFF2-40B4-BE49-F238E27FC236}">
+                <a16:creationId xmlns:a16="http://schemas.microsoft.com/office/drawing/2014/main" id="{9136942E-46EB-B174-B5A1-19189FFE739D}"/>
+              </a:ext>
+            </a:extLst>
+          </p:cNvPr>
+          <p:cNvSpPr/>
+          <p:nvPr/>
+        </p:nvSpPr>
+        <p:spPr>
+          <a:xfrm>
+            <a:off x="523894" y="3290608"/>
+            <a:ext cx="433189" cy="240030"/>
+          </a:xfrm>
+          <a:prstGeom prst="roundRect">
+            <a:avLst/>
+          </a:prstGeom>
+          <a:noFill/>
+          <a:ln w="9525" cap="flat" cmpd="sng" algn="ctr">
+            <a:solidFill>
+              <a:schemeClr val="accent1"/>
+            </a:solidFill>
+            <a:prstDash val="solid"/>
+            <a:round/>
+            <a:headEnd type="none" w="med" len="med"/>
+            <a:tailEnd type="none" w="med" len="med"/>
+          </a:ln>
+        </p:spPr>
+        <p:style>
+          <a:lnRef idx="0">
+            <a:scrgbClr r="0" g="0" b="0"/>
+          </a:lnRef>
+          <a:fillRef idx="0">
+            <a:scrgbClr r="0" g="0" b="0"/>
+          </a:fillRef>
+          <a:effectRef idx="0">
+            <a:scrgbClr r="0" g="0" b="0"/>
+          </a:effectRef>
+          <a:fontRef idx="minor">
+            <a:schemeClr val="accent1"/>
+          </a:fontRef>
+        </p:style>
+        <p:txBody>
+          <a:bodyPr rtlCol="0" anchor="ctr"/>
+          <a:lstStyle/>
+          <a:p>
+            <a:pPr algn="ctr"/>
+            <a:r>
+              <a:rPr lang="ko-KR" altLang="en-US" sz="840" dirty="0"/>
+              <a:t>레벨</a:t>
+            </a:r>
+          </a:p>
+        </p:txBody>
+      </p:sp>
+      <p:sp>
+        <p:nvSpPr>
+          <p:cNvPr id="131" name="사각형: 둥근 모서리 130">
+            <a:extLst>
+              <a:ext uri="{FF2B5EF4-FFF2-40B4-BE49-F238E27FC236}">
+                <a16:creationId xmlns:a16="http://schemas.microsoft.com/office/drawing/2014/main" id="{7558F859-C9D2-5703-C4E5-04AF9FFF42A1}"/>
+              </a:ext>
+            </a:extLst>
+          </p:cNvPr>
+          <p:cNvSpPr/>
+          <p:nvPr/>
+        </p:nvSpPr>
+        <p:spPr>
+          <a:xfrm>
+            <a:off x="984150" y="3290608"/>
+            <a:ext cx="2500114" cy="240030"/>
+          </a:xfrm>
+          <a:prstGeom prst="roundRect">
+            <a:avLst/>
+          </a:prstGeom>
+          <a:solidFill>
+            <a:schemeClr val="accent6">
+              <a:lumMod val="40000"/>
+              <a:lumOff val="60000"/>
+            </a:schemeClr>
+          </a:solidFill>
+          <a:ln w="9525" cap="flat" cmpd="sng" algn="ctr">
+            <a:solidFill>
+              <a:schemeClr val="accent1"/>
+            </a:solidFill>
+            <a:prstDash val="solid"/>
+            <a:round/>
+            <a:headEnd type="none" w="med" len="med"/>
+            <a:tailEnd type="none" w="med" len="med"/>
+          </a:ln>
+        </p:spPr>
+        <p:style>
+          <a:lnRef idx="0">
+            <a:scrgbClr r="0" g="0" b="0"/>
+          </a:lnRef>
+          <a:fillRef idx="0">
+            <a:scrgbClr r="0" g="0" b="0"/>
+          </a:fillRef>
+          <a:effectRef idx="0">
+            <a:scrgbClr r="0" g="0" b="0"/>
+          </a:effectRef>
+          <a:fontRef idx="minor">
+            <a:schemeClr val="accent1"/>
+          </a:fontRef>
+        </p:style>
+        <p:txBody>
+          <a:bodyPr rtlCol="0" anchor="ctr"/>
+          <a:lstStyle/>
+          <a:p>
+            <a:pPr algn="ctr"/>
+            <a:r>
+              <a:rPr lang="ko-KR" altLang="en-US" sz="840" dirty="0"/>
+              <a:t>경험치</a:t>
+            </a:r>
+          </a:p>
+        </p:txBody>
+      </p:sp>
+      <p:sp>
+        <p:nvSpPr>
+          <p:cNvPr id="132" name="사각형: 둥근 모서리 131">
+            <a:extLst>
+              <a:ext uri="{FF2B5EF4-FFF2-40B4-BE49-F238E27FC236}">
+                <a16:creationId xmlns:a16="http://schemas.microsoft.com/office/drawing/2014/main" id="{7B41D6B4-492A-6A26-015C-80FA9C6A586B}"/>
+              </a:ext>
+            </a:extLst>
+          </p:cNvPr>
+          <p:cNvSpPr/>
+          <p:nvPr/>
+        </p:nvSpPr>
+        <p:spPr>
+          <a:xfrm>
+            <a:off x="385790" y="3663994"/>
+            <a:ext cx="831672" cy="254445"/>
+          </a:xfrm>
+          <a:prstGeom prst="roundRect">
+            <a:avLst/>
+          </a:prstGeom>
+          <a:noFill/>
+          <a:ln w="9525" cap="flat" cmpd="sng" algn="ctr">
+            <a:solidFill>
+              <a:schemeClr val="accent1"/>
+            </a:solidFill>
+            <a:prstDash val="solid"/>
+            <a:round/>
+            <a:headEnd type="none" w="med" len="med"/>
+            <a:tailEnd type="none" w="med" len="med"/>
+          </a:ln>
+        </p:spPr>
+        <p:style>
+          <a:lnRef idx="0">
+            <a:scrgbClr r="0" g="0" b="0"/>
+          </a:lnRef>
+          <a:fillRef idx="0">
+            <a:scrgbClr r="0" g="0" b="0"/>
+          </a:fillRef>
+          <a:effectRef idx="0">
+            <a:scrgbClr r="0" g="0" b="0"/>
+          </a:effectRef>
+          <a:fontRef idx="minor">
+            <a:schemeClr val="accent1"/>
+          </a:fontRef>
+        </p:style>
+        <p:txBody>
+          <a:bodyPr rtlCol="0" anchor="ctr"/>
+          <a:lstStyle/>
+          <a:p>
+            <a:pPr algn="ctr"/>
+            <a:r>
+              <a:rPr lang="en-US" altLang="ko-KR" sz="1155" dirty="0"/>
+              <a:t>00:01</a:t>
+            </a:r>
+            <a:endParaRPr lang="ko-KR" altLang="en-US" sz="1155" dirty="0"/>
+          </a:p>
+        </p:txBody>
+      </p:sp>
+      <p:sp>
+        <p:nvSpPr>
+          <p:cNvPr id="133" name="사각형: 둥근 모서리 132">
+            <a:extLst>
+              <a:ext uri="{FF2B5EF4-FFF2-40B4-BE49-F238E27FC236}">
+                <a16:creationId xmlns:a16="http://schemas.microsoft.com/office/drawing/2014/main" id="{17C5D543-3735-2A42-AD64-6985E8366670}"/>
+              </a:ext>
+            </a:extLst>
+          </p:cNvPr>
+          <p:cNvSpPr/>
+          <p:nvPr/>
+        </p:nvSpPr>
+        <p:spPr>
+          <a:xfrm>
+            <a:off x="2877323" y="3663993"/>
+            <a:ext cx="647729" cy="254445"/>
+          </a:xfrm>
+          <a:prstGeom prst="roundRect">
+            <a:avLst/>
+          </a:prstGeom>
+          <a:noFill/>
+          <a:ln w="9525" cap="flat" cmpd="sng" algn="ctr">
+            <a:solidFill>
+              <a:schemeClr val="accent1"/>
+            </a:solidFill>
+            <a:prstDash val="solid"/>
+            <a:round/>
+            <a:headEnd type="none" w="med" len="med"/>
+            <a:tailEnd type="none" w="med" len="med"/>
+          </a:ln>
+        </p:spPr>
+        <p:style>
+          <a:lnRef idx="0">
+            <a:scrgbClr r="0" g="0" b="0"/>
+          </a:lnRef>
+          <a:fillRef idx="0">
+            <a:scrgbClr r="0" g="0" b="0"/>
+          </a:fillRef>
+          <a:effectRef idx="0">
+            <a:scrgbClr r="0" g="0" b="0"/>
+          </a:effectRef>
+          <a:fontRef idx="minor">
+            <a:schemeClr val="accent1"/>
+          </a:fontRef>
+        </p:style>
+        <p:txBody>
+          <a:bodyPr rtlCol="0" anchor="ctr"/>
+          <a:lstStyle/>
+          <a:p>
+            <a:pPr algn="ctr"/>
+            <a:r>
+              <a:rPr lang="ko-KR" altLang="en-US" sz="1155" dirty="0"/>
+              <a:t>킬</a:t>
+            </a:r>
+          </a:p>
+        </p:txBody>
+      </p:sp>
+      <p:sp>
+        <p:nvSpPr>
+          <p:cNvPr id="134" name="사각형: 둥근 모서리 133">
+            <a:extLst>
+              <a:ext uri="{FF2B5EF4-FFF2-40B4-BE49-F238E27FC236}">
+                <a16:creationId xmlns:a16="http://schemas.microsoft.com/office/drawing/2014/main" id="{7D9C60FA-F8D4-01C5-247F-CC0D065DB114}"/>
+              </a:ext>
+            </a:extLst>
+          </p:cNvPr>
+          <p:cNvSpPr/>
+          <p:nvPr/>
+        </p:nvSpPr>
+        <p:spPr>
+          <a:xfrm>
+            <a:off x="2877323" y="3957855"/>
+            <a:ext cx="647729" cy="254445"/>
+          </a:xfrm>
+          <a:prstGeom prst="roundRect">
+            <a:avLst/>
+          </a:prstGeom>
+          <a:noFill/>
+          <a:ln w="9525" cap="flat" cmpd="sng" algn="ctr">
+            <a:solidFill>
+              <a:schemeClr val="accent1"/>
+            </a:solidFill>
+            <a:prstDash val="solid"/>
+            <a:round/>
+            <a:headEnd type="none" w="med" len="med"/>
+            <a:tailEnd type="none" w="med" len="med"/>
+          </a:ln>
+        </p:spPr>
+        <p:style>
+          <a:lnRef idx="0">
+            <a:scrgbClr r="0" g="0" b="0"/>
+          </a:lnRef>
+          <a:fillRef idx="0">
+            <a:scrgbClr r="0" g="0" b="0"/>
+          </a:fillRef>
+          <a:effectRef idx="0">
+            <a:scrgbClr r="0" g="0" b="0"/>
+          </a:effectRef>
+          <a:fontRef idx="minor">
+            <a:schemeClr val="accent1"/>
+          </a:fontRef>
+        </p:style>
+        <p:txBody>
+          <a:bodyPr rtlCol="0" anchor="ctr"/>
+          <a:lstStyle/>
+          <a:p>
+            <a:pPr algn="ctr"/>
+            <a:r>
+              <a:rPr lang="ko-KR" altLang="en-US" sz="1104" dirty="0"/>
+              <a:t>골드</a:t>
+            </a:r>
+          </a:p>
+        </p:txBody>
+      </p:sp>
+      <p:sp>
+        <p:nvSpPr>
+          <p:cNvPr id="135" name="사각형: 둥근 모서리 134">
+            <a:extLst>
+              <a:ext uri="{FF2B5EF4-FFF2-40B4-BE49-F238E27FC236}">
+                <a16:creationId xmlns:a16="http://schemas.microsoft.com/office/drawing/2014/main" id="{9F6C2136-02B7-5991-71A8-F1E810FD0B04}"/>
+              </a:ext>
+            </a:extLst>
+          </p:cNvPr>
+          <p:cNvSpPr/>
+          <p:nvPr/>
+        </p:nvSpPr>
+        <p:spPr>
+          <a:xfrm>
+            <a:off x="1665507" y="5838414"/>
+            <a:ext cx="597130" cy="572883"/>
+          </a:xfrm>
+          <a:prstGeom prst="roundRect">
+            <a:avLst/>
+          </a:prstGeom>
+          <a:noFill/>
+          <a:ln w="9525" cap="flat" cmpd="sng" algn="ctr">
+            <a:solidFill>
+              <a:schemeClr val="accent1"/>
+            </a:solidFill>
+            <a:prstDash val="solid"/>
+            <a:round/>
+            <a:headEnd type="none" w="med" len="med"/>
+            <a:tailEnd type="none" w="med" len="med"/>
+          </a:ln>
+        </p:spPr>
+        <p:style>
+          <a:lnRef idx="0">
+            <a:scrgbClr r="0" g="0" b="0"/>
+          </a:lnRef>
+          <a:fillRef idx="0">
+            <a:scrgbClr r="0" g="0" b="0"/>
+          </a:fillRef>
+          <a:effectRef idx="0">
+            <a:scrgbClr r="0" g="0" b="0"/>
+          </a:effectRef>
+          <a:fontRef idx="minor">
+            <a:schemeClr val="accent1"/>
+          </a:fontRef>
+        </p:style>
+        <p:txBody>
+          <a:bodyPr rtlCol="0" anchor="ctr"/>
+          <a:lstStyle/>
+          <a:p>
+            <a:pPr algn="ctr"/>
+            <a:r>
+              <a:rPr lang="ko-KR" altLang="en-US" sz="735" dirty="0"/>
+              <a:t>캐릭터</a:t>
+            </a:r>
+          </a:p>
+        </p:txBody>
+      </p:sp>
+      <p:grpSp>
+        <p:nvGrpSpPr>
+          <p:cNvPr id="136" name="그룹 135">
+            <a:extLst>
+              <a:ext uri="{FF2B5EF4-FFF2-40B4-BE49-F238E27FC236}">
+                <a16:creationId xmlns:a16="http://schemas.microsoft.com/office/drawing/2014/main" id="{0E4FFCFA-A348-5F0E-FA7D-54E838A2D082}"/>
+              </a:ext>
+            </a:extLst>
+          </p:cNvPr>
+          <p:cNvGrpSpPr/>
+          <p:nvPr/>
+        </p:nvGrpSpPr>
+        <p:grpSpPr>
+          <a:xfrm>
+            <a:off x="1595367" y="7370079"/>
+            <a:ext cx="737411" cy="773958"/>
+            <a:chOff x="8367917" y="5207716"/>
+            <a:chExt cx="702296" cy="737103"/>
+          </a:xfrm>
+        </p:grpSpPr>
+        <p:sp>
+          <p:nvSpPr>
+            <p:cNvPr id="137" name="타원 136">
+              <a:extLst>
+                <a:ext uri="{FF2B5EF4-FFF2-40B4-BE49-F238E27FC236}">
+                  <a16:creationId xmlns:a16="http://schemas.microsoft.com/office/drawing/2014/main" id="{E1F8FB8F-6ED9-2DF1-2858-05DF67A19D0B}"/>
+                </a:ext>
+              </a:extLst>
+            </p:cNvPr>
+            <p:cNvSpPr/>
+            <p:nvPr/>
+          </p:nvSpPr>
+          <p:spPr>
+            <a:xfrm>
+              <a:off x="8367917" y="5207716"/>
+              <a:ext cx="702296" cy="737103"/>
+            </a:xfrm>
+            <a:prstGeom prst="ellipse">
+              <a:avLst/>
+            </a:prstGeom>
+            <a:solidFill>
+              <a:schemeClr val="bg2">
+                <a:lumMod val="90000"/>
+              </a:schemeClr>
+            </a:solidFill>
+          </p:spPr>
+          <p:style>
+            <a:lnRef idx="2">
+              <a:schemeClr val="accent1">
+                <a:shade val="15000"/>
+              </a:schemeClr>
+            </a:lnRef>
+            <a:fillRef idx="1">
+              <a:schemeClr val="accent1"/>
+            </a:fillRef>
+            <a:effectRef idx="0">
+              <a:schemeClr val="accent1"/>
+            </a:effectRef>
+            <a:fontRef idx="minor">
+              <a:schemeClr val="lt1"/>
+            </a:fontRef>
+          </p:style>
+          <p:txBody>
+            <a:bodyPr rtlCol="0" anchor="ctr"/>
+            <a:lstStyle/>
+            <a:p>
+              <a:pPr algn="ctr"/>
+              <a:endParaRPr lang="ko-KR" altLang="en-US" sz="2223"/>
+            </a:p>
+          </p:txBody>
+        </p:sp>
+        <p:sp>
+          <p:nvSpPr>
+            <p:cNvPr id="138" name="타원 137">
+              <a:extLst>
+                <a:ext uri="{FF2B5EF4-FFF2-40B4-BE49-F238E27FC236}">
+                  <a16:creationId xmlns:a16="http://schemas.microsoft.com/office/drawing/2014/main" id="{D11C5790-6915-A7A1-EF75-9E7F48A351AC}"/>
+                </a:ext>
+              </a:extLst>
+            </p:cNvPr>
+            <p:cNvSpPr/>
+            <p:nvPr/>
+          </p:nvSpPr>
+          <p:spPr>
+            <a:xfrm>
+              <a:off x="8495700" y="5350598"/>
+              <a:ext cx="446729" cy="457215"/>
+            </a:xfrm>
+            <a:prstGeom prst="ellipse">
+              <a:avLst/>
+            </a:prstGeom>
+            <a:solidFill>
+              <a:schemeClr val="accent1">
+                <a:lumMod val="40000"/>
+                <a:lumOff val="60000"/>
+              </a:schemeClr>
+            </a:solidFill>
+          </p:spPr>
+          <p:style>
+            <a:lnRef idx="2">
+              <a:schemeClr val="accent1">
+                <a:shade val="15000"/>
+              </a:schemeClr>
+            </a:lnRef>
+            <a:fillRef idx="1">
+              <a:schemeClr val="accent1"/>
+            </a:fillRef>
+            <a:effectRef idx="0">
+              <a:schemeClr val="accent1"/>
+            </a:effectRef>
+            <a:fontRef idx="minor">
+              <a:schemeClr val="lt1"/>
+            </a:fontRef>
+          </p:style>
+          <p:txBody>
+            <a:bodyPr rtlCol="0" anchor="ctr"/>
+            <a:lstStyle/>
+            <a:p>
+              <a:pPr algn="ctr"/>
+              <a:endParaRPr lang="ko-KR" altLang="en-US" sz="2223"/>
+            </a:p>
+          </p:txBody>
+        </p:sp>
+      </p:grpSp>
+      <p:sp>
+        <p:nvSpPr>
+          <p:cNvPr id="378" name="TextBox 377">
+            <a:extLst>
+              <a:ext uri="{FF2B5EF4-FFF2-40B4-BE49-F238E27FC236}">
+                <a16:creationId xmlns:a16="http://schemas.microsoft.com/office/drawing/2014/main" id="{A28D9B72-ACD4-EAA2-5C04-85BF1C5BB6DC}"/>
+              </a:ext>
+            </a:extLst>
+          </p:cNvPr>
+          <p:cNvSpPr txBox="1"/>
+          <p:nvPr/>
+        </p:nvSpPr>
+        <p:spPr>
+          <a:xfrm>
+            <a:off x="275819" y="1538448"/>
+            <a:ext cx="6868751" cy="646331"/>
+          </a:xfrm>
+          <a:prstGeom prst="rect">
+            <a:avLst/>
+          </a:prstGeom>
+          <a:noFill/>
+        </p:spPr>
+        <p:txBody>
+          <a:bodyPr wrap="square" rtlCol="0">
+            <a:spAutoFit/>
+          </a:bodyPr>
+          <a:lstStyle/>
+          <a:p>
+            <a:r>
+              <a:rPr lang="ko-KR" altLang="en-US" dirty="0"/>
+              <a:t>각 </a:t>
+            </a:r>
+            <a:r>
+              <a:rPr lang="en-US" altLang="ko-KR" dirty="0"/>
+              <a:t>UI</a:t>
+            </a:r>
+            <a:r>
+              <a:rPr lang="ko-KR" altLang="en-US" dirty="0"/>
+              <a:t>에는 앵커가 꼽혀 있어 화면의 비율이 달라져도 </a:t>
+            </a:r>
+            <a:br>
+              <a:rPr lang="en-US" altLang="ko-KR" dirty="0"/>
+            </a:br>
+            <a:r>
+              <a:rPr lang="ko-KR" altLang="en-US" dirty="0"/>
+              <a:t>비율이 변하지 않는다</a:t>
+            </a:r>
+            <a:r>
+              <a:rPr lang="en-US" altLang="ko-KR" dirty="0"/>
+              <a:t>.</a:t>
+            </a:r>
+            <a:endParaRPr lang="ko-KR" altLang="en-US" dirty="0"/>
+          </a:p>
+        </p:txBody>
+      </p:sp>
+    </p:spTree>
+    <p:extLst>
+      <p:ext uri="{BB962C8B-B14F-4D97-AF65-F5344CB8AC3E}">
+        <p14:creationId xmlns:p14="http://schemas.microsoft.com/office/powerpoint/2010/main" val="2258232529"/>
+      </p:ext>
+    </p:extLst>
+  </p:cSld>
+  <p:clrMapOvr>
+    <a:masterClrMapping/>
+  </p:clrMapOvr>
+</p:sld>
+</file>
+
+<file path=ppt/slides/slide5.xml><?xml version="1.0" encoding="utf-8"?>
 <p:sld xmlns:a="http://schemas.openxmlformats.org/drawingml/2006/main" xmlns:r="http://schemas.openxmlformats.org/officeDocument/2006/relationships" xmlns:p="http://schemas.openxmlformats.org/presentationml/2006/main">
   <p:cSld>
     <p:spTree>
@@ -16230,7 +23011,7 @@
 </p:sld>
 </file>
 
-<file path=ppt/slides/slide4.xml><?xml version="1.0" encoding="utf-8"?>
+<file path=ppt/slides/slide6.xml><?xml version="1.0" encoding="utf-8"?>
 <p:sld xmlns:a="http://schemas.openxmlformats.org/drawingml/2006/main" xmlns:r="http://schemas.openxmlformats.org/officeDocument/2006/relationships" xmlns:p="http://schemas.openxmlformats.org/presentationml/2006/main">
   <p:cSld>
     <p:spTree>
@@ -21800,7 +28581,7 @@
 </p:sld>
 </file>
 
-<file path=ppt/slides/slide5.xml><?xml version="1.0" encoding="utf-8"?>
+<file path=ppt/slides/slide7.xml><?xml version="1.0" encoding="utf-8"?>
 <p:sld xmlns:a="http://schemas.openxmlformats.org/drawingml/2006/main" xmlns:r="http://schemas.openxmlformats.org/officeDocument/2006/relationships" xmlns:p="http://schemas.openxmlformats.org/presentationml/2006/main">
   <p:cSld>
     <p:spTree>
@@ -25639,7 +32420,7 @@
 </p:sld>
 </file>
 
-<file path=ppt/slides/slide6.xml><?xml version="1.0" encoding="utf-8"?>
+<file path=ppt/slides/slide8.xml><?xml version="1.0" encoding="utf-8"?>
 <p:sld xmlns:a="http://schemas.openxmlformats.org/drawingml/2006/main" xmlns:r="http://schemas.openxmlformats.org/officeDocument/2006/relationships" xmlns:p="http://schemas.openxmlformats.org/presentationml/2006/main">
   <p:cSld>
     <p:spTree>
@@ -29154,7 +35935,7 @@
 </p:sld>
 </file>
 
-<file path=ppt/slides/slide7.xml><?xml version="1.0" encoding="utf-8"?>
+<file path=ppt/slides/slide9.xml><?xml version="1.0" encoding="utf-8"?>
 <p:sld xmlns:a="http://schemas.openxmlformats.org/drawingml/2006/main" xmlns:r="http://schemas.openxmlformats.org/officeDocument/2006/relationships" xmlns:p="http://schemas.openxmlformats.org/presentationml/2006/main">
   <p:cSld>
     <p:spTree>
@@ -32660,1108 +39441,6 @@
     <p:extLst>
       <p:ext uri="{BB962C8B-B14F-4D97-AF65-F5344CB8AC3E}">
         <p14:creationId xmlns:p14="http://schemas.microsoft.com/office/powerpoint/2010/main" val="2277230042"/>
-      </p:ext>
-    </p:extLst>
-  </p:cSld>
-  <p:clrMapOvr>
-    <a:masterClrMapping/>
-  </p:clrMapOvr>
-</p:sld>
-</file>
-
-<file path=ppt/slides/slide8.xml><?xml version="1.0" encoding="utf-8"?>
-<p:sld xmlns:a="http://schemas.openxmlformats.org/drawingml/2006/main" xmlns:r="http://schemas.openxmlformats.org/officeDocument/2006/relationships" xmlns:p="http://schemas.openxmlformats.org/presentationml/2006/main">
-  <p:cSld>
-    <p:spTree>
-      <p:nvGrpSpPr>
-        <p:cNvPr id="1" name=""/>
-        <p:cNvGrpSpPr/>
-        <p:nvPr/>
-      </p:nvGrpSpPr>
-      <p:grpSpPr>
-        <a:xfrm>
-          <a:off x="0" y="0"/>
-          <a:ext cx="0" cy="0"/>
-          <a:chOff x="0" y="0"/>
-          <a:chExt cx="0" cy="0"/>
-        </a:xfrm>
-      </p:grpSpPr>
-      <p:pic>
-        <p:nvPicPr>
-          <p:cNvPr id="20" name="그림 19">
-            <a:extLst>
-              <a:ext uri="{FF2B5EF4-FFF2-40B4-BE49-F238E27FC236}">
-                <a16:creationId xmlns:a16="http://schemas.microsoft.com/office/drawing/2014/main" id="{AB3DF22C-BB4A-1EEF-C97F-9D06579CE270}"/>
-              </a:ext>
-            </a:extLst>
-          </p:cNvPr>
-          <p:cNvPicPr>
-            <a:picLocks noChangeAspect="1"/>
-          </p:cNvPicPr>
-          <p:nvPr/>
-        </p:nvPicPr>
-        <p:blipFill>
-          <a:blip r:embed="rId2"/>
-          <a:stretch>
-            <a:fillRect/>
-          </a:stretch>
-        </p:blipFill>
-        <p:spPr>
-          <a:xfrm>
-            <a:off x="10407788" y="2053726"/>
-            <a:ext cx="1514686" cy="2438740"/>
-          </a:xfrm>
-          <a:prstGeom prst="rect">
-            <a:avLst/>
-          </a:prstGeom>
-        </p:spPr>
-      </p:pic>
-      <p:pic>
-        <p:nvPicPr>
-          <p:cNvPr id="9" name="그림 8">
-            <a:extLst>
-              <a:ext uri="{FF2B5EF4-FFF2-40B4-BE49-F238E27FC236}">
-                <a16:creationId xmlns:a16="http://schemas.microsoft.com/office/drawing/2014/main" id="{86C31DF8-3F63-FAEB-9989-C2F764A3E1CC}"/>
-              </a:ext>
-            </a:extLst>
-          </p:cNvPr>
-          <p:cNvPicPr>
-            <a:picLocks noChangeAspect="1"/>
-          </p:cNvPicPr>
-          <p:nvPr/>
-        </p:nvPicPr>
-        <p:blipFill>
-          <a:blip r:embed="rId3"/>
-          <a:stretch>
-            <a:fillRect/>
-          </a:stretch>
-        </p:blipFill>
-        <p:spPr>
-          <a:xfrm>
-            <a:off x="9046088" y="2400140"/>
-            <a:ext cx="771633" cy="1143160"/>
-          </a:xfrm>
-          <a:prstGeom prst="rect">
-            <a:avLst/>
-          </a:prstGeom>
-        </p:spPr>
-      </p:pic>
-      <p:pic>
-        <p:nvPicPr>
-          <p:cNvPr id="13" name="그림 12">
-            <a:extLst>
-              <a:ext uri="{FF2B5EF4-FFF2-40B4-BE49-F238E27FC236}">
-                <a16:creationId xmlns:a16="http://schemas.microsoft.com/office/drawing/2014/main" id="{178DBA01-0D9B-258A-E40D-95DEDA8A3E0D}"/>
-              </a:ext>
-            </a:extLst>
-          </p:cNvPr>
-          <p:cNvPicPr>
-            <a:picLocks noChangeAspect="1"/>
-          </p:cNvPicPr>
-          <p:nvPr/>
-        </p:nvPicPr>
-        <p:blipFill>
-          <a:blip r:embed="rId4"/>
-          <a:stretch>
-            <a:fillRect/>
-          </a:stretch>
-        </p:blipFill>
-        <p:spPr>
-          <a:xfrm>
-            <a:off x="9069905" y="3904950"/>
-            <a:ext cx="724001" cy="1076475"/>
-          </a:xfrm>
-          <a:prstGeom prst="rect">
-            <a:avLst/>
-          </a:prstGeom>
-        </p:spPr>
-      </p:pic>
-      <p:pic>
-        <p:nvPicPr>
-          <p:cNvPr id="15" name="그림 14">
-            <a:extLst>
-              <a:ext uri="{FF2B5EF4-FFF2-40B4-BE49-F238E27FC236}">
-                <a16:creationId xmlns:a16="http://schemas.microsoft.com/office/drawing/2014/main" id="{291D4A39-82C7-49E5-CEA6-7DF40BECD5D9}"/>
-              </a:ext>
-            </a:extLst>
-          </p:cNvPr>
-          <p:cNvPicPr>
-            <a:picLocks noChangeAspect="1"/>
-          </p:cNvPicPr>
-          <p:nvPr/>
-        </p:nvPicPr>
-        <p:blipFill>
-          <a:blip r:embed="rId5"/>
-          <a:stretch>
-            <a:fillRect/>
-          </a:stretch>
-        </p:blipFill>
-        <p:spPr>
-          <a:xfrm>
-            <a:off x="10085700" y="4524728"/>
-            <a:ext cx="2158862" cy="1317272"/>
-          </a:xfrm>
-          <a:prstGeom prst="rect">
-            <a:avLst/>
-          </a:prstGeom>
-        </p:spPr>
-      </p:pic>
-      <p:graphicFrame>
-        <p:nvGraphicFramePr>
-          <p:cNvPr id="16" name="표 15">
-            <a:extLst>
-              <a:ext uri="{FF2B5EF4-FFF2-40B4-BE49-F238E27FC236}">
-                <a16:creationId xmlns:a16="http://schemas.microsoft.com/office/drawing/2014/main" id="{70ADABA8-2428-7EEC-D693-D719AE2B935A}"/>
-              </a:ext>
-            </a:extLst>
-          </p:cNvPr>
-          <p:cNvGraphicFramePr>
-            <a:graphicFrameLocks noGrp="1"/>
-          </p:cNvGraphicFramePr>
-          <p:nvPr>
-            <p:extLst>
-              <p:ext uri="{D42A27DB-BD31-4B8C-83A1-F6EECF244321}">
-                <p14:modId xmlns:p14="http://schemas.microsoft.com/office/powerpoint/2010/main" val="722849203"/>
-              </p:ext>
-            </p:extLst>
-          </p:nvPr>
-        </p:nvGraphicFramePr>
-        <p:xfrm>
-          <a:off x="361950" y="6057900"/>
-          <a:ext cx="11830050" cy="3340608"/>
-        </p:xfrm>
-        <a:graphic>
-          <a:graphicData uri="http://schemas.openxmlformats.org/drawingml/2006/table">
-            <a:tbl>
-              <a:tblPr firstRow="1" bandRow="1">
-                <a:tableStyleId>{BDBED569-4797-4DF1-A0F4-6AAB3CD982D8}</a:tableStyleId>
-              </a:tblPr>
-              <a:tblGrid>
-                <a:gridCol w="1971675">
-                  <a:extLst>
-                    <a:ext uri="{9D8B030D-6E8A-4147-A177-3AD203B41FA5}">
-                      <a16:colId xmlns:a16="http://schemas.microsoft.com/office/drawing/2014/main" val="3213369666"/>
-                    </a:ext>
-                  </a:extLst>
-                </a:gridCol>
-                <a:gridCol w="1971675">
-                  <a:extLst>
-                    <a:ext uri="{9D8B030D-6E8A-4147-A177-3AD203B41FA5}">
-                      <a16:colId xmlns:a16="http://schemas.microsoft.com/office/drawing/2014/main" val="3456424054"/>
-                    </a:ext>
-                  </a:extLst>
-                </a:gridCol>
-                <a:gridCol w="1971675">
-                  <a:extLst>
-                    <a:ext uri="{9D8B030D-6E8A-4147-A177-3AD203B41FA5}">
-                      <a16:colId xmlns:a16="http://schemas.microsoft.com/office/drawing/2014/main" val="640692314"/>
-                    </a:ext>
-                  </a:extLst>
-                </a:gridCol>
-                <a:gridCol w="1971675">
-                  <a:extLst>
-                    <a:ext uri="{9D8B030D-6E8A-4147-A177-3AD203B41FA5}">
-                      <a16:colId xmlns:a16="http://schemas.microsoft.com/office/drawing/2014/main" val="574749610"/>
-                    </a:ext>
-                  </a:extLst>
-                </a:gridCol>
-                <a:gridCol w="1971675">
-                  <a:extLst>
-                    <a:ext uri="{9D8B030D-6E8A-4147-A177-3AD203B41FA5}">
-                      <a16:colId xmlns:a16="http://schemas.microsoft.com/office/drawing/2014/main" val="768766572"/>
-                    </a:ext>
-                  </a:extLst>
-                </a:gridCol>
-                <a:gridCol w="1971675">
-                  <a:extLst>
-                    <a:ext uri="{9D8B030D-6E8A-4147-A177-3AD203B41FA5}">
-                      <a16:colId xmlns:a16="http://schemas.microsoft.com/office/drawing/2014/main" val="2490454966"/>
-                    </a:ext>
-                  </a:extLst>
-                </a:gridCol>
-              </a:tblGrid>
-              <a:tr h="0">
-                <a:tc>
-                  <a:txBody>
-                    <a:bodyPr/>
-                    <a:lstStyle/>
-                    <a:p>
-                      <a:pPr latinLnBrk="1"/>
-                      <a:r>
-                        <a:rPr lang="ko-KR" altLang="en-US" dirty="0"/>
-                        <a:t>모바일</a:t>
-                      </a:r>
-                    </a:p>
-                  </a:txBody>
-                  <a:tcPr>
-                    <a:solidFill>
-                      <a:schemeClr val="accent1">
-                        <a:lumMod val="40000"/>
-                        <a:lumOff val="60000"/>
-                      </a:schemeClr>
-                    </a:solidFill>
-                  </a:tcPr>
-                </a:tc>
-                <a:tc>
-                  <a:txBody>
-                    <a:bodyPr/>
-                    <a:lstStyle/>
-                    <a:p>
-                      <a:pPr latinLnBrk="1"/>
-                      <a:r>
-                        <a:rPr lang="ko-KR" altLang="en-US" dirty="0"/>
-                        <a:t>조작</a:t>
-                      </a:r>
-                    </a:p>
-                  </a:txBody>
-                  <a:tcPr>
-                    <a:solidFill>
-                      <a:schemeClr val="accent1">
-                        <a:lumMod val="40000"/>
-                        <a:lumOff val="60000"/>
-                      </a:schemeClr>
-                    </a:solidFill>
-                  </a:tcPr>
-                </a:tc>
-                <a:tc>
-                  <a:txBody>
-                    <a:bodyPr/>
-                    <a:lstStyle/>
-                    <a:p>
-                      <a:pPr latinLnBrk="1"/>
-                      <a:r>
-                        <a:rPr lang="en-US" altLang="ko-KR" dirty="0"/>
-                        <a:t>PC</a:t>
-                      </a:r>
-                      <a:endParaRPr lang="ko-KR" altLang="en-US" dirty="0"/>
-                    </a:p>
-                  </a:txBody>
-                  <a:tcPr>
-                    <a:solidFill>
-                      <a:schemeClr val="accent2">
-                        <a:lumMod val="40000"/>
-                        <a:lumOff val="60000"/>
-                      </a:schemeClr>
-                    </a:solidFill>
-                  </a:tcPr>
-                </a:tc>
-                <a:tc>
-                  <a:txBody>
-                    <a:bodyPr/>
-                    <a:lstStyle/>
-                    <a:p>
-                      <a:pPr marL="0" marR="0" lvl="0" indent="0" algn="l" defTabSz="1280160" rtl="0" eaLnBrk="1" fontAlgn="auto" latinLnBrk="1" hangingPunct="1">
-                        <a:lnSpc>
-                          <a:spcPct val="100000"/>
-                        </a:lnSpc>
-                        <a:spcBef>
-                          <a:spcPts val="0"/>
-                        </a:spcBef>
-                        <a:spcAft>
-                          <a:spcPts val="0"/>
-                        </a:spcAft>
-                        <a:buClrTx/>
-                        <a:buSzTx/>
-                        <a:buFontTx/>
-                        <a:buNone/>
-                        <a:tabLst/>
-                        <a:defRPr/>
-                      </a:pPr>
-                      <a:r>
-                        <a:rPr lang="ko-KR" altLang="en-US" dirty="0"/>
-                        <a:t>조작</a:t>
-                      </a:r>
-                    </a:p>
-                  </a:txBody>
-                  <a:tcPr>
-                    <a:solidFill>
-                      <a:schemeClr val="accent2">
-                        <a:lumMod val="40000"/>
-                        <a:lumOff val="60000"/>
-                      </a:schemeClr>
-                    </a:solidFill>
-                  </a:tcPr>
-                </a:tc>
-                <a:tc>
-                  <a:txBody>
-                    <a:bodyPr/>
-                    <a:lstStyle/>
-                    <a:p>
-                      <a:pPr latinLnBrk="1"/>
-                      <a:r>
-                        <a:rPr lang="ko-KR" altLang="en-US" dirty="0"/>
-                        <a:t>게임패드</a:t>
-                      </a:r>
-                    </a:p>
-                  </a:txBody>
-                  <a:tcPr>
-                    <a:solidFill>
-                      <a:schemeClr val="accent6">
-                        <a:lumMod val="40000"/>
-                        <a:lumOff val="60000"/>
-                      </a:schemeClr>
-                    </a:solidFill>
-                  </a:tcPr>
-                </a:tc>
-                <a:tc>
-                  <a:txBody>
-                    <a:bodyPr/>
-                    <a:lstStyle/>
-                    <a:p>
-                      <a:pPr marL="0" marR="0" lvl="0" indent="0" algn="l" defTabSz="1280160" rtl="0" eaLnBrk="1" fontAlgn="auto" latinLnBrk="1" hangingPunct="1">
-                        <a:lnSpc>
-                          <a:spcPct val="100000"/>
-                        </a:lnSpc>
-                        <a:spcBef>
-                          <a:spcPts val="0"/>
-                        </a:spcBef>
-                        <a:spcAft>
-                          <a:spcPts val="0"/>
-                        </a:spcAft>
-                        <a:buClrTx/>
-                        <a:buSzTx/>
-                        <a:buFontTx/>
-                        <a:buNone/>
-                        <a:tabLst/>
-                        <a:defRPr/>
-                      </a:pPr>
-                      <a:r>
-                        <a:rPr lang="ko-KR" altLang="en-US" dirty="0"/>
-                        <a:t>조작</a:t>
-                      </a:r>
-                    </a:p>
-                  </a:txBody>
-                  <a:tcPr>
-                    <a:solidFill>
-                      <a:schemeClr val="accent6">
-                        <a:lumMod val="40000"/>
-                        <a:lumOff val="60000"/>
-                      </a:schemeClr>
-                    </a:solidFill>
-                  </a:tcPr>
-                </a:tc>
-                <a:extLst>
-                  <a:ext uri="{0D108BD9-81ED-4DB2-BD59-A6C34878D82A}">
-                    <a16:rowId xmlns:a16="http://schemas.microsoft.com/office/drawing/2014/main" val="1445569540"/>
-                  </a:ext>
-                </a:extLst>
-              </a:tr>
-              <a:tr h="370840">
-                <a:tc>
-                  <a:txBody>
-                    <a:bodyPr/>
-                    <a:lstStyle/>
-                    <a:p>
-                      <a:pPr latinLnBrk="1"/>
-                      <a:r>
-                        <a:rPr lang="ko-KR" altLang="en-US" sz="1800" dirty="0"/>
-                        <a:t>이동</a:t>
-                      </a:r>
-                    </a:p>
-                  </a:txBody>
-                  <a:tcPr/>
-                </a:tc>
-                <a:tc>
-                  <a:txBody>
-                    <a:bodyPr/>
-                    <a:lstStyle/>
-                    <a:p>
-                      <a:pPr latinLnBrk="1"/>
-                      <a:r>
-                        <a:rPr lang="ko-KR" altLang="en-US" sz="1800" dirty="0"/>
-                        <a:t>터치</a:t>
-                      </a:r>
-                    </a:p>
-                  </a:txBody>
-                  <a:tcPr/>
-                </a:tc>
-                <a:tc>
-                  <a:txBody>
-                    <a:bodyPr/>
-                    <a:lstStyle/>
-                    <a:p>
-                      <a:pPr latinLnBrk="1"/>
-                      <a:r>
-                        <a:rPr lang="ko-KR" altLang="en-US" sz="1800" dirty="0"/>
-                        <a:t>이동</a:t>
-                      </a:r>
-                    </a:p>
-                  </a:txBody>
-                  <a:tcPr/>
-                </a:tc>
-                <a:tc>
-                  <a:txBody>
-                    <a:bodyPr/>
-                    <a:lstStyle/>
-                    <a:p>
-                      <a:pPr latinLnBrk="1"/>
-                      <a:r>
-                        <a:rPr lang="en-US" altLang="ko-KR" sz="1800" dirty="0"/>
-                        <a:t>W, A, S, D, </a:t>
-                      </a:r>
-                      <a:r>
-                        <a:rPr lang="ko-KR" altLang="en-US" sz="1800" dirty="0"/>
-                        <a:t>방향키</a:t>
-                      </a:r>
-                      <a:br>
-                        <a:rPr lang="en-US" altLang="ko-KR" sz="1800" dirty="0"/>
-                      </a:br>
-                      <a:r>
-                        <a:rPr lang="en-US" altLang="ko-KR" sz="1800" dirty="0"/>
-                        <a:t>, </a:t>
-                      </a:r>
-                      <a:r>
-                        <a:rPr lang="ko-KR" altLang="en-US" sz="1800" dirty="0"/>
-                        <a:t>마우스 </a:t>
-                      </a:r>
-                      <a:r>
-                        <a:rPr lang="ko-KR" altLang="en-US" sz="1800" dirty="0" err="1"/>
-                        <a:t>우클릭</a:t>
-                      </a:r>
-                      <a:endParaRPr lang="ko-KR" altLang="en-US" sz="1800" dirty="0"/>
-                    </a:p>
-                  </a:txBody>
-                  <a:tcPr/>
-                </a:tc>
-                <a:tc>
-                  <a:txBody>
-                    <a:bodyPr/>
-                    <a:lstStyle/>
-                    <a:p>
-                      <a:pPr latinLnBrk="1"/>
-                      <a:r>
-                        <a:rPr lang="ko-KR" altLang="en-US" sz="1800" dirty="0"/>
-                        <a:t>이동</a:t>
-                      </a:r>
-                    </a:p>
-                  </a:txBody>
-                  <a:tcPr/>
-                </a:tc>
-                <a:tc>
-                  <a:txBody>
-                    <a:bodyPr/>
-                    <a:lstStyle/>
-                    <a:p>
-                      <a:pPr latinLnBrk="1"/>
-                      <a:r>
-                        <a:rPr lang="ko-KR" altLang="en-US" sz="1800" dirty="0"/>
-                        <a:t>이동키</a:t>
-                      </a:r>
-                    </a:p>
-                  </a:txBody>
-                  <a:tcPr/>
-                </a:tc>
-                <a:extLst>
-                  <a:ext uri="{0D108BD9-81ED-4DB2-BD59-A6C34878D82A}">
-                    <a16:rowId xmlns:a16="http://schemas.microsoft.com/office/drawing/2014/main" val="744256504"/>
-                  </a:ext>
-                </a:extLst>
-              </a:tr>
-              <a:tr h="370840">
-                <a:tc>
-                  <a:txBody>
-                    <a:bodyPr/>
-                    <a:lstStyle/>
-                    <a:p>
-                      <a:pPr latinLnBrk="1"/>
-                      <a:r>
-                        <a:rPr lang="ko-KR" altLang="en-US" sz="1800" dirty="0"/>
-                        <a:t>선택</a:t>
-                      </a:r>
-                    </a:p>
-                  </a:txBody>
-                  <a:tcPr/>
-                </a:tc>
-                <a:tc>
-                  <a:txBody>
-                    <a:bodyPr/>
-                    <a:lstStyle/>
-                    <a:p>
-                      <a:pPr latinLnBrk="1"/>
-                      <a:r>
-                        <a:rPr lang="ko-KR" altLang="en-US" sz="1800" dirty="0"/>
-                        <a:t>터치</a:t>
-                      </a:r>
-                    </a:p>
-                  </a:txBody>
-                  <a:tcPr/>
-                </a:tc>
-                <a:tc>
-                  <a:txBody>
-                    <a:bodyPr/>
-                    <a:lstStyle/>
-                    <a:p>
-                      <a:pPr latinLnBrk="1"/>
-                      <a:r>
-                        <a:rPr lang="ko-KR" altLang="en-US" sz="1800" dirty="0"/>
-                        <a:t>선택</a:t>
-                      </a:r>
-                    </a:p>
-                  </a:txBody>
-                  <a:tcPr/>
-                </a:tc>
-                <a:tc>
-                  <a:txBody>
-                    <a:bodyPr/>
-                    <a:lstStyle/>
-                    <a:p>
-                      <a:pPr latinLnBrk="1"/>
-                      <a:r>
-                        <a:rPr lang="ko-KR" altLang="en-US" sz="1800" dirty="0"/>
-                        <a:t>마우스 </a:t>
-                      </a:r>
-                      <a:r>
-                        <a:rPr lang="ko-KR" altLang="en-US" sz="1800" dirty="0" err="1"/>
-                        <a:t>좌클릭</a:t>
-                      </a:r>
-                      <a:endParaRPr lang="ko-KR" altLang="en-US" sz="1800" dirty="0"/>
-                    </a:p>
-                  </a:txBody>
-                  <a:tcPr/>
-                </a:tc>
-                <a:tc>
-                  <a:txBody>
-                    <a:bodyPr/>
-                    <a:lstStyle/>
-                    <a:p>
-                      <a:pPr latinLnBrk="1"/>
-                      <a:r>
-                        <a:rPr lang="ko-KR" altLang="en-US" sz="1800" dirty="0"/>
-                        <a:t>선택</a:t>
-                      </a:r>
-                    </a:p>
-                  </a:txBody>
-                  <a:tcPr/>
-                </a:tc>
-                <a:tc>
-                  <a:txBody>
-                    <a:bodyPr/>
-                    <a:lstStyle/>
-                    <a:p>
-                      <a:pPr latinLnBrk="1"/>
-                      <a:r>
-                        <a:rPr lang="en-US" altLang="ko-KR" sz="1800" dirty="0"/>
-                        <a:t>A</a:t>
-                      </a:r>
-                      <a:endParaRPr lang="ko-KR" altLang="en-US" sz="1800" dirty="0"/>
-                    </a:p>
-                  </a:txBody>
-                  <a:tcPr/>
-                </a:tc>
-                <a:extLst>
-                  <a:ext uri="{0D108BD9-81ED-4DB2-BD59-A6C34878D82A}">
-                    <a16:rowId xmlns:a16="http://schemas.microsoft.com/office/drawing/2014/main" val="2550768007"/>
-                  </a:ext>
-                </a:extLst>
-              </a:tr>
-              <a:tr h="370840">
-                <a:tc>
-                  <a:txBody>
-                    <a:bodyPr/>
-                    <a:lstStyle/>
-                    <a:p>
-                      <a:pPr latinLnBrk="1"/>
-                      <a:r>
-                        <a:rPr lang="ko-KR" altLang="en-US" sz="1800" dirty="0"/>
-                        <a:t>돌아가기</a:t>
-                      </a:r>
-                    </a:p>
-                  </a:txBody>
-                  <a:tcPr/>
-                </a:tc>
-                <a:tc>
-                  <a:txBody>
-                    <a:bodyPr/>
-                    <a:lstStyle/>
-                    <a:p>
-                      <a:pPr latinLnBrk="1"/>
-                      <a:r>
-                        <a:rPr lang="ko-KR" altLang="en-US" sz="1800" dirty="0"/>
-                        <a:t>돌아가기 터치</a:t>
-                      </a:r>
-                    </a:p>
-                  </a:txBody>
-                  <a:tcPr/>
-                </a:tc>
-                <a:tc>
-                  <a:txBody>
-                    <a:bodyPr/>
-                    <a:lstStyle/>
-                    <a:p>
-                      <a:pPr latinLnBrk="1"/>
-                      <a:r>
-                        <a:rPr lang="ko-KR" altLang="en-US" sz="1800" dirty="0"/>
-                        <a:t>돌아가기</a:t>
-                      </a:r>
-                    </a:p>
-                  </a:txBody>
-                  <a:tcPr/>
-                </a:tc>
-                <a:tc>
-                  <a:txBody>
-                    <a:bodyPr/>
-                    <a:lstStyle/>
-                    <a:p>
-                      <a:pPr latinLnBrk="1"/>
-                      <a:r>
-                        <a:rPr lang="en-US" altLang="ko-KR" sz="1800" dirty="0"/>
-                        <a:t>Esc</a:t>
-                      </a:r>
-                      <a:endParaRPr lang="ko-KR" altLang="en-US" sz="1800" dirty="0"/>
-                    </a:p>
-                  </a:txBody>
-                  <a:tcPr/>
-                </a:tc>
-                <a:tc>
-                  <a:txBody>
-                    <a:bodyPr/>
-                    <a:lstStyle/>
-                    <a:p>
-                      <a:pPr latinLnBrk="1"/>
-                      <a:r>
-                        <a:rPr lang="ko-KR" altLang="en-US" sz="1800" dirty="0"/>
-                        <a:t>돌아가기</a:t>
-                      </a:r>
-                    </a:p>
-                  </a:txBody>
-                  <a:tcPr/>
-                </a:tc>
-                <a:tc>
-                  <a:txBody>
-                    <a:bodyPr/>
-                    <a:lstStyle/>
-                    <a:p>
-                      <a:pPr latinLnBrk="1"/>
-                      <a:r>
-                        <a:rPr lang="en-US" altLang="ko-KR" sz="1800" dirty="0"/>
-                        <a:t>B</a:t>
-                      </a:r>
-                      <a:endParaRPr lang="ko-KR" altLang="en-US" sz="1800" dirty="0"/>
-                    </a:p>
-                  </a:txBody>
-                  <a:tcPr/>
-                </a:tc>
-                <a:extLst>
-                  <a:ext uri="{0D108BD9-81ED-4DB2-BD59-A6C34878D82A}">
-                    <a16:rowId xmlns:a16="http://schemas.microsoft.com/office/drawing/2014/main" val="140084255"/>
-                  </a:ext>
-                </a:extLst>
-              </a:tr>
-              <a:tr h="370840">
-                <a:tc>
-                  <a:txBody>
-                    <a:bodyPr/>
-                    <a:lstStyle/>
-                    <a:p>
-                      <a:pPr latinLnBrk="1"/>
-                      <a:endParaRPr lang="ko-KR" altLang="en-US" sz="1800"/>
-                    </a:p>
-                  </a:txBody>
-                  <a:tcPr/>
-                </a:tc>
-                <a:tc>
-                  <a:txBody>
-                    <a:bodyPr/>
-                    <a:lstStyle/>
-                    <a:p>
-                      <a:pPr latinLnBrk="1"/>
-                      <a:endParaRPr lang="ko-KR" altLang="en-US" sz="1800"/>
-                    </a:p>
-                  </a:txBody>
-                  <a:tcPr/>
-                </a:tc>
-                <a:tc>
-                  <a:txBody>
-                    <a:bodyPr/>
-                    <a:lstStyle/>
-                    <a:p>
-                      <a:pPr latinLnBrk="1"/>
-                      <a:endParaRPr lang="ko-KR" altLang="en-US" sz="1800" dirty="0"/>
-                    </a:p>
-                  </a:txBody>
-                  <a:tcPr/>
-                </a:tc>
-                <a:tc>
-                  <a:txBody>
-                    <a:bodyPr/>
-                    <a:lstStyle/>
-                    <a:p>
-                      <a:pPr latinLnBrk="1"/>
-                      <a:endParaRPr lang="ko-KR" altLang="en-US" sz="1800" dirty="0"/>
-                    </a:p>
-                  </a:txBody>
-                  <a:tcPr/>
-                </a:tc>
-                <a:tc>
-                  <a:txBody>
-                    <a:bodyPr/>
-                    <a:lstStyle/>
-                    <a:p>
-                      <a:pPr latinLnBrk="1"/>
-                      <a:endParaRPr lang="ko-KR" altLang="en-US" sz="1800"/>
-                    </a:p>
-                  </a:txBody>
-                  <a:tcPr/>
-                </a:tc>
-                <a:tc>
-                  <a:txBody>
-                    <a:bodyPr/>
-                    <a:lstStyle/>
-                    <a:p>
-                      <a:pPr latinLnBrk="1"/>
-                      <a:endParaRPr lang="ko-KR" altLang="en-US" sz="1800"/>
-                    </a:p>
-                  </a:txBody>
-                  <a:tcPr/>
-                </a:tc>
-                <a:extLst>
-                  <a:ext uri="{0D108BD9-81ED-4DB2-BD59-A6C34878D82A}">
-                    <a16:rowId xmlns:a16="http://schemas.microsoft.com/office/drawing/2014/main" val="3538926157"/>
-                  </a:ext>
-                </a:extLst>
-              </a:tr>
-              <a:tr h="370840">
-                <a:tc>
-                  <a:txBody>
-                    <a:bodyPr/>
-                    <a:lstStyle/>
-                    <a:p>
-                      <a:pPr latinLnBrk="1"/>
-                      <a:endParaRPr lang="ko-KR" altLang="en-US" sz="1800" dirty="0"/>
-                    </a:p>
-                  </a:txBody>
-                  <a:tcPr/>
-                </a:tc>
-                <a:tc>
-                  <a:txBody>
-                    <a:bodyPr/>
-                    <a:lstStyle/>
-                    <a:p>
-                      <a:pPr latinLnBrk="1"/>
-                      <a:endParaRPr lang="ko-KR" altLang="en-US" sz="1800" dirty="0"/>
-                    </a:p>
-                  </a:txBody>
-                  <a:tcPr/>
-                </a:tc>
-                <a:tc>
-                  <a:txBody>
-                    <a:bodyPr/>
-                    <a:lstStyle/>
-                    <a:p>
-                      <a:pPr latinLnBrk="1"/>
-                      <a:endParaRPr lang="ko-KR" altLang="en-US" sz="1800" dirty="0"/>
-                    </a:p>
-                  </a:txBody>
-                  <a:tcPr/>
-                </a:tc>
-                <a:tc>
-                  <a:txBody>
-                    <a:bodyPr/>
-                    <a:lstStyle/>
-                    <a:p>
-                      <a:pPr latinLnBrk="1"/>
-                      <a:endParaRPr lang="ko-KR" altLang="en-US" sz="1800" dirty="0"/>
-                    </a:p>
-                  </a:txBody>
-                  <a:tcPr/>
-                </a:tc>
-                <a:tc>
-                  <a:txBody>
-                    <a:bodyPr/>
-                    <a:lstStyle/>
-                    <a:p>
-                      <a:pPr latinLnBrk="1"/>
-                      <a:endParaRPr lang="ko-KR" altLang="en-US" sz="1800" dirty="0"/>
-                    </a:p>
-                  </a:txBody>
-                  <a:tcPr/>
-                </a:tc>
-                <a:tc>
-                  <a:txBody>
-                    <a:bodyPr/>
-                    <a:lstStyle/>
-                    <a:p>
-                      <a:pPr latinLnBrk="1"/>
-                      <a:endParaRPr lang="ko-KR" altLang="en-US" sz="1800" dirty="0"/>
-                    </a:p>
-                  </a:txBody>
-                  <a:tcPr/>
-                </a:tc>
-                <a:extLst>
-                  <a:ext uri="{0D108BD9-81ED-4DB2-BD59-A6C34878D82A}">
-                    <a16:rowId xmlns:a16="http://schemas.microsoft.com/office/drawing/2014/main" val="3448726651"/>
-                  </a:ext>
-                </a:extLst>
-              </a:tr>
-              <a:tr h="370840">
-                <a:tc>
-                  <a:txBody>
-                    <a:bodyPr/>
-                    <a:lstStyle/>
-                    <a:p>
-                      <a:pPr latinLnBrk="1"/>
-                      <a:endParaRPr lang="ko-KR" altLang="en-US" sz="1800"/>
-                    </a:p>
-                  </a:txBody>
-                  <a:tcPr/>
-                </a:tc>
-                <a:tc>
-                  <a:txBody>
-                    <a:bodyPr/>
-                    <a:lstStyle/>
-                    <a:p>
-                      <a:pPr latinLnBrk="1"/>
-                      <a:endParaRPr lang="ko-KR" altLang="en-US" sz="1800"/>
-                    </a:p>
-                  </a:txBody>
-                  <a:tcPr/>
-                </a:tc>
-                <a:tc>
-                  <a:txBody>
-                    <a:bodyPr/>
-                    <a:lstStyle/>
-                    <a:p>
-                      <a:pPr latinLnBrk="1"/>
-                      <a:endParaRPr lang="ko-KR" altLang="en-US" sz="1800" dirty="0"/>
-                    </a:p>
-                  </a:txBody>
-                  <a:tcPr/>
-                </a:tc>
-                <a:tc>
-                  <a:txBody>
-                    <a:bodyPr/>
-                    <a:lstStyle/>
-                    <a:p>
-                      <a:pPr latinLnBrk="1"/>
-                      <a:endParaRPr lang="ko-KR" altLang="en-US" sz="1800" dirty="0"/>
-                    </a:p>
-                  </a:txBody>
-                  <a:tcPr/>
-                </a:tc>
-                <a:tc>
-                  <a:txBody>
-                    <a:bodyPr/>
-                    <a:lstStyle/>
-                    <a:p>
-                      <a:pPr latinLnBrk="1"/>
-                      <a:endParaRPr lang="ko-KR" altLang="en-US" sz="1800" dirty="0"/>
-                    </a:p>
-                  </a:txBody>
-                  <a:tcPr/>
-                </a:tc>
-                <a:tc>
-                  <a:txBody>
-                    <a:bodyPr/>
-                    <a:lstStyle/>
-                    <a:p>
-                      <a:pPr latinLnBrk="1"/>
-                      <a:endParaRPr lang="ko-KR" altLang="en-US" sz="1800" dirty="0"/>
-                    </a:p>
-                  </a:txBody>
-                  <a:tcPr/>
-                </a:tc>
-                <a:extLst>
-                  <a:ext uri="{0D108BD9-81ED-4DB2-BD59-A6C34878D82A}">
-                    <a16:rowId xmlns:a16="http://schemas.microsoft.com/office/drawing/2014/main" val="2955687361"/>
-                  </a:ext>
-                </a:extLst>
-              </a:tr>
-              <a:tr h="370840">
-                <a:tc>
-                  <a:txBody>
-                    <a:bodyPr/>
-                    <a:lstStyle/>
-                    <a:p>
-                      <a:pPr latinLnBrk="1"/>
-                      <a:endParaRPr lang="ko-KR" altLang="en-US" sz="1800"/>
-                    </a:p>
-                  </a:txBody>
-                  <a:tcPr/>
-                </a:tc>
-                <a:tc>
-                  <a:txBody>
-                    <a:bodyPr/>
-                    <a:lstStyle/>
-                    <a:p>
-                      <a:pPr latinLnBrk="1"/>
-                      <a:endParaRPr lang="ko-KR" altLang="en-US" sz="1800"/>
-                    </a:p>
-                  </a:txBody>
-                  <a:tcPr/>
-                </a:tc>
-                <a:tc>
-                  <a:txBody>
-                    <a:bodyPr/>
-                    <a:lstStyle/>
-                    <a:p>
-                      <a:pPr latinLnBrk="1"/>
-                      <a:endParaRPr lang="ko-KR" altLang="en-US" sz="1800" dirty="0"/>
-                    </a:p>
-                  </a:txBody>
-                  <a:tcPr/>
-                </a:tc>
-                <a:tc>
-                  <a:txBody>
-                    <a:bodyPr/>
-                    <a:lstStyle/>
-                    <a:p>
-                      <a:pPr latinLnBrk="1"/>
-                      <a:endParaRPr lang="ko-KR" altLang="en-US" sz="1800" dirty="0"/>
-                    </a:p>
-                  </a:txBody>
-                  <a:tcPr/>
-                </a:tc>
-                <a:tc>
-                  <a:txBody>
-                    <a:bodyPr/>
-                    <a:lstStyle/>
-                    <a:p>
-                      <a:pPr latinLnBrk="1"/>
-                      <a:endParaRPr lang="ko-KR" altLang="en-US" sz="1800" dirty="0"/>
-                    </a:p>
-                  </a:txBody>
-                  <a:tcPr/>
-                </a:tc>
-                <a:tc>
-                  <a:txBody>
-                    <a:bodyPr/>
-                    <a:lstStyle/>
-                    <a:p>
-                      <a:pPr latinLnBrk="1"/>
-                      <a:endParaRPr lang="ko-KR" altLang="en-US" sz="1800" dirty="0"/>
-                    </a:p>
-                  </a:txBody>
-                  <a:tcPr/>
-                </a:tc>
-                <a:extLst>
-                  <a:ext uri="{0D108BD9-81ED-4DB2-BD59-A6C34878D82A}">
-                    <a16:rowId xmlns:a16="http://schemas.microsoft.com/office/drawing/2014/main" val="3101555975"/>
-                  </a:ext>
-                </a:extLst>
-              </a:tr>
-            </a:tbl>
-          </a:graphicData>
-        </a:graphic>
-      </p:graphicFrame>
-      <p:pic>
-        <p:nvPicPr>
-          <p:cNvPr id="22" name="그래픽 21" descr="오른쪽을 가리키는 검지  단색으로 채워진">
-            <a:extLst>
-              <a:ext uri="{FF2B5EF4-FFF2-40B4-BE49-F238E27FC236}">
-                <a16:creationId xmlns:a16="http://schemas.microsoft.com/office/drawing/2014/main" id="{B4529CBB-84DF-A2CA-AE5E-5D4E8850A4CD}"/>
-              </a:ext>
-            </a:extLst>
-          </p:cNvPr>
-          <p:cNvPicPr>
-            <a:picLocks noChangeAspect="1"/>
-          </p:cNvPicPr>
-          <p:nvPr/>
-        </p:nvPicPr>
-        <p:blipFill>
-          <a:blip r:embed="rId6">
-            <a:extLst>
-              <a:ext uri="{28A0092B-C50C-407E-A947-70E740481C1C}">
-                <a14:useLocalDpi xmlns:a14="http://schemas.microsoft.com/office/drawing/2010/main" val="0"/>
-              </a:ext>
-              <a:ext uri="{96DAC541-7B7A-43D3-8B79-37D633B846F1}">
-                <asvg:svgBlip xmlns:asvg="http://schemas.microsoft.com/office/drawing/2016/SVG/main" r:embed="rId7"/>
-              </a:ext>
-            </a:extLst>
-          </a:blip>
-          <a:stretch>
-            <a:fillRect/>
-          </a:stretch>
-        </p:blipFill>
-        <p:spPr>
-          <a:xfrm rot="2252841" flipH="1">
-            <a:off x="11112569" y="2978020"/>
-            <a:ext cx="749300" cy="914400"/>
-          </a:xfrm>
-          <a:prstGeom prst="rect">
-            <a:avLst/>
-          </a:prstGeom>
-        </p:spPr>
-      </p:pic>
-      <p:sp>
-        <p:nvSpPr>
-          <p:cNvPr id="25" name="TextBox 24">
-            <a:extLst>
-              <a:ext uri="{FF2B5EF4-FFF2-40B4-BE49-F238E27FC236}">
-                <a16:creationId xmlns:a16="http://schemas.microsoft.com/office/drawing/2014/main" id="{65624907-7A37-6566-0925-E96BC53063BA}"/>
-              </a:ext>
-            </a:extLst>
-          </p:cNvPr>
-          <p:cNvSpPr txBox="1"/>
-          <p:nvPr/>
-        </p:nvSpPr>
-        <p:spPr>
-          <a:xfrm>
-            <a:off x="361950" y="1730560"/>
-            <a:ext cx="4000500" cy="646331"/>
-          </a:xfrm>
-          <a:prstGeom prst="rect">
-            <a:avLst/>
-          </a:prstGeom>
-          <a:noFill/>
-        </p:spPr>
-        <p:txBody>
-          <a:bodyPr wrap="square" rtlCol="0">
-            <a:spAutoFit/>
-          </a:bodyPr>
-          <a:lstStyle/>
-          <a:p>
-            <a:r>
-              <a:rPr lang="ko-KR" altLang="en-US" sz="3600" dirty="0" err="1"/>
-              <a:t>키맵</a:t>
-            </a:r>
-            <a:r>
-              <a:rPr lang="ko-KR" altLang="en-US" sz="3600" dirty="0"/>
-              <a:t> </a:t>
-            </a:r>
-            <a:endParaRPr lang="en-US" altLang="ko-KR" sz="3600" dirty="0"/>
-          </a:p>
-        </p:txBody>
-      </p:sp>
-      <p:pic>
-        <p:nvPicPr>
-          <p:cNvPr id="27" name="그림 26">
-            <a:extLst>
-              <a:ext uri="{FF2B5EF4-FFF2-40B4-BE49-F238E27FC236}">
-                <a16:creationId xmlns:a16="http://schemas.microsoft.com/office/drawing/2014/main" id="{E8C3A3C5-CDB2-D15E-C93E-A31A1378E974}"/>
-              </a:ext>
-            </a:extLst>
-          </p:cNvPr>
-          <p:cNvPicPr>
-            <a:picLocks noChangeAspect="1"/>
-          </p:cNvPicPr>
-          <p:nvPr/>
-        </p:nvPicPr>
-        <p:blipFill>
-          <a:blip r:embed="rId8">
-            <a:extLst>
-              <a:ext uri="{28A0092B-C50C-407E-A947-70E740481C1C}">
-                <a14:useLocalDpi xmlns:a14="http://schemas.microsoft.com/office/drawing/2010/main" val="0"/>
-              </a:ext>
-            </a:extLst>
-          </a:blip>
-          <a:stretch>
-            <a:fillRect/>
-          </a:stretch>
-        </p:blipFill>
-        <p:spPr>
-          <a:xfrm>
-            <a:off x="361950" y="2485706"/>
-            <a:ext cx="8420100" cy="3276600"/>
-          </a:xfrm>
-          <a:prstGeom prst="rect">
-            <a:avLst/>
-          </a:prstGeom>
-        </p:spPr>
-      </p:pic>
-    </p:spTree>
-    <p:extLst>
-      <p:ext uri="{BB962C8B-B14F-4D97-AF65-F5344CB8AC3E}">
-        <p14:creationId xmlns:p14="http://schemas.microsoft.com/office/powerpoint/2010/main" val="1489452682"/>
       </p:ext>
     </p:extLst>
   </p:cSld>

--- a/contents/동물서바이벌/동물서바이벌 ui 레이아웃.pptx
+++ b/contents/동물서바이벌/동물서바이벌 ui 레이아웃.pptx
@@ -5,17 +5,18 @@
     <p:sldMasterId id="2147483660" r:id="rId1"/>
   </p:sldMasterIdLst>
   <p:notesMasterIdLst>
-    <p:notesMasterId r:id="rId10"/>
+    <p:notesMasterId r:id="rId11"/>
   </p:notesMasterIdLst>
   <p:sldIdLst>
     <p:sldId id="277" r:id="rId2"/>
     <p:sldId id="279" r:id="rId3"/>
-    <p:sldId id="273" r:id="rId4"/>
-    <p:sldId id="272" r:id="rId5"/>
-    <p:sldId id="274" r:id="rId6"/>
-    <p:sldId id="276" r:id="rId7"/>
-    <p:sldId id="275" r:id="rId8"/>
-    <p:sldId id="278" r:id="rId9"/>
+    <p:sldId id="280" r:id="rId4"/>
+    <p:sldId id="273" r:id="rId5"/>
+    <p:sldId id="272" r:id="rId6"/>
+    <p:sldId id="274" r:id="rId7"/>
+    <p:sldId id="276" r:id="rId8"/>
+    <p:sldId id="275" r:id="rId9"/>
+    <p:sldId id="278" r:id="rId10"/>
   </p:sldIdLst>
   <p:sldSz cx="12801600" cy="9601200" type="A3"/>
   <p:notesSz cx="6858000" cy="9144000"/>
@@ -204,7 +205,7 @@
           <a:p>
             <a:fld id="{FF64C1EB-C559-4618-8572-E141ED541865}" type="datetimeFigureOut">
               <a:rPr lang="ko-KR" altLang="en-US" smtClean="0"/>
-              <a:t>2024-05-23</a:t>
+              <a:t>2024-05-25</a:t>
             </a:fld>
             <a:endParaRPr lang="ko-KR" altLang="en-US"/>
           </a:p>
@@ -639,6 +640,90 @@
 </p:notes>
 </file>
 
+<file path=ppt/notesSlides/notesSlide3.xml><?xml version="1.0" encoding="utf-8"?>
+<p:notes xmlns:a="http://schemas.openxmlformats.org/drawingml/2006/main" xmlns:r="http://schemas.openxmlformats.org/officeDocument/2006/relationships" xmlns:p="http://schemas.openxmlformats.org/presentationml/2006/main">
+  <p:cSld>
+    <p:spTree>
+      <p:nvGrpSpPr>
+        <p:cNvPr id="1" name=""/>
+        <p:cNvGrpSpPr/>
+        <p:nvPr/>
+      </p:nvGrpSpPr>
+      <p:grpSpPr>
+        <a:xfrm>
+          <a:off x="0" y="0"/>
+          <a:ext cx="0" cy="0"/>
+          <a:chOff x="0" y="0"/>
+          <a:chExt cx="0" cy="0"/>
+        </a:xfrm>
+      </p:grpSpPr>
+      <p:sp>
+        <p:nvSpPr>
+          <p:cNvPr id="2" name="슬라이드 이미지 개체 틀 1"/>
+          <p:cNvSpPr>
+            <a:spLocks noGrp="1" noRot="1" noChangeAspect="1"/>
+          </p:cNvSpPr>
+          <p:nvPr>
+            <p:ph type="sldImg"/>
+          </p:nvPr>
+        </p:nvSpPr>
+        <p:spPr/>
+      </p:sp>
+      <p:sp>
+        <p:nvSpPr>
+          <p:cNvPr id="3" name="슬라이드 노트 개체 틀 2"/>
+          <p:cNvSpPr>
+            <a:spLocks noGrp="1"/>
+          </p:cNvSpPr>
+          <p:nvPr>
+            <p:ph type="body" idx="1"/>
+          </p:nvPr>
+        </p:nvSpPr>
+        <p:spPr/>
+        <p:txBody>
+          <a:bodyPr/>
+          <a:lstStyle/>
+          <a:p>
+            <a:endParaRPr lang="ko-KR" altLang="en-US" dirty="0"/>
+          </a:p>
+        </p:txBody>
+      </p:sp>
+      <p:sp>
+        <p:nvSpPr>
+          <p:cNvPr id="4" name="슬라이드 번호 개체 틀 3"/>
+          <p:cNvSpPr>
+            <a:spLocks noGrp="1"/>
+          </p:cNvSpPr>
+          <p:nvPr>
+            <p:ph type="sldNum" sz="quarter" idx="5"/>
+          </p:nvPr>
+        </p:nvSpPr>
+        <p:spPr/>
+        <p:txBody>
+          <a:bodyPr/>
+          <a:lstStyle/>
+          <a:p>
+            <a:fld id="{90FDDF11-BABE-4299-927A-E53FF72AE83F}" type="slidenum">
+              <a:rPr lang="ko-KR" altLang="en-US" smtClean="0"/>
+              <a:t>3</a:t>
+            </a:fld>
+            <a:endParaRPr lang="ko-KR" altLang="en-US"/>
+          </a:p>
+        </p:txBody>
+      </p:sp>
+    </p:spTree>
+    <p:extLst>
+      <p:ext uri="{BB962C8B-B14F-4D97-AF65-F5344CB8AC3E}">
+        <p14:creationId xmlns:p14="http://schemas.microsoft.com/office/powerpoint/2010/main" val="1345341496"/>
+      </p:ext>
+    </p:extLst>
+  </p:cSld>
+  <p:clrMapOvr>
+    <a:masterClrMapping/>
+  </p:clrMapOvr>
+</p:notes>
+</file>
+
 <file path=ppt/slideLayouts/slideLayout1.xml><?xml version="1.0" encoding="utf-8"?>
 <p:sldLayout xmlns:a="http://schemas.openxmlformats.org/drawingml/2006/main" xmlns:r="http://schemas.openxmlformats.org/officeDocument/2006/relationships" xmlns:p="http://schemas.openxmlformats.org/presentationml/2006/main" type="title" preserve="1">
   <p:cSld name="제목 슬라이드">
@@ -770,7 +855,7 @@
           <a:p>
             <a:fld id="{61660A64-7350-483A-AC7B-00A71C3870A6}" type="datetimeFigureOut">
               <a:rPr lang="ko-KR" altLang="en-US" smtClean="0"/>
-              <a:t>2024-05-23</a:t>
+              <a:t>2024-05-25</a:t>
             </a:fld>
             <a:endParaRPr lang="ko-KR" altLang="en-US"/>
           </a:p>
@@ -940,7 +1025,7 @@
           <a:p>
             <a:fld id="{61660A64-7350-483A-AC7B-00A71C3870A6}" type="datetimeFigureOut">
               <a:rPr lang="ko-KR" altLang="en-US" smtClean="0"/>
-              <a:t>2024-05-23</a:t>
+              <a:t>2024-05-25</a:t>
             </a:fld>
             <a:endParaRPr lang="ko-KR" altLang="en-US"/>
           </a:p>
@@ -1120,7 +1205,7 @@
           <a:p>
             <a:fld id="{61660A64-7350-483A-AC7B-00A71C3870A6}" type="datetimeFigureOut">
               <a:rPr lang="ko-KR" altLang="en-US" smtClean="0"/>
-              <a:t>2024-05-23</a:t>
+              <a:t>2024-05-25</a:t>
             </a:fld>
             <a:endParaRPr lang="ko-KR" altLang="en-US"/>
           </a:p>
@@ -1290,7 +1375,7 @@
           <a:p>
             <a:fld id="{61660A64-7350-483A-AC7B-00A71C3870A6}" type="datetimeFigureOut">
               <a:rPr lang="ko-KR" altLang="en-US" smtClean="0"/>
-              <a:t>2024-05-23</a:t>
+              <a:t>2024-05-25</a:t>
             </a:fld>
             <a:endParaRPr lang="ko-KR" altLang="en-US"/>
           </a:p>
@@ -1534,7 +1619,7 @@
           <a:p>
             <a:fld id="{61660A64-7350-483A-AC7B-00A71C3870A6}" type="datetimeFigureOut">
               <a:rPr lang="ko-KR" altLang="en-US" smtClean="0"/>
-              <a:t>2024-05-23</a:t>
+              <a:t>2024-05-25</a:t>
             </a:fld>
             <a:endParaRPr lang="ko-KR" altLang="en-US"/>
           </a:p>
@@ -1766,7 +1851,7 @@
           <a:p>
             <a:fld id="{61660A64-7350-483A-AC7B-00A71C3870A6}" type="datetimeFigureOut">
               <a:rPr lang="ko-KR" altLang="en-US" smtClean="0"/>
-              <a:t>2024-05-23</a:t>
+              <a:t>2024-05-25</a:t>
             </a:fld>
             <a:endParaRPr lang="ko-KR" altLang="en-US"/>
           </a:p>
@@ -2133,7 +2218,7 @@
           <a:p>
             <a:fld id="{61660A64-7350-483A-AC7B-00A71C3870A6}" type="datetimeFigureOut">
               <a:rPr lang="ko-KR" altLang="en-US" smtClean="0"/>
-              <a:t>2024-05-23</a:t>
+              <a:t>2024-05-25</a:t>
             </a:fld>
             <a:endParaRPr lang="ko-KR" altLang="en-US"/>
           </a:p>
@@ -2251,7 +2336,7 @@
           <a:p>
             <a:fld id="{61660A64-7350-483A-AC7B-00A71C3870A6}" type="datetimeFigureOut">
               <a:rPr lang="ko-KR" altLang="en-US" smtClean="0"/>
-              <a:t>2024-05-23</a:t>
+              <a:t>2024-05-25</a:t>
             </a:fld>
             <a:endParaRPr lang="ko-KR" altLang="en-US"/>
           </a:p>
@@ -2346,7 +2431,7 @@
           <a:p>
             <a:fld id="{61660A64-7350-483A-AC7B-00A71C3870A6}" type="datetimeFigureOut">
               <a:rPr lang="ko-KR" altLang="en-US" smtClean="0"/>
-              <a:t>2024-05-23</a:t>
+              <a:t>2024-05-25</a:t>
             </a:fld>
             <a:endParaRPr lang="ko-KR" altLang="en-US"/>
           </a:p>
@@ -2623,7 +2708,7 @@
           <a:p>
             <a:fld id="{61660A64-7350-483A-AC7B-00A71C3870A6}" type="datetimeFigureOut">
               <a:rPr lang="ko-KR" altLang="en-US" smtClean="0"/>
-              <a:t>2024-05-23</a:t>
+              <a:t>2024-05-25</a:t>
             </a:fld>
             <a:endParaRPr lang="ko-KR" altLang="en-US"/>
           </a:p>
@@ -2880,7 +2965,7 @@
           <a:p>
             <a:fld id="{61660A64-7350-483A-AC7B-00A71C3870A6}" type="datetimeFigureOut">
               <a:rPr lang="ko-KR" altLang="en-US" smtClean="0"/>
-              <a:t>2024-05-23</a:t>
+              <a:t>2024-05-25</a:t>
             </a:fld>
             <a:endParaRPr lang="ko-KR" altLang="en-US"/>
           </a:p>
@@ -3093,7 +3178,7 @@
           <a:p>
             <a:fld id="{61660A64-7350-483A-AC7B-00A71C3870A6}" type="datetimeFigureOut">
               <a:rPr lang="ko-KR" altLang="en-US" smtClean="0"/>
-              <a:t>2024-05-23</a:t>
+              <a:t>2024-05-25</a:t>
             </a:fld>
             <a:endParaRPr lang="ko-KR" altLang="en-US"/>
           </a:p>
@@ -10614,6 +10699,1000 @@
           <a:chExt cx="0" cy="0"/>
         </a:xfrm>
       </p:grpSpPr>
+      <p:sp>
+        <p:nvSpPr>
+          <p:cNvPr id="139" name="사각형: 둥근 모서리 138">
+            <a:extLst>
+              <a:ext uri="{FF2B5EF4-FFF2-40B4-BE49-F238E27FC236}">
+                <a16:creationId xmlns:a16="http://schemas.microsoft.com/office/drawing/2014/main" id="{F4A74B0E-EC69-345F-98AC-0E9ACC0443D5}"/>
+              </a:ext>
+            </a:extLst>
+          </p:cNvPr>
+          <p:cNvSpPr/>
+          <p:nvPr/>
+        </p:nvSpPr>
+        <p:spPr>
+          <a:xfrm>
+            <a:off x="298866" y="4224064"/>
+            <a:ext cx="3425429" cy="4257877"/>
+          </a:xfrm>
+          <a:prstGeom prst="roundRect">
+            <a:avLst/>
+          </a:prstGeom>
+          <a:solidFill>
+            <a:schemeClr val="accent3">
+              <a:alpha val="50000"/>
+            </a:schemeClr>
+          </a:solidFill>
+          <a:ln>
+            <a:noFill/>
+          </a:ln>
+        </p:spPr>
+        <p:style>
+          <a:lnRef idx="0">
+            <a:scrgbClr r="0" g="0" b="0"/>
+          </a:lnRef>
+          <a:fillRef idx="0">
+            <a:scrgbClr r="0" g="0" b="0"/>
+          </a:fillRef>
+          <a:effectRef idx="0">
+            <a:scrgbClr r="0" g="0" b="0"/>
+          </a:effectRef>
+          <a:fontRef idx="minor">
+            <a:schemeClr val="lt1"/>
+          </a:fontRef>
+        </p:style>
+        <p:txBody>
+          <a:bodyPr rtlCol="0" anchor="ctr"/>
+          <a:lstStyle/>
+          <a:p>
+            <a:pPr algn="ctr"/>
+            <a:r>
+              <a:rPr lang="ko-KR" altLang="en-US" sz="2223" dirty="0"/>
+              <a:t>터치 가능 범위</a:t>
+            </a:r>
+          </a:p>
+        </p:txBody>
+      </p:sp>
+      <p:sp>
+        <p:nvSpPr>
+          <p:cNvPr id="5" name="TextBox 4">
+            <a:extLst>
+              <a:ext uri="{FF2B5EF4-FFF2-40B4-BE49-F238E27FC236}">
+                <a16:creationId xmlns:a16="http://schemas.microsoft.com/office/drawing/2014/main" id="{07BAB8A7-7DA7-5FC9-6FA1-A42250BD537F}"/>
+              </a:ext>
+            </a:extLst>
+          </p:cNvPr>
+          <p:cNvSpPr txBox="1"/>
+          <p:nvPr/>
+        </p:nvSpPr>
+        <p:spPr>
+          <a:xfrm>
+            <a:off x="198355" y="153015"/>
+            <a:ext cx="4000500" cy="646331"/>
+          </a:xfrm>
+          <a:prstGeom prst="rect">
+            <a:avLst/>
+          </a:prstGeom>
+          <a:noFill/>
+        </p:spPr>
+        <p:txBody>
+          <a:bodyPr wrap="square" rtlCol="0">
+            <a:spAutoFit/>
+          </a:bodyPr>
+          <a:lstStyle/>
+          <a:p>
+            <a:r>
+              <a:rPr lang="ko-KR" altLang="en-US" sz="3600" dirty="0"/>
+              <a:t>해상도</a:t>
+            </a:r>
+            <a:r>
+              <a:rPr lang="en-US" altLang="ko-KR" sz="3600" dirty="0"/>
+              <a:t>, </a:t>
+            </a:r>
+            <a:r>
+              <a:rPr lang="ko-KR" altLang="en-US" sz="3600" dirty="0"/>
+              <a:t>비율 </a:t>
+            </a:r>
+            <a:r>
+              <a:rPr lang="en-US" altLang="ko-KR" sz="3600" dirty="0"/>
+              <a:t>HUD</a:t>
+            </a:r>
+          </a:p>
+        </p:txBody>
+      </p:sp>
+      <p:sp>
+        <p:nvSpPr>
+          <p:cNvPr id="89" name="TextBox 88">
+            <a:extLst>
+              <a:ext uri="{FF2B5EF4-FFF2-40B4-BE49-F238E27FC236}">
+                <a16:creationId xmlns:a16="http://schemas.microsoft.com/office/drawing/2014/main" id="{258EC6E7-AB07-DEBA-3ADB-09B2DE21339D}"/>
+              </a:ext>
+            </a:extLst>
+          </p:cNvPr>
+          <p:cNvSpPr txBox="1"/>
+          <p:nvPr/>
+        </p:nvSpPr>
+        <p:spPr>
+          <a:xfrm>
+            <a:off x="-79096" y="825815"/>
+            <a:ext cx="4000500" cy="707886"/>
+          </a:xfrm>
+          <a:prstGeom prst="rect">
+            <a:avLst/>
+          </a:prstGeom>
+          <a:noFill/>
+        </p:spPr>
+        <p:txBody>
+          <a:bodyPr wrap="square" rtlCol="0">
+            <a:spAutoFit/>
+          </a:bodyPr>
+          <a:lstStyle/>
+          <a:p>
+            <a:r>
+              <a:rPr lang="en-US" altLang="ko-KR" sz="4000" dirty="0"/>
+              <a:t>  FHD 1080 * 1920</a:t>
+            </a:r>
+            <a:endParaRPr lang="ko-KR" altLang="en-US" sz="4000" dirty="0"/>
+          </a:p>
+        </p:txBody>
+      </p:sp>
+      <p:sp>
+        <p:nvSpPr>
+          <p:cNvPr id="27" name="사각형: 둥근 모서리 26">
+            <a:extLst>
+              <a:ext uri="{FF2B5EF4-FFF2-40B4-BE49-F238E27FC236}">
+                <a16:creationId xmlns:a16="http://schemas.microsoft.com/office/drawing/2014/main" id="{841F718B-E557-8EFE-B805-BF3946471271}"/>
+              </a:ext>
+            </a:extLst>
+          </p:cNvPr>
+          <p:cNvSpPr/>
+          <p:nvPr/>
+        </p:nvSpPr>
+        <p:spPr>
+          <a:xfrm>
+            <a:off x="283862" y="2970568"/>
+            <a:ext cx="3440430" cy="5520690"/>
+          </a:xfrm>
+          <a:prstGeom prst="roundRect">
+            <a:avLst>
+              <a:gd name="adj" fmla="val 7120"/>
+            </a:avLst>
+          </a:prstGeom>
+          <a:noFill/>
+          <a:ln w="9525" cap="flat" cmpd="sng" algn="ctr">
+            <a:solidFill>
+              <a:schemeClr val="accent1"/>
+            </a:solidFill>
+            <a:prstDash val="solid"/>
+            <a:round/>
+            <a:headEnd type="none" w="med" len="med"/>
+            <a:tailEnd type="none" w="med" len="med"/>
+          </a:ln>
+        </p:spPr>
+        <p:style>
+          <a:lnRef idx="0">
+            <a:scrgbClr r="0" g="0" b="0"/>
+          </a:lnRef>
+          <a:fillRef idx="0">
+            <a:scrgbClr r="0" g="0" b="0"/>
+          </a:fillRef>
+          <a:effectRef idx="0">
+            <a:scrgbClr r="0" g="0" b="0"/>
+          </a:effectRef>
+          <a:fontRef idx="minor">
+            <a:schemeClr val="accent1"/>
+          </a:fontRef>
+        </p:style>
+        <p:txBody>
+          <a:bodyPr rtlCol="0" anchor="ctr"/>
+          <a:lstStyle/>
+          <a:p>
+            <a:pPr algn="ctr"/>
+            <a:endParaRPr lang="ko-KR" altLang="en-US" sz="2223"/>
+          </a:p>
+        </p:txBody>
+      </p:sp>
+      <p:sp>
+        <p:nvSpPr>
+          <p:cNvPr id="56" name="사각형: 둥근 모서리 55">
+            <a:extLst>
+              <a:ext uri="{FF2B5EF4-FFF2-40B4-BE49-F238E27FC236}">
+                <a16:creationId xmlns:a16="http://schemas.microsoft.com/office/drawing/2014/main" id="{3A1A1C14-FC74-5974-C234-6D58412E49FC}"/>
+              </a:ext>
+            </a:extLst>
+          </p:cNvPr>
+          <p:cNvSpPr/>
+          <p:nvPr/>
+        </p:nvSpPr>
+        <p:spPr>
+          <a:xfrm>
+            <a:off x="390542" y="3210598"/>
+            <a:ext cx="3200400" cy="400050"/>
+          </a:xfrm>
+          <a:prstGeom prst="roundRect">
+            <a:avLst>
+              <a:gd name="adj" fmla="val 50000"/>
+            </a:avLst>
+          </a:prstGeom>
+          <a:noFill/>
+          <a:ln w="9525" cap="flat" cmpd="sng" algn="ctr">
+            <a:solidFill>
+              <a:schemeClr val="accent1"/>
+            </a:solidFill>
+            <a:prstDash val="solid"/>
+            <a:round/>
+            <a:headEnd type="none" w="med" len="med"/>
+            <a:tailEnd type="none" w="med" len="med"/>
+          </a:ln>
+        </p:spPr>
+        <p:style>
+          <a:lnRef idx="0">
+            <a:scrgbClr r="0" g="0" b="0"/>
+          </a:lnRef>
+          <a:fillRef idx="0">
+            <a:scrgbClr r="0" g="0" b="0"/>
+          </a:fillRef>
+          <a:effectRef idx="0">
+            <a:scrgbClr r="0" g="0" b="0"/>
+          </a:effectRef>
+          <a:fontRef idx="minor">
+            <a:schemeClr val="accent1"/>
+          </a:fontRef>
+        </p:style>
+        <p:txBody>
+          <a:bodyPr rtlCol="0" anchor="ctr"/>
+          <a:lstStyle/>
+          <a:p>
+            <a:pPr algn="ctr"/>
+            <a:endParaRPr lang="ko-KR" altLang="en-US" sz="2223"/>
+          </a:p>
+        </p:txBody>
+      </p:sp>
+      <p:sp>
+        <p:nvSpPr>
+          <p:cNvPr id="126" name="사각형: 둥근 모서리 125">
+            <a:extLst>
+              <a:ext uri="{FF2B5EF4-FFF2-40B4-BE49-F238E27FC236}">
+                <a16:creationId xmlns:a16="http://schemas.microsoft.com/office/drawing/2014/main" id="{8A55657D-EF56-286C-7175-23B59C060AB5}"/>
+              </a:ext>
+            </a:extLst>
+          </p:cNvPr>
+          <p:cNvSpPr/>
+          <p:nvPr/>
+        </p:nvSpPr>
+        <p:spPr>
+          <a:xfrm>
+            <a:off x="523892" y="3290608"/>
+            <a:ext cx="2960370" cy="240030"/>
+          </a:xfrm>
+          <a:prstGeom prst="roundRect">
+            <a:avLst/>
+          </a:prstGeom>
+          <a:noFill/>
+          <a:ln w="9525" cap="flat" cmpd="sng" algn="ctr">
+            <a:solidFill>
+              <a:schemeClr val="accent1"/>
+            </a:solidFill>
+            <a:prstDash val="solid"/>
+            <a:round/>
+            <a:headEnd type="none" w="med" len="med"/>
+            <a:tailEnd type="none" w="med" len="med"/>
+          </a:ln>
+        </p:spPr>
+        <p:style>
+          <a:lnRef idx="0">
+            <a:scrgbClr r="0" g="0" b="0"/>
+          </a:lnRef>
+          <a:fillRef idx="0">
+            <a:scrgbClr r="0" g="0" b="0"/>
+          </a:fillRef>
+          <a:effectRef idx="0">
+            <a:scrgbClr r="0" g="0" b="0"/>
+          </a:effectRef>
+          <a:fontRef idx="minor">
+            <a:schemeClr val="accent1"/>
+          </a:fontRef>
+        </p:style>
+        <p:txBody>
+          <a:bodyPr rtlCol="0" anchor="ctr"/>
+          <a:lstStyle/>
+          <a:p>
+            <a:pPr algn="ctr"/>
+            <a:endParaRPr lang="ko-KR" altLang="en-US" sz="840" dirty="0"/>
+          </a:p>
+        </p:txBody>
+      </p:sp>
+      <p:sp>
+        <p:nvSpPr>
+          <p:cNvPr id="127" name="사각형: 둥근 모서리 126">
+            <a:extLst>
+              <a:ext uri="{FF2B5EF4-FFF2-40B4-BE49-F238E27FC236}">
+                <a16:creationId xmlns:a16="http://schemas.microsoft.com/office/drawing/2014/main" id="{0262542B-7421-46FA-C5A0-8902B49DF8E4}"/>
+              </a:ext>
+            </a:extLst>
+          </p:cNvPr>
+          <p:cNvSpPr/>
+          <p:nvPr/>
+        </p:nvSpPr>
+        <p:spPr>
+          <a:xfrm>
+            <a:off x="1319389" y="3663990"/>
+            <a:ext cx="1453365" cy="548309"/>
+          </a:xfrm>
+          <a:prstGeom prst="roundRect">
+            <a:avLst/>
+          </a:prstGeom>
+          <a:noFill/>
+          <a:ln w="9525" cap="flat" cmpd="sng" algn="ctr">
+            <a:solidFill>
+              <a:schemeClr val="accent1"/>
+            </a:solidFill>
+            <a:prstDash val="solid"/>
+            <a:round/>
+            <a:headEnd type="none" w="med" len="med"/>
+            <a:tailEnd type="none" w="med" len="med"/>
+          </a:ln>
+        </p:spPr>
+        <p:style>
+          <a:lnRef idx="0">
+            <a:scrgbClr r="0" g="0" b="0"/>
+          </a:lnRef>
+          <a:fillRef idx="0">
+            <a:scrgbClr r="0" g="0" b="0"/>
+          </a:fillRef>
+          <a:effectRef idx="0">
+            <a:scrgbClr r="0" g="0" b="0"/>
+          </a:effectRef>
+          <a:fontRef idx="minor">
+            <a:schemeClr val="accent1"/>
+          </a:fontRef>
+        </p:style>
+        <p:txBody>
+          <a:bodyPr rtlCol="0" anchor="ctr"/>
+          <a:lstStyle/>
+          <a:p>
+            <a:pPr algn="ctr"/>
+            <a:r>
+              <a:rPr lang="ko-KR" altLang="en-US" sz="840" dirty="0"/>
+              <a:t>몬스터 웨이브 이름</a:t>
+            </a:r>
+          </a:p>
+        </p:txBody>
+      </p:sp>
+      <p:sp>
+        <p:nvSpPr>
+          <p:cNvPr id="128" name="타원 127">
+            <a:extLst>
+              <a:ext uri="{FF2B5EF4-FFF2-40B4-BE49-F238E27FC236}">
+                <a16:creationId xmlns:a16="http://schemas.microsoft.com/office/drawing/2014/main" id="{163F906A-2955-7737-899D-2FFFD47D3040}"/>
+              </a:ext>
+            </a:extLst>
+          </p:cNvPr>
+          <p:cNvSpPr/>
+          <p:nvPr/>
+        </p:nvSpPr>
+        <p:spPr>
+          <a:xfrm>
+            <a:off x="1964072" y="3050578"/>
+            <a:ext cx="80010" cy="80010"/>
+          </a:xfrm>
+          <a:prstGeom prst="ellipse">
+            <a:avLst/>
+          </a:prstGeom>
+        </p:spPr>
+        <p:style>
+          <a:lnRef idx="2">
+            <a:schemeClr val="accent1">
+              <a:shade val="15000"/>
+            </a:schemeClr>
+          </a:lnRef>
+          <a:fillRef idx="1">
+            <a:schemeClr val="accent1"/>
+          </a:fillRef>
+          <a:effectRef idx="0">
+            <a:schemeClr val="accent1"/>
+          </a:effectRef>
+          <a:fontRef idx="minor">
+            <a:schemeClr val="lt1"/>
+          </a:fontRef>
+        </p:style>
+        <p:txBody>
+          <a:bodyPr rtlCol="0" anchor="ctr"/>
+          <a:lstStyle/>
+          <a:p>
+            <a:pPr algn="ctr"/>
+            <a:endParaRPr lang="ko-KR" altLang="en-US" sz="2223"/>
+          </a:p>
+        </p:txBody>
+      </p:sp>
+      <p:sp>
+        <p:nvSpPr>
+          <p:cNvPr id="130" name="사각형: 둥근 모서리 129">
+            <a:extLst>
+              <a:ext uri="{FF2B5EF4-FFF2-40B4-BE49-F238E27FC236}">
+                <a16:creationId xmlns:a16="http://schemas.microsoft.com/office/drawing/2014/main" id="{9136942E-46EB-B174-B5A1-19189FFE739D}"/>
+              </a:ext>
+            </a:extLst>
+          </p:cNvPr>
+          <p:cNvSpPr/>
+          <p:nvPr/>
+        </p:nvSpPr>
+        <p:spPr>
+          <a:xfrm>
+            <a:off x="523894" y="3290608"/>
+            <a:ext cx="433189" cy="240030"/>
+          </a:xfrm>
+          <a:prstGeom prst="roundRect">
+            <a:avLst/>
+          </a:prstGeom>
+          <a:noFill/>
+          <a:ln w="9525" cap="flat" cmpd="sng" algn="ctr">
+            <a:solidFill>
+              <a:schemeClr val="accent1"/>
+            </a:solidFill>
+            <a:prstDash val="solid"/>
+            <a:round/>
+            <a:headEnd type="none" w="med" len="med"/>
+            <a:tailEnd type="none" w="med" len="med"/>
+          </a:ln>
+        </p:spPr>
+        <p:style>
+          <a:lnRef idx="0">
+            <a:scrgbClr r="0" g="0" b="0"/>
+          </a:lnRef>
+          <a:fillRef idx="0">
+            <a:scrgbClr r="0" g="0" b="0"/>
+          </a:fillRef>
+          <a:effectRef idx="0">
+            <a:scrgbClr r="0" g="0" b="0"/>
+          </a:effectRef>
+          <a:fontRef idx="minor">
+            <a:schemeClr val="accent1"/>
+          </a:fontRef>
+        </p:style>
+        <p:txBody>
+          <a:bodyPr rtlCol="0" anchor="ctr"/>
+          <a:lstStyle/>
+          <a:p>
+            <a:pPr algn="ctr"/>
+            <a:r>
+              <a:rPr lang="ko-KR" altLang="en-US" sz="840" dirty="0"/>
+              <a:t>레벨</a:t>
+            </a:r>
+          </a:p>
+        </p:txBody>
+      </p:sp>
+      <p:sp>
+        <p:nvSpPr>
+          <p:cNvPr id="131" name="사각형: 둥근 모서리 130">
+            <a:extLst>
+              <a:ext uri="{FF2B5EF4-FFF2-40B4-BE49-F238E27FC236}">
+                <a16:creationId xmlns:a16="http://schemas.microsoft.com/office/drawing/2014/main" id="{7558F859-C9D2-5703-C4E5-04AF9FFF42A1}"/>
+              </a:ext>
+            </a:extLst>
+          </p:cNvPr>
+          <p:cNvSpPr/>
+          <p:nvPr/>
+        </p:nvSpPr>
+        <p:spPr>
+          <a:xfrm>
+            <a:off x="984150" y="3290608"/>
+            <a:ext cx="2500114" cy="240030"/>
+          </a:xfrm>
+          <a:prstGeom prst="roundRect">
+            <a:avLst/>
+          </a:prstGeom>
+          <a:solidFill>
+            <a:schemeClr val="accent6">
+              <a:lumMod val="40000"/>
+              <a:lumOff val="60000"/>
+            </a:schemeClr>
+          </a:solidFill>
+          <a:ln w="9525" cap="flat" cmpd="sng" algn="ctr">
+            <a:solidFill>
+              <a:schemeClr val="accent1"/>
+            </a:solidFill>
+            <a:prstDash val="solid"/>
+            <a:round/>
+            <a:headEnd type="none" w="med" len="med"/>
+            <a:tailEnd type="none" w="med" len="med"/>
+          </a:ln>
+        </p:spPr>
+        <p:style>
+          <a:lnRef idx="0">
+            <a:scrgbClr r="0" g="0" b="0"/>
+          </a:lnRef>
+          <a:fillRef idx="0">
+            <a:scrgbClr r="0" g="0" b="0"/>
+          </a:fillRef>
+          <a:effectRef idx="0">
+            <a:scrgbClr r="0" g="0" b="0"/>
+          </a:effectRef>
+          <a:fontRef idx="minor">
+            <a:schemeClr val="accent1"/>
+          </a:fontRef>
+        </p:style>
+        <p:txBody>
+          <a:bodyPr rtlCol="0" anchor="ctr"/>
+          <a:lstStyle/>
+          <a:p>
+            <a:pPr algn="ctr"/>
+            <a:r>
+              <a:rPr lang="ko-KR" altLang="en-US" sz="840" dirty="0"/>
+              <a:t>경험치</a:t>
+            </a:r>
+          </a:p>
+        </p:txBody>
+      </p:sp>
+      <p:sp>
+        <p:nvSpPr>
+          <p:cNvPr id="132" name="사각형: 둥근 모서리 131">
+            <a:extLst>
+              <a:ext uri="{FF2B5EF4-FFF2-40B4-BE49-F238E27FC236}">
+                <a16:creationId xmlns:a16="http://schemas.microsoft.com/office/drawing/2014/main" id="{7B41D6B4-492A-6A26-015C-80FA9C6A586B}"/>
+              </a:ext>
+            </a:extLst>
+          </p:cNvPr>
+          <p:cNvSpPr/>
+          <p:nvPr/>
+        </p:nvSpPr>
+        <p:spPr>
+          <a:xfrm>
+            <a:off x="385790" y="3663994"/>
+            <a:ext cx="831672" cy="254445"/>
+          </a:xfrm>
+          <a:prstGeom prst="roundRect">
+            <a:avLst/>
+          </a:prstGeom>
+          <a:noFill/>
+          <a:ln w="9525" cap="flat" cmpd="sng" algn="ctr">
+            <a:solidFill>
+              <a:schemeClr val="accent1"/>
+            </a:solidFill>
+            <a:prstDash val="solid"/>
+            <a:round/>
+            <a:headEnd type="none" w="med" len="med"/>
+            <a:tailEnd type="none" w="med" len="med"/>
+          </a:ln>
+        </p:spPr>
+        <p:style>
+          <a:lnRef idx="0">
+            <a:scrgbClr r="0" g="0" b="0"/>
+          </a:lnRef>
+          <a:fillRef idx="0">
+            <a:scrgbClr r="0" g="0" b="0"/>
+          </a:fillRef>
+          <a:effectRef idx="0">
+            <a:scrgbClr r="0" g="0" b="0"/>
+          </a:effectRef>
+          <a:fontRef idx="minor">
+            <a:schemeClr val="accent1"/>
+          </a:fontRef>
+        </p:style>
+        <p:txBody>
+          <a:bodyPr rtlCol="0" anchor="ctr"/>
+          <a:lstStyle/>
+          <a:p>
+            <a:pPr algn="ctr"/>
+            <a:r>
+              <a:rPr lang="en-US" altLang="ko-KR" sz="1155" dirty="0"/>
+              <a:t>00:01</a:t>
+            </a:r>
+            <a:endParaRPr lang="ko-KR" altLang="en-US" sz="1155" dirty="0"/>
+          </a:p>
+        </p:txBody>
+      </p:sp>
+      <p:sp>
+        <p:nvSpPr>
+          <p:cNvPr id="133" name="사각형: 둥근 모서리 132">
+            <a:extLst>
+              <a:ext uri="{FF2B5EF4-FFF2-40B4-BE49-F238E27FC236}">
+                <a16:creationId xmlns:a16="http://schemas.microsoft.com/office/drawing/2014/main" id="{17C5D543-3735-2A42-AD64-6985E8366670}"/>
+              </a:ext>
+            </a:extLst>
+          </p:cNvPr>
+          <p:cNvSpPr/>
+          <p:nvPr/>
+        </p:nvSpPr>
+        <p:spPr>
+          <a:xfrm>
+            <a:off x="2877323" y="3663993"/>
+            <a:ext cx="647729" cy="254445"/>
+          </a:xfrm>
+          <a:prstGeom prst="roundRect">
+            <a:avLst/>
+          </a:prstGeom>
+          <a:noFill/>
+          <a:ln w="9525" cap="flat" cmpd="sng" algn="ctr">
+            <a:solidFill>
+              <a:schemeClr val="accent1"/>
+            </a:solidFill>
+            <a:prstDash val="solid"/>
+            <a:round/>
+            <a:headEnd type="none" w="med" len="med"/>
+            <a:tailEnd type="none" w="med" len="med"/>
+          </a:ln>
+        </p:spPr>
+        <p:style>
+          <a:lnRef idx="0">
+            <a:scrgbClr r="0" g="0" b="0"/>
+          </a:lnRef>
+          <a:fillRef idx="0">
+            <a:scrgbClr r="0" g="0" b="0"/>
+          </a:fillRef>
+          <a:effectRef idx="0">
+            <a:scrgbClr r="0" g="0" b="0"/>
+          </a:effectRef>
+          <a:fontRef idx="minor">
+            <a:schemeClr val="accent1"/>
+          </a:fontRef>
+        </p:style>
+        <p:txBody>
+          <a:bodyPr rtlCol="0" anchor="ctr"/>
+          <a:lstStyle/>
+          <a:p>
+            <a:pPr algn="ctr"/>
+            <a:r>
+              <a:rPr lang="ko-KR" altLang="en-US" sz="1155" dirty="0"/>
+              <a:t>킬</a:t>
+            </a:r>
+          </a:p>
+        </p:txBody>
+      </p:sp>
+      <p:sp>
+        <p:nvSpPr>
+          <p:cNvPr id="134" name="사각형: 둥근 모서리 133">
+            <a:extLst>
+              <a:ext uri="{FF2B5EF4-FFF2-40B4-BE49-F238E27FC236}">
+                <a16:creationId xmlns:a16="http://schemas.microsoft.com/office/drawing/2014/main" id="{7D9C60FA-F8D4-01C5-247F-CC0D065DB114}"/>
+              </a:ext>
+            </a:extLst>
+          </p:cNvPr>
+          <p:cNvSpPr/>
+          <p:nvPr/>
+        </p:nvSpPr>
+        <p:spPr>
+          <a:xfrm>
+            <a:off x="2877323" y="3957855"/>
+            <a:ext cx="647729" cy="254445"/>
+          </a:xfrm>
+          <a:prstGeom prst="roundRect">
+            <a:avLst/>
+          </a:prstGeom>
+          <a:noFill/>
+          <a:ln w="9525" cap="flat" cmpd="sng" algn="ctr">
+            <a:solidFill>
+              <a:schemeClr val="accent1"/>
+            </a:solidFill>
+            <a:prstDash val="solid"/>
+            <a:round/>
+            <a:headEnd type="none" w="med" len="med"/>
+            <a:tailEnd type="none" w="med" len="med"/>
+          </a:ln>
+        </p:spPr>
+        <p:style>
+          <a:lnRef idx="0">
+            <a:scrgbClr r="0" g="0" b="0"/>
+          </a:lnRef>
+          <a:fillRef idx="0">
+            <a:scrgbClr r="0" g="0" b="0"/>
+          </a:fillRef>
+          <a:effectRef idx="0">
+            <a:scrgbClr r="0" g="0" b="0"/>
+          </a:effectRef>
+          <a:fontRef idx="minor">
+            <a:schemeClr val="accent1"/>
+          </a:fontRef>
+        </p:style>
+        <p:txBody>
+          <a:bodyPr rtlCol="0" anchor="ctr"/>
+          <a:lstStyle/>
+          <a:p>
+            <a:pPr algn="ctr"/>
+            <a:r>
+              <a:rPr lang="ko-KR" altLang="en-US" sz="1104" dirty="0"/>
+              <a:t>골드</a:t>
+            </a:r>
+          </a:p>
+        </p:txBody>
+      </p:sp>
+      <p:sp>
+        <p:nvSpPr>
+          <p:cNvPr id="135" name="사각형: 둥근 모서리 134">
+            <a:extLst>
+              <a:ext uri="{FF2B5EF4-FFF2-40B4-BE49-F238E27FC236}">
+                <a16:creationId xmlns:a16="http://schemas.microsoft.com/office/drawing/2014/main" id="{9F6C2136-02B7-5991-71A8-F1E810FD0B04}"/>
+              </a:ext>
+            </a:extLst>
+          </p:cNvPr>
+          <p:cNvSpPr/>
+          <p:nvPr/>
+        </p:nvSpPr>
+        <p:spPr>
+          <a:xfrm>
+            <a:off x="1705514" y="5516101"/>
+            <a:ext cx="597130" cy="572883"/>
+          </a:xfrm>
+          <a:prstGeom prst="roundRect">
+            <a:avLst/>
+          </a:prstGeom>
+          <a:noFill/>
+          <a:ln w="9525" cap="flat" cmpd="sng" algn="ctr">
+            <a:solidFill>
+              <a:schemeClr val="accent1"/>
+            </a:solidFill>
+            <a:prstDash val="solid"/>
+            <a:round/>
+            <a:headEnd type="none" w="med" len="med"/>
+            <a:tailEnd type="none" w="med" len="med"/>
+          </a:ln>
+        </p:spPr>
+        <p:style>
+          <a:lnRef idx="0">
+            <a:scrgbClr r="0" g="0" b="0"/>
+          </a:lnRef>
+          <a:fillRef idx="0">
+            <a:scrgbClr r="0" g="0" b="0"/>
+          </a:fillRef>
+          <a:effectRef idx="0">
+            <a:scrgbClr r="0" g="0" b="0"/>
+          </a:effectRef>
+          <a:fontRef idx="minor">
+            <a:schemeClr val="accent1"/>
+          </a:fontRef>
+        </p:style>
+        <p:txBody>
+          <a:bodyPr rtlCol="0" anchor="ctr"/>
+          <a:lstStyle/>
+          <a:p>
+            <a:pPr algn="ctr"/>
+            <a:r>
+              <a:rPr lang="ko-KR" altLang="en-US" sz="735" dirty="0"/>
+              <a:t>캐릭터</a:t>
+            </a:r>
+          </a:p>
+        </p:txBody>
+      </p:sp>
+      <p:grpSp>
+        <p:nvGrpSpPr>
+          <p:cNvPr id="136" name="그룹 135">
+            <a:extLst>
+              <a:ext uri="{FF2B5EF4-FFF2-40B4-BE49-F238E27FC236}">
+                <a16:creationId xmlns:a16="http://schemas.microsoft.com/office/drawing/2014/main" id="{0E4FFCFA-A348-5F0E-FA7D-54E838A2D082}"/>
+              </a:ext>
+            </a:extLst>
+          </p:cNvPr>
+          <p:cNvGrpSpPr/>
+          <p:nvPr/>
+        </p:nvGrpSpPr>
+        <p:grpSpPr>
+          <a:xfrm>
+            <a:off x="1622036" y="6874773"/>
+            <a:ext cx="737411" cy="773958"/>
+            <a:chOff x="8367917" y="5207716"/>
+            <a:chExt cx="702296" cy="737103"/>
+          </a:xfrm>
+        </p:grpSpPr>
+        <p:sp>
+          <p:nvSpPr>
+            <p:cNvPr id="137" name="타원 136">
+              <a:extLst>
+                <a:ext uri="{FF2B5EF4-FFF2-40B4-BE49-F238E27FC236}">
+                  <a16:creationId xmlns:a16="http://schemas.microsoft.com/office/drawing/2014/main" id="{E1F8FB8F-6ED9-2DF1-2858-05DF67A19D0B}"/>
+                </a:ext>
+              </a:extLst>
+            </p:cNvPr>
+            <p:cNvSpPr/>
+            <p:nvPr/>
+          </p:nvSpPr>
+          <p:spPr>
+            <a:xfrm>
+              <a:off x="8367917" y="5207716"/>
+              <a:ext cx="702296" cy="737103"/>
+            </a:xfrm>
+            <a:prstGeom prst="ellipse">
+              <a:avLst/>
+            </a:prstGeom>
+            <a:solidFill>
+              <a:schemeClr val="bg2">
+                <a:lumMod val="90000"/>
+              </a:schemeClr>
+            </a:solidFill>
+          </p:spPr>
+          <p:style>
+            <a:lnRef idx="2">
+              <a:schemeClr val="accent1">
+                <a:shade val="15000"/>
+              </a:schemeClr>
+            </a:lnRef>
+            <a:fillRef idx="1">
+              <a:schemeClr val="accent1"/>
+            </a:fillRef>
+            <a:effectRef idx="0">
+              <a:schemeClr val="accent1"/>
+            </a:effectRef>
+            <a:fontRef idx="minor">
+              <a:schemeClr val="lt1"/>
+            </a:fontRef>
+          </p:style>
+          <p:txBody>
+            <a:bodyPr rtlCol="0" anchor="ctr"/>
+            <a:lstStyle/>
+            <a:p>
+              <a:pPr algn="ctr"/>
+              <a:endParaRPr lang="ko-KR" altLang="en-US" sz="2223"/>
+            </a:p>
+          </p:txBody>
+        </p:sp>
+        <p:sp>
+          <p:nvSpPr>
+            <p:cNvPr id="138" name="타원 137">
+              <a:extLst>
+                <a:ext uri="{FF2B5EF4-FFF2-40B4-BE49-F238E27FC236}">
+                  <a16:creationId xmlns:a16="http://schemas.microsoft.com/office/drawing/2014/main" id="{D11C5790-6915-A7A1-EF75-9E7F48A351AC}"/>
+                </a:ext>
+              </a:extLst>
+            </p:cNvPr>
+            <p:cNvSpPr/>
+            <p:nvPr/>
+          </p:nvSpPr>
+          <p:spPr>
+            <a:xfrm>
+              <a:off x="8495700" y="5350598"/>
+              <a:ext cx="446729" cy="457215"/>
+            </a:xfrm>
+            <a:prstGeom prst="ellipse">
+              <a:avLst/>
+            </a:prstGeom>
+            <a:solidFill>
+              <a:schemeClr val="accent1">
+                <a:lumMod val="40000"/>
+                <a:lumOff val="60000"/>
+              </a:schemeClr>
+            </a:solidFill>
+          </p:spPr>
+          <p:style>
+            <a:lnRef idx="2">
+              <a:schemeClr val="accent1">
+                <a:shade val="15000"/>
+              </a:schemeClr>
+            </a:lnRef>
+            <a:fillRef idx="1">
+              <a:schemeClr val="accent1"/>
+            </a:fillRef>
+            <a:effectRef idx="0">
+              <a:schemeClr val="accent1"/>
+            </a:effectRef>
+            <a:fontRef idx="minor">
+              <a:schemeClr val="lt1"/>
+            </a:fontRef>
+          </p:style>
+          <p:txBody>
+            <a:bodyPr rtlCol="0" anchor="ctr"/>
+            <a:lstStyle/>
+            <a:p>
+              <a:pPr algn="ctr"/>
+              <a:endParaRPr lang="ko-KR" altLang="en-US" sz="2223"/>
+            </a:p>
+          </p:txBody>
+        </p:sp>
+      </p:grpSp>
+      <p:sp>
+        <p:nvSpPr>
+          <p:cNvPr id="378" name="TextBox 377">
+            <a:extLst>
+              <a:ext uri="{FF2B5EF4-FFF2-40B4-BE49-F238E27FC236}">
+                <a16:creationId xmlns:a16="http://schemas.microsoft.com/office/drawing/2014/main" id="{A28D9B72-ACD4-EAA2-5C04-85BF1C5BB6DC}"/>
+              </a:ext>
+            </a:extLst>
+          </p:cNvPr>
+          <p:cNvSpPr txBox="1"/>
+          <p:nvPr/>
+        </p:nvSpPr>
+        <p:spPr>
+          <a:xfrm>
+            <a:off x="275819" y="1538448"/>
+            <a:ext cx="6868751" cy="646331"/>
+          </a:xfrm>
+          <a:prstGeom prst="rect">
+            <a:avLst/>
+          </a:prstGeom>
+          <a:noFill/>
+        </p:spPr>
+        <p:txBody>
+          <a:bodyPr wrap="square" rtlCol="0">
+            <a:spAutoFit/>
+          </a:bodyPr>
+          <a:lstStyle/>
+          <a:p>
+            <a:r>
+              <a:rPr lang="ko-KR" altLang="en-US" dirty="0"/>
+              <a:t>각 </a:t>
+            </a:r>
+            <a:r>
+              <a:rPr lang="en-US" altLang="ko-KR" dirty="0"/>
+              <a:t>UI</a:t>
+            </a:r>
+            <a:r>
+              <a:rPr lang="ko-KR" altLang="en-US" dirty="0"/>
+              <a:t>에는 앵커가 꼽혀 있어 화면의 비율이 달라져도 </a:t>
+            </a:r>
+            <a:br>
+              <a:rPr lang="en-US" altLang="ko-KR" dirty="0"/>
+            </a:br>
+            <a:r>
+              <a:rPr lang="ko-KR" altLang="en-US" dirty="0"/>
+              <a:t>비율이 변하지 않는다</a:t>
+            </a:r>
+            <a:r>
+              <a:rPr lang="en-US" altLang="ko-KR" dirty="0"/>
+              <a:t>.</a:t>
+            </a:r>
+            <a:endParaRPr lang="ko-KR" altLang="en-US" dirty="0"/>
+          </a:p>
+        </p:txBody>
+      </p:sp>
+      <p:pic>
+        <p:nvPicPr>
+          <p:cNvPr id="3" name="그림 2">
+            <a:extLst>
+              <a:ext uri="{FF2B5EF4-FFF2-40B4-BE49-F238E27FC236}">
+                <a16:creationId xmlns:a16="http://schemas.microsoft.com/office/drawing/2014/main" id="{942ECE37-4A60-0EAD-8292-A165366E8AD8}"/>
+              </a:ext>
+            </a:extLst>
+          </p:cNvPr>
+          <p:cNvPicPr>
+            <a:picLocks noChangeAspect="1"/>
+          </p:cNvPicPr>
+          <p:nvPr/>
+        </p:nvPicPr>
+        <p:blipFill>
+          <a:blip r:embed="rId3"/>
+          <a:stretch>
+            <a:fillRect/>
+          </a:stretch>
+        </p:blipFill>
+        <p:spPr>
+          <a:xfrm>
+            <a:off x="298866" y="8143096"/>
+            <a:ext cx="3425426" cy="348162"/>
+          </a:xfrm>
+          <a:prstGeom prst="rect">
+            <a:avLst/>
+          </a:prstGeom>
+        </p:spPr>
+      </p:pic>
+    </p:spTree>
+    <p:extLst>
+      <p:ext uri="{BB962C8B-B14F-4D97-AF65-F5344CB8AC3E}">
+        <p14:creationId xmlns:p14="http://schemas.microsoft.com/office/powerpoint/2010/main" val="1395196747"/>
+      </p:ext>
+    </p:extLst>
+  </p:cSld>
+  <p:clrMapOvr>
+    <a:masterClrMapping/>
+  </p:clrMapOvr>
+</p:sld>
+</file>
+
+<file path=ppt/slides/slide4.xml><?xml version="1.0" encoding="utf-8"?>
+<p:sld xmlns:a="http://schemas.openxmlformats.org/drawingml/2006/main" xmlns:r="http://schemas.openxmlformats.org/officeDocument/2006/relationships" xmlns:p="http://schemas.openxmlformats.org/presentationml/2006/main">
+  <p:cSld>
+    <p:spTree>
+      <p:nvGrpSpPr>
+        <p:cNvPr id="1" name=""/>
+        <p:cNvGrpSpPr/>
+        <p:nvPr/>
+      </p:nvGrpSpPr>
+      <p:grpSpPr>
+        <a:xfrm>
+          <a:off x="0" y="0"/>
+          <a:ext cx="0" cy="0"/>
+          <a:chOff x="0" y="0"/>
+          <a:chExt cx="0" cy="0"/>
+        </a:xfrm>
+      </p:grpSpPr>
       <p:grpSp>
         <p:nvGrpSpPr>
           <p:cNvPr id="70" name="그룹 69">
@@ -16230,7 +17309,7 @@
 </p:sld>
 </file>
 
-<file path=ppt/slides/slide4.xml><?xml version="1.0" encoding="utf-8"?>
+<file path=ppt/slides/slide5.xml><?xml version="1.0" encoding="utf-8"?>
 <p:sld xmlns:a="http://schemas.openxmlformats.org/drawingml/2006/main" xmlns:r="http://schemas.openxmlformats.org/officeDocument/2006/relationships" xmlns:p="http://schemas.openxmlformats.org/presentationml/2006/main">
   <p:cSld>
     <p:spTree>
@@ -21800,7 +22879,7 @@
 </p:sld>
 </file>
 
-<file path=ppt/slides/slide5.xml><?xml version="1.0" encoding="utf-8"?>
+<file path=ppt/slides/slide6.xml><?xml version="1.0" encoding="utf-8"?>
 <p:sld xmlns:a="http://schemas.openxmlformats.org/drawingml/2006/main" xmlns:r="http://schemas.openxmlformats.org/officeDocument/2006/relationships" xmlns:p="http://schemas.openxmlformats.org/presentationml/2006/main">
   <p:cSld>
     <p:spTree>
@@ -25639,7 +26718,7 @@
 </p:sld>
 </file>
 
-<file path=ppt/slides/slide6.xml><?xml version="1.0" encoding="utf-8"?>
+<file path=ppt/slides/slide7.xml><?xml version="1.0" encoding="utf-8"?>
 <p:sld xmlns:a="http://schemas.openxmlformats.org/drawingml/2006/main" xmlns:r="http://schemas.openxmlformats.org/officeDocument/2006/relationships" xmlns:p="http://schemas.openxmlformats.org/presentationml/2006/main">
   <p:cSld>
     <p:spTree>
@@ -29154,7 +30233,7 @@
 </p:sld>
 </file>
 
-<file path=ppt/slides/slide7.xml><?xml version="1.0" encoding="utf-8"?>
+<file path=ppt/slides/slide8.xml><?xml version="1.0" encoding="utf-8"?>
 <p:sld xmlns:a="http://schemas.openxmlformats.org/drawingml/2006/main" xmlns:r="http://schemas.openxmlformats.org/officeDocument/2006/relationships" xmlns:p="http://schemas.openxmlformats.org/presentationml/2006/main">
   <p:cSld>
     <p:spTree>
@@ -32669,7 +33748,7 @@
 </p:sld>
 </file>
 
-<file path=ppt/slides/slide8.xml><?xml version="1.0" encoding="utf-8"?>
+<file path=ppt/slides/slide9.xml><?xml version="1.0" encoding="utf-8"?>
 <p:sld xmlns:a="http://schemas.openxmlformats.org/drawingml/2006/main" xmlns:r="http://schemas.openxmlformats.org/officeDocument/2006/relationships" xmlns:p="http://schemas.openxmlformats.org/presentationml/2006/main">
   <p:cSld>
     <p:spTree>

--- a/contents/동물서바이벌/동물서바이벌 ui 레이아웃.pptx
+++ b/contents/동물서바이벌/동물서바이벌 ui 레이아웃.pptx
@@ -206,7 +206,7 @@
           <a:p>
             <a:fld id="{FF64C1EB-C559-4618-8572-E141ED541865}" type="datetimeFigureOut">
               <a:rPr lang="ko-KR" altLang="en-US" smtClean="0"/>
-              <a:t>2024-05-24</a:t>
+              <a:t>2024-05-27</a:t>
             </a:fld>
             <a:endParaRPr lang="ko-KR" altLang="en-US"/>
           </a:p>
@@ -940,7 +940,7 @@
           <a:p>
             <a:fld id="{61660A64-7350-483A-AC7B-00A71C3870A6}" type="datetimeFigureOut">
               <a:rPr lang="ko-KR" altLang="en-US" smtClean="0"/>
-              <a:t>2024-05-24</a:t>
+              <a:t>2024-05-27</a:t>
             </a:fld>
             <a:endParaRPr lang="ko-KR" altLang="en-US"/>
           </a:p>
@@ -1110,7 +1110,7 @@
           <a:p>
             <a:fld id="{61660A64-7350-483A-AC7B-00A71C3870A6}" type="datetimeFigureOut">
               <a:rPr lang="ko-KR" altLang="en-US" smtClean="0"/>
-              <a:t>2024-05-24</a:t>
+              <a:t>2024-05-27</a:t>
             </a:fld>
             <a:endParaRPr lang="ko-KR" altLang="en-US"/>
           </a:p>
@@ -1290,7 +1290,7 @@
           <a:p>
             <a:fld id="{61660A64-7350-483A-AC7B-00A71C3870A6}" type="datetimeFigureOut">
               <a:rPr lang="ko-KR" altLang="en-US" smtClean="0"/>
-              <a:t>2024-05-24</a:t>
+              <a:t>2024-05-27</a:t>
             </a:fld>
             <a:endParaRPr lang="ko-KR" altLang="en-US"/>
           </a:p>
@@ -1460,7 +1460,7 @@
           <a:p>
             <a:fld id="{61660A64-7350-483A-AC7B-00A71C3870A6}" type="datetimeFigureOut">
               <a:rPr lang="ko-KR" altLang="en-US" smtClean="0"/>
-              <a:t>2024-05-24</a:t>
+              <a:t>2024-05-27</a:t>
             </a:fld>
             <a:endParaRPr lang="ko-KR" altLang="en-US"/>
           </a:p>
@@ -1704,7 +1704,7 @@
           <a:p>
             <a:fld id="{61660A64-7350-483A-AC7B-00A71C3870A6}" type="datetimeFigureOut">
               <a:rPr lang="ko-KR" altLang="en-US" smtClean="0"/>
-              <a:t>2024-05-24</a:t>
+              <a:t>2024-05-27</a:t>
             </a:fld>
             <a:endParaRPr lang="ko-KR" altLang="en-US"/>
           </a:p>
@@ -1936,7 +1936,7 @@
           <a:p>
             <a:fld id="{61660A64-7350-483A-AC7B-00A71C3870A6}" type="datetimeFigureOut">
               <a:rPr lang="ko-KR" altLang="en-US" smtClean="0"/>
-              <a:t>2024-05-24</a:t>
+              <a:t>2024-05-27</a:t>
             </a:fld>
             <a:endParaRPr lang="ko-KR" altLang="en-US"/>
           </a:p>
@@ -2303,7 +2303,7 @@
           <a:p>
             <a:fld id="{61660A64-7350-483A-AC7B-00A71C3870A6}" type="datetimeFigureOut">
               <a:rPr lang="ko-KR" altLang="en-US" smtClean="0"/>
-              <a:t>2024-05-24</a:t>
+              <a:t>2024-05-27</a:t>
             </a:fld>
             <a:endParaRPr lang="ko-KR" altLang="en-US"/>
           </a:p>
@@ -2421,7 +2421,7 @@
           <a:p>
             <a:fld id="{61660A64-7350-483A-AC7B-00A71C3870A6}" type="datetimeFigureOut">
               <a:rPr lang="ko-KR" altLang="en-US" smtClean="0"/>
-              <a:t>2024-05-24</a:t>
+              <a:t>2024-05-27</a:t>
             </a:fld>
             <a:endParaRPr lang="ko-KR" altLang="en-US"/>
           </a:p>
@@ -2516,7 +2516,7 @@
           <a:p>
             <a:fld id="{61660A64-7350-483A-AC7B-00A71C3870A6}" type="datetimeFigureOut">
               <a:rPr lang="ko-KR" altLang="en-US" smtClean="0"/>
-              <a:t>2024-05-24</a:t>
+              <a:t>2024-05-27</a:t>
             </a:fld>
             <a:endParaRPr lang="ko-KR" altLang="en-US"/>
           </a:p>
@@ -2793,7 +2793,7 @@
           <a:p>
             <a:fld id="{61660A64-7350-483A-AC7B-00A71C3870A6}" type="datetimeFigureOut">
               <a:rPr lang="ko-KR" altLang="en-US" smtClean="0"/>
-              <a:t>2024-05-24</a:t>
+              <a:t>2024-05-27</a:t>
             </a:fld>
             <a:endParaRPr lang="ko-KR" altLang="en-US"/>
           </a:p>
@@ -3050,7 +3050,7 @@
           <a:p>
             <a:fld id="{61660A64-7350-483A-AC7B-00A71C3870A6}" type="datetimeFigureOut">
               <a:rPr lang="ko-KR" altLang="en-US" smtClean="0"/>
-              <a:t>2024-05-24</a:t>
+              <a:t>2024-05-27</a:t>
             </a:fld>
             <a:endParaRPr lang="ko-KR" altLang="en-US"/>
           </a:p>
@@ -3263,7 +3263,7 @@
           <a:p>
             <a:fld id="{61660A64-7350-483A-AC7B-00A71C3870A6}" type="datetimeFigureOut">
               <a:rPr lang="ko-KR" altLang="en-US" smtClean="0"/>
-              <a:t>2024-05-24</a:t>
+              <a:t>2024-05-27</a:t>
             </a:fld>
             <a:endParaRPr lang="ko-KR" altLang="en-US"/>
           </a:p>

--- a/contents/동물서바이벌/동물서바이벌 ui 레이아웃.pptx
+++ b/contents/동물서바이벌/동물서바이벌 ui 레이아웃.pptx
@@ -206,7 +206,7 @@
           <a:p>
             <a:fld id="{FF64C1EB-C559-4618-8572-E141ED541865}" type="datetimeFigureOut">
               <a:rPr lang="ko-KR" altLang="en-US" smtClean="0"/>
-              <a:t>2024-05-27</a:t>
+              <a:t>2024-08-21</a:t>
             </a:fld>
             <a:endParaRPr lang="ko-KR" altLang="en-US"/>
           </a:p>
@@ -940,7 +940,7 @@
           <a:p>
             <a:fld id="{61660A64-7350-483A-AC7B-00A71C3870A6}" type="datetimeFigureOut">
               <a:rPr lang="ko-KR" altLang="en-US" smtClean="0"/>
-              <a:t>2024-05-27</a:t>
+              <a:t>2024-08-21</a:t>
             </a:fld>
             <a:endParaRPr lang="ko-KR" altLang="en-US"/>
           </a:p>
@@ -1110,7 +1110,7 @@
           <a:p>
             <a:fld id="{61660A64-7350-483A-AC7B-00A71C3870A6}" type="datetimeFigureOut">
               <a:rPr lang="ko-KR" altLang="en-US" smtClean="0"/>
-              <a:t>2024-05-27</a:t>
+              <a:t>2024-08-21</a:t>
             </a:fld>
             <a:endParaRPr lang="ko-KR" altLang="en-US"/>
           </a:p>
@@ -1290,7 +1290,7 @@
           <a:p>
             <a:fld id="{61660A64-7350-483A-AC7B-00A71C3870A6}" type="datetimeFigureOut">
               <a:rPr lang="ko-KR" altLang="en-US" smtClean="0"/>
-              <a:t>2024-05-27</a:t>
+              <a:t>2024-08-21</a:t>
             </a:fld>
             <a:endParaRPr lang="ko-KR" altLang="en-US"/>
           </a:p>
@@ -1460,7 +1460,7 @@
           <a:p>
             <a:fld id="{61660A64-7350-483A-AC7B-00A71C3870A6}" type="datetimeFigureOut">
               <a:rPr lang="ko-KR" altLang="en-US" smtClean="0"/>
-              <a:t>2024-05-27</a:t>
+              <a:t>2024-08-21</a:t>
             </a:fld>
             <a:endParaRPr lang="ko-KR" altLang="en-US"/>
           </a:p>
@@ -1704,7 +1704,7 @@
           <a:p>
             <a:fld id="{61660A64-7350-483A-AC7B-00A71C3870A6}" type="datetimeFigureOut">
               <a:rPr lang="ko-KR" altLang="en-US" smtClean="0"/>
-              <a:t>2024-05-27</a:t>
+              <a:t>2024-08-21</a:t>
             </a:fld>
             <a:endParaRPr lang="ko-KR" altLang="en-US"/>
           </a:p>
@@ -1936,7 +1936,7 @@
           <a:p>
             <a:fld id="{61660A64-7350-483A-AC7B-00A71C3870A6}" type="datetimeFigureOut">
               <a:rPr lang="ko-KR" altLang="en-US" smtClean="0"/>
-              <a:t>2024-05-27</a:t>
+              <a:t>2024-08-21</a:t>
             </a:fld>
             <a:endParaRPr lang="ko-KR" altLang="en-US"/>
           </a:p>
@@ -2303,7 +2303,7 @@
           <a:p>
             <a:fld id="{61660A64-7350-483A-AC7B-00A71C3870A6}" type="datetimeFigureOut">
               <a:rPr lang="ko-KR" altLang="en-US" smtClean="0"/>
-              <a:t>2024-05-27</a:t>
+              <a:t>2024-08-21</a:t>
             </a:fld>
             <a:endParaRPr lang="ko-KR" altLang="en-US"/>
           </a:p>
@@ -2421,7 +2421,7 @@
           <a:p>
             <a:fld id="{61660A64-7350-483A-AC7B-00A71C3870A6}" type="datetimeFigureOut">
               <a:rPr lang="ko-KR" altLang="en-US" smtClean="0"/>
-              <a:t>2024-05-27</a:t>
+              <a:t>2024-08-21</a:t>
             </a:fld>
             <a:endParaRPr lang="ko-KR" altLang="en-US"/>
           </a:p>
@@ -2516,7 +2516,7 @@
           <a:p>
             <a:fld id="{61660A64-7350-483A-AC7B-00A71C3870A6}" type="datetimeFigureOut">
               <a:rPr lang="ko-KR" altLang="en-US" smtClean="0"/>
-              <a:t>2024-05-27</a:t>
+              <a:t>2024-08-21</a:t>
             </a:fld>
             <a:endParaRPr lang="ko-KR" altLang="en-US"/>
           </a:p>
@@ -2793,7 +2793,7 @@
           <a:p>
             <a:fld id="{61660A64-7350-483A-AC7B-00A71C3870A6}" type="datetimeFigureOut">
               <a:rPr lang="ko-KR" altLang="en-US" smtClean="0"/>
-              <a:t>2024-05-27</a:t>
+              <a:t>2024-08-21</a:t>
             </a:fld>
             <a:endParaRPr lang="ko-KR" altLang="en-US"/>
           </a:p>
@@ -3050,7 +3050,7 @@
           <a:p>
             <a:fld id="{61660A64-7350-483A-AC7B-00A71C3870A6}" type="datetimeFigureOut">
               <a:rPr lang="ko-KR" altLang="en-US" smtClean="0"/>
-              <a:t>2024-05-27</a:t>
+              <a:t>2024-08-21</a:t>
             </a:fld>
             <a:endParaRPr lang="ko-KR" altLang="en-US"/>
           </a:p>
@@ -3263,7 +3263,7 @@
           <a:p>
             <a:fld id="{61660A64-7350-483A-AC7B-00A71C3870A6}" type="datetimeFigureOut">
               <a:rPr lang="ko-KR" altLang="en-US" smtClean="0"/>
-              <a:t>2024-05-27</a:t>
+              <a:t>2024-08-21</a:t>
             </a:fld>
             <a:endParaRPr lang="ko-KR" altLang="en-US"/>
           </a:p>
@@ -22448,10 +22448,10 @@
         </p:nvGrpSpPr>
         <p:grpSpPr>
           <a:xfrm>
-            <a:off x="11141196" y="3407914"/>
-            <a:ext cx="647729" cy="455642"/>
-            <a:chOff x="8547736" y="7751892"/>
-            <a:chExt cx="3512869" cy="455642"/>
+            <a:off x="11139852" y="3407914"/>
+            <a:ext cx="638420" cy="332531"/>
+            <a:chOff x="8540447" y="7751892"/>
+            <a:chExt cx="3462382" cy="332531"/>
           </a:xfrm>
         </p:grpSpPr>
         <p:sp>
@@ -22468,8 +22468,8 @@
           </p:nvSpPr>
           <p:spPr>
             <a:xfrm>
-              <a:off x="9016511" y="7838202"/>
-              <a:ext cx="3044094" cy="369332"/>
+              <a:off x="8540447" y="7838202"/>
+              <a:ext cx="3462382" cy="246221"/>
             </a:xfrm>
             <a:prstGeom prst="rect">
               <a:avLst/>
@@ -22482,11 +22482,12 @@
             </a:bodyPr>
             <a:lstStyle/>
             <a:p>
+              <a:pPr algn="ctr"/>
               <a:r>
-                <a:rPr lang="en-US" altLang="ko-KR" dirty="0"/>
+                <a:rPr lang="en-US" altLang="ko-KR" sz="1000" dirty="0"/>
                 <a:t>220</a:t>
               </a:r>
-              <a:endParaRPr lang="ko-KR" altLang="en-US" dirty="0"/>
+              <a:endParaRPr lang="ko-KR" altLang="en-US" sz="1000" dirty="0"/>
             </a:p>
           </p:txBody>
         </p:sp>
@@ -22636,10 +22637,10 @@
         </p:nvGrpSpPr>
         <p:grpSpPr>
           <a:xfrm>
-            <a:off x="8649660" y="3157427"/>
-            <a:ext cx="857849" cy="455642"/>
-            <a:chOff x="8547736" y="7751892"/>
-            <a:chExt cx="3512869" cy="455642"/>
+            <a:off x="8645087" y="3157427"/>
+            <a:ext cx="848313" cy="332531"/>
+            <a:chOff x="8529006" y="7751892"/>
+            <a:chExt cx="3473818" cy="332531"/>
           </a:xfrm>
         </p:grpSpPr>
         <p:sp>
@@ -22656,8 +22657,8 @@
           </p:nvSpPr>
           <p:spPr>
             <a:xfrm>
-              <a:off x="9016511" y="7838202"/>
-              <a:ext cx="3044094" cy="369332"/>
+              <a:off x="8529006" y="7838202"/>
+              <a:ext cx="3468319" cy="246221"/>
             </a:xfrm>
             <a:prstGeom prst="rect">
               <a:avLst/>
@@ -22670,11 +22671,12 @@
             </a:bodyPr>
             <a:lstStyle/>
             <a:p>
+              <a:pPr algn="ctr"/>
               <a:r>
-                <a:rPr lang="en-US" altLang="ko-KR" dirty="0"/>
+                <a:rPr lang="en-US" altLang="ko-KR" sz="1000" dirty="0"/>
                 <a:t>320</a:t>
               </a:r>
-              <a:endParaRPr lang="ko-KR" altLang="en-US" dirty="0"/>
+              <a:endParaRPr lang="ko-KR" altLang="en-US" sz="1000" dirty="0"/>
             </a:p>
           </p:txBody>
         </p:sp>
@@ -22824,10 +22826,10 @@
         </p:nvGrpSpPr>
         <p:grpSpPr>
           <a:xfrm>
-            <a:off x="9590015" y="3167407"/>
-            <a:ext cx="1477597" cy="455642"/>
-            <a:chOff x="8547736" y="7751892"/>
-            <a:chExt cx="3512869" cy="455642"/>
+            <a:off x="9589943" y="3167407"/>
+            <a:ext cx="1453365" cy="332531"/>
+            <a:chOff x="8547565" y="7751892"/>
+            <a:chExt cx="3455259" cy="332531"/>
           </a:xfrm>
         </p:grpSpPr>
         <p:sp>
@@ -22844,8 +22846,8 @@
           </p:nvSpPr>
           <p:spPr>
             <a:xfrm>
-              <a:off x="9016511" y="7838202"/>
-              <a:ext cx="3044094" cy="369332"/>
+              <a:off x="8547565" y="7838202"/>
+              <a:ext cx="3455259" cy="246221"/>
             </a:xfrm>
             <a:prstGeom prst="rect">
               <a:avLst/>
@@ -22858,11 +22860,12 @@
             </a:bodyPr>
             <a:lstStyle/>
             <a:p>
+              <a:pPr algn="ctr"/>
               <a:r>
-                <a:rPr lang="en-US" altLang="ko-KR" dirty="0"/>
+                <a:rPr lang="en-US" altLang="ko-KR" sz="1000" dirty="0"/>
                 <a:t>600</a:t>
               </a:r>
-              <a:endParaRPr lang="ko-KR" altLang="en-US" dirty="0"/>
+              <a:endParaRPr lang="ko-KR" altLang="en-US" sz="1000" dirty="0"/>
             </a:p>
           </p:txBody>
         </p:sp>
